--- a/Class presentation.pptx
+++ b/Class presentation.pptx
@@ -124,8 +124,2908 @@
 <p1510:revInfo xmlns:a="http://schemas.openxmlformats.org/drawingml/2006/main" xmlns:r="http://schemas.openxmlformats.org/officeDocument/2006/relationships" xmlns:p1510="http://schemas.microsoft.com/office/powerpoint/2015/10/main">
   <p1510:revLst>
     <p1510:client id="{33488A58-36A7-419D-A329-9EB37F06D14A}" v="1294" dt="2022-11-14T04:24:45.628"/>
+    <p1510:client id="{DB25EFA3-1E0B-4840-8804-42792B90A879}" v="113" dt="2022-12-11T19:53:19.282"/>
   </p1510:revLst>
 </p1510:revInfo>
+</file>
+
+<file path=ppt/diagrams/colors1.xml><?xml version="1.0" encoding="utf-8"?>
+<dgm:colorsDef xmlns:dgm="http://schemas.openxmlformats.org/drawingml/2006/diagram" xmlns:a="http://schemas.openxmlformats.org/drawingml/2006/main" uniqueId="urn:microsoft.com/office/officeart/2005/8/colors/accent1_2">
+  <dgm:title val=""/>
+  <dgm:desc val=""/>
+  <dgm:catLst>
+    <dgm:cat type="accent1" pri="11200"/>
+  </dgm:catLst>
+  <dgm:styleLbl name="node0">
+    <dgm:fillClrLst meth="repeat">
+      <a:schemeClr val="accent1"/>
+    </dgm:fillClrLst>
+    <dgm:linClrLst meth="repeat">
+      <a:schemeClr val="lt1"/>
+    </dgm:linClrLst>
+    <dgm:effectClrLst/>
+    <dgm:txLinClrLst/>
+    <dgm:txFillClrLst/>
+    <dgm:txEffectClrLst/>
+  </dgm:styleLbl>
+  <dgm:styleLbl name="alignNode1">
+    <dgm:fillClrLst meth="repeat">
+      <a:schemeClr val="accent1"/>
+    </dgm:fillClrLst>
+    <dgm:linClrLst meth="repeat">
+      <a:schemeClr val="accent1"/>
+    </dgm:linClrLst>
+    <dgm:effectClrLst/>
+    <dgm:txLinClrLst/>
+    <dgm:txFillClrLst/>
+    <dgm:txEffectClrLst/>
+  </dgm:styleLbl>
+  <dgm:styleLbl name="node1">
+    <dgm:fillClrLst meth="repeat">
+      <a:schemeClr val="accent1"/>
+    </dgm:fillClrLst>
+    <dgm:linClrLst meth="repeat">
+      <a:schemeClr val="lt1"/>
+    </dgm:linClrLst>
+    <dgm:effectClrLst/>
+    <dgm:txLinClrLst/>
+    <dgm:txFillClrLst/>
+    <dgm:txEffectClrLst/>
+  </dgm:styleLbl>
+  <dgm:styleLbl name="lnNode1">
+    <dgm:fillClrLst meth="repeat">
+      <a:schemeClr val="accent1"/>
+    </dgm:fillClrLst>
+    <dgm:linClrLst meth="repeat">
+      <a:schemeClr val="lt1"/>
+    </dgm:linClrLst>
+    <dgm:effectClrLst/>
+    <dgm:txLinClrLst/>
+    <dgm:txFillClrLst/>
+    <dgm:txEffectClrLst/>
+  </dgm:styleLbl>
+  <dgm:styleLbl name="vennNode1">
+    <dgm:fillClrLst meth="repeat">
+      <a:schemeClr val="accent1">
+        <a:alpha val="50000"/>
+      </a:schemeClr>
+    </dgm:fillClrLst>
+    <dgm:linClrLst meth="repeat">
+      <a:schemeClr val="lt1"/>
+    </dgm:linClrLst>
+    <dgm:effectClrLst/>
+    <dgm:txLinClrLst/>
+    <dgm:txFillClrLst/>
+    <dgm:txEffectClrLst/>
+  </dgm:styleLbl>
+  <dgm:styleLbl name="node2">
+    <dgm:fillClrLst meth="repeat">
+      <a:schemeClr val="accent1"/>
+    </dgm:fillClrLst>
+    <dgm:linClrLst meth="repeat">
+      <a:schemeClr val="lt1"/>
+    </dgm:linClrLst>
+    <dgm:effectClrLst/>
+    <dgm:txLinClrLst/>
+    <dgm:txFillClrLst/>
+    <dgm:txEffectClrLst/>
+  </dgm:styleLbl>
+  <dgm:styleLbl name="node3">
+    <dgm:fillClrLst meth="repeat">
+      <a:schemeClr val="accent1"/>
+    </dgm:fillClrLst>
+    <dgm:linClrLst meth="repeat">
+      <a:schemeClr val="lt1"/>
+    </dgm:linClrLst>
+    <dgm:effectClrLst/>
+    <dgm:txLinClrLst/>
+    <dgm:txFillClrLst/>
+    <dgm:txEffectClrLst/>
+  </dgm:styleLbl>
+  <dgm:styleLbl name="node4">
+    <dgm:fillClrLst meth="repeat">
+      <a:schemeClr val="accent1"/>
+    </dgm:fillClrLst>
+    <dgm:linClrLst meth="repeat">
+      <a:schemeClr val="lt1"/>
+    </dgm:linClrLst>
+    <dgm:effectClrLst/>
+    <dgm:txLinClrLst/>
+    <dgm:txFillClrLst/>
+    <dgm:txEffectClrLst/>
+  </dgm:styleLbl>
+  <dgm:styleLbl name="fgImgPlace1">
+    <dgm:fillClrLst meth="repeat">
+      <a:schemeClr val="accent1">
+        <a:tint val="50000"/>
+      </a:schemeClr>
+    </dgm:fillClrLst>
+    <dgm:linClrLst meth="repeat">
+      <a:schemeClr val="lt1"/>
+    </dgm:linClrLst>
+    <dgm:effectClrLst/>
+    <dgm:txLinClrLst/>
+    <dgm:txFillClrLst meth="repeat">
+      <a:schemeClr val="lt1"/>
+    </dgm:txFillClrLst>
+    <dgm:txEffectClrLst/>
+  </dgm:styleLbl>
+  <dgm:styleLbl name="alignImgPlace1">
+    <dgm:fillClrLst meth="repeat">
+      <a:schemeClr val="accent1">
+        <a:tint val="50000"/>
+      </a:schemeClr>
+    </dgm:fillClrLst>
+    <dgm:linClrLst meth="repeat">
+      <a:schemeClr val="lt1"/>
+    </dgm:linClrLst>
+    <dgm:effectClrLst/>
+    <dgm:txLinClrLst/>
+    <dgm:txFillClrLst meth="repeat">
+      <a:schemeClr val="lt1"/>
+    </dgm:txFillClrLst>
+    <dgm:txEffectClrLst/>
+  </dgm:styleLbl>
+  <dgm:styleLbl name="bgImgPlace1">
+    <dgm:fillClrLst meth="repeat">
+      <a:schemeClr val="accent1">
+        <a:tint val="50000"/>
+      </a:schemeClr>
+    </dgm:fillClrLst>
+    <dgm:linClrLst meth="repeat">
+      <a:schemeClr val="lt1"/>
+    </dgm:linClrLst>
+    <dgm:effectClrLst/>
+    <dgm:txLinClrLst/>
+    <dgm:txFillClrLst meth="repeat">
+      <a:schemeClr val="lt1"/>
+    </dgm:txFillClrLst>
+    <dgm:txEffectClrLst/>
+  </dgm:styleLbl>
+  <dgm:styleLbl name="sibTrans2D1">
+    <dgm:fillClrLst meth="repeat">
+      <a:schemeClr val="accent1">
+        <a:tint val="60000"/>
+      </a:schemeClr>
+    </dgm:fillClrLst>
+    <dgm:linClrLst meth="repeat">
+      <a:schemeClr val="accent1">
+        <a:tint val="60000"/>
+      </a:schemeClr>
+    </dgm:linClrLst>
+    <dgm:effectClrLst/>
+    <dgm:txLinClrLst/>
+    <dgm:txFillClrLst/>
+    <dgm:txEffectClrLst/>
+  </dgm:styleLbl>
+  <dgm:styleLbl name="fgSibTrans2D1">
+    <dgm:fillClrLst meth="repeat">
+      <a:schemeClr val="accent1">
+        <a:tint val="60000"/>
+      </a:schemeClr>
+    </dgm:fillClrLst>
+    <dgm:linClrLst meth="repeat">
+      <a:schemeClr val="accent1">
+        <a:tint val="60000"/>
+      </a:schemeClr>
+    </dgm:linClrLst>
+    <dgm:effectClrLst/>
+    <dgm:txLinClrLst/>
+    <dgm:txFillClrLst/>
+    <dgm:txEffectClrLst/>
+  </dgm:styleLbl>
+  <dgm:styleLbl name="bgSibTrans2D1">
+    <dgm:fillClrLst meth="repeat">
+      <a:schemeClr val="accent1">
+        <a:tint val="60000"/>
+      </a:schemeClr>
+    </dgm:fillClrLst>
+    <dgm:linClrLst meth="repeat">
+      <a:schemeClr val="accent1">
+        <a:tint val="60000"/>
+      </a:schemeClr>
+    </dgm:linClrLst>
+    <dgm:effectClrLst/>
+    <dgm:txLinClrLst/>
+    <dgm:txFillClrLst/>
+    <dgm:txEffectClrLst/>
+  </dgm:styleLbl>
+  <dgm:styleLbl name="sibTrans1D1">
+    <dgm:fillClrLst meth="repeat">
+      <a:schemeClr val="accent1"/>
+    </dgm:fillClrLst>
+    <dgm:linClrLst meth="repeat">
+      <a:schemeClr val="accent1"/>
+    </dgm:linClrLst>
+    <dgm:effectClrLst/>
+    <dgm:txLinClrLst/>
+    <dgm:txFillClrLst meth="repeat">
+      <a:schemeClr val="tx1"/>
+    </dgm:txFillClrLst>
+    <dgm:txEffectClrLst/>
+  </dgm:styleLbl>
+  <dgm:styleLbl name="callout">
+    <dgm:fillClrLst meth="repeat">
+      <a:schemeClr val="accent1"/>
+    </dgm:fillClrLst>
+    <dgm:linClrLst meth="repeat">
+      <a:schemeClr val="accent1">
+        <a:tint val="50000"/>
+      </a:schemeClr>
+    </dgm:linClrLst>
+    <dgm:effectClrLst/>
+    <dgm:txLinClrLst/>
+    <dgm:txFillClrLst meth="repeat">
+      <a:schemeClr val="tx1"/>
+    </dgm:txFillClrLst>
+    <dgm:txEffectClrLst/>
+  </dgm:styleLbl>
+  <dgm:styleLbl name="asst0">
+    <dgm:fillClrLst meth="repeat">
+      <a:schemeClr val="accent1"/>
+    </dgm:fillClrLst>
+    <dgm:linClrLst meth="repeat">
+      <a:schemeClr val="lt1"/>
+    </dgm:linClrLst>
+    <dgm:effectClrLst/>
+    <dgm:txLinClrLst/>
+    <dgm:txFillClrLst/>
+    <dgm:txEffectClrLst/>
+  </dgm:styleLbl>
+  <dgm:styleLbl name="asst1">
+    <dgm:fillClrLst meth="repeat">
+      <a:schemeClr val="accent1"/>
+    </dgm:fillClrLst>
+    <dgm:linClrLst meth="repeat">
+      <a:schemeClr val="lt1"/>
+    </dgm:linClrLst>
+    <dgm:effectClrLst/>
+    <dgm:txLinClrLst/>
+    <dgm:txFillClrLst/>
+    <dgm:txEffectClrLst/>
+  </dgm:styleLbl>
+  <dgm:styleLbl name="asst2">
+    <dgm:fillClrLst meth="repeat">
+      <a:schemeClr val="accent1"/>
+    </dgm:fillClrLst>
+    <dgm:linClrLst meth="repeat">
+      <a:schemeClr val="lt1"/>
+    </dgm:linClrLst>
+    <dgm:effectClrLst/>
+    <dgm:txLinClrLst/>
+    <dgm:txFillClrLst/>
+    <dgm:txEffectClrLst/>
+  </dgm:styleLbl>
+  <dgm:styleLbl name="asst3">
+    <dgm:fillClrLst meth="repeat">
+      <a:schemeClr val="accent1"/>
+    </dgm:fillClrLst>
+    <dgm:linClrLst meth="repeat">
+      <a:schemeClr val="lt1"/>
+    </dgm:linClrLst>
+    <dgm:effectClrLst/>
+    <dgm:txLinClrLst/>
+    <dgm:txFillClrLst/>
+    <dgm:txEffectClrLst/>
+  </dgm:styleLbl>
+  <dgm:styleLbl name="asst4">
+    <dgm:fillClrLst meth="repeat">
+      <a:schemeClr val="accent1"/>
+    </dgm:fillClrLst>
+    <dgm:linClrLst meth="repeat">
+      <a:schemeClr val="lt1"/>
+    </dgm:linClrLst>
+    <dgm:effectClrLst/>
+    <dgm:txLinClrLst/>
+    <dgm:txFillClrLst/>
+    <dgm:txEffectClrLst/>
+  </dgm:styleLbl>
+  <dgm:styleLbl name="parChTrans2D1">
+    <dgm:fillClrLst meth="repeat">
+      <a:schemeClr val="accent1">
+        <a:tint val="60000"/>
+      </a:schemeClr>
+    </dgm:fillClrLst>
+    <dgm:linClrLst meth="repeat">
+      <a:schemeClr val="accent1">
+        <a:tint val="60000"/>
+      </a:schemeClr>
+    </dgm:linClrLst>
+    <dgm:effectClrLst/>
+    <dgm:txLinClrLst/>
+    <dgm:txFillClrLst meth="repeat">
+      <a:schemeClr val="lt1"/>
+    </dgm:txFillClrLst>
+    <dgm:txEffectClrLst/>
+  </dgm:styleLbl>
+  <dgm:styleLbl name="parChTrans2D2">
+    <dgm:fillClrLst meth="repeat">
+      <a:schemeClr val="accent1"/>
+    </dgm:fillClrLst>
+    <dgm:linClrLst meth="repeat">
+      <a:schemeClr val="accent1"/>
+    </dgm:linClrLst>
+    <dgm:effectClrLst/>
+    <dgm:txLinClrLst/>
+    <dgm:txFillClrLst meth="repeat">
+      <a:schemeClr val="lt1"/>
+    </dgm:txFillClrLst>
+    <dgm:txEffectClrLst/>
+  </dgm:styleLbl>
+  <dgm:styleLbl name="parChTrans2D3">
+    <dgm:fillClrLst meth="repeat">
+      <a:schemeClr val="accent1"/>
+    </dgm:fillClrLst>
+    <dgm:linClrLst meth="repeat">
+      <a:schemeClr val="accent1"/>
+    </dgm:linClrLst>
+    <dgm:effectClrLst/>
+    <dgm:txLinClrLst/>
+    <dgm:txFillClrLst meth="repeat">
+      <a:schemeClr val="lt1"/>
+    </dgm:txFillClrLst>
+    <dgm:txEffectClrLst/>
+  </dgm:styleLbl>
+  <dgm:styleLbl name="parChTrans2D4">
+    <dgm:fillClrLst meth="repeat">
+      <a:schemeClr val="accent1"/>
+    </dgm:fillClrLst>
+    <dgm:linClrLst meth="repeat">
+      <a:schemeClr val="accent1"/>
+    </dgm:linClrLst>
+    <dgm:effectClrLst/>
+    <dgm:txLinClrLst/>
+    <dgm:txFillClrLst meth="repeat">
+      <a:schemeClr val="lt1"/>
+    </dgm:txFillClrLst>
+    <dgm:txEffectClrLst/>
+  </dgm:styleLbl>
+  <dgm:styleLbl name="parChTrans1D1">
+    <dgm:fillClrLst meth="repeat">
+      <a:schemeClr val="accent1"/>
+    </dgm:fillClrLst>
+    <dgm:linClrLst meth="repeat">
+      <a:schemeClr val="accent1">
+        <a:shade val="60000"/>
+      </a:schemeClr>
+    </dgm:linClrLst>
+    <dgm:effectClrLst/>
+    <dgm:txLinClrLst/>
+    <dgm:txFillClrLst meth="repeat">
+      <a:schemeClr val="tx1"/>
+    </dgm:txFillClrLst>
+    <dgm:txEffectClrLst/>
+  </dgm:styleLbl>
+  <dgm:styleLbl name="parChTrans1D2">
+    <dgm:fillClrLst meth="repeat">
+      <a:schemeClr val="accent1"/>
+    </dgm:fillClrLst>
+    <dgm:linClrLst meth="repeat">
+      <a:schemeClr val="accent1">
+        <a:shade val="60000"/>
+      </a:schemeClr>
+    </dgm:linClrLst>
+    <dgm:effectClrLst/>
+    <dgm:txLinClrLst/>
+    <dgm:txFillClrLst meth="repeat">
+      <a:schemeClr val="tx1"/>
+    </dgm:txFillClrLst>
+    <dgm:txEffectClrLst/>
+  </dgm:styleLbl>
+  <dgm:styleLbl name="parChTrans1D3">
+    <dgm:fillClrLst meth="repeat">
+      <a:schemeClr val="accent1"/>
+    </dgm:fillClrLst>
+    <dgm:linClrLst meth="repeat">
+      <a:schemeClr val="accent1">
+        <a:shade val="80000"/>
+      </a:schemeClr>
+    </dgm:linClrLst>
+    <dgm:effectClrLst/>
+    <dgm:txLinClrLst/>
+    <dgm:txFillClrLst meth="repeat">
+      <a:schemeClr val="tx1"/>
+    </dgm:txFillClrLst>
+    <dgm:txEffectClrLst/>
+  </dgm:styleLbl>
+  <dgm:styleLbl name="parChTrans1D4">
+    <dgm:fillClrLst meth="repeat">
+      <a:schemeClr val="accent1"/>
+    </dgm:fillClrLst>
+    <dgm:linClrLst meth="repeat">
+      <a:schemeClr val="accent1">
+        <a:shade val="80000"/>
+      </a:schemeClr>
+    </dgm:linClrLst>
+    <dgm:effectClrLst/>
+    <dgm:txLinClrLst/>
+    <dgm:txFillClrLst meth="repeat">
+      <a:schemeClr val="tx1"/>
+    </dgm:txFillClrLst>
+    <dgm:txEffectClrLst/>
+  </dgm:styleLbl>
+  <dgm:styleLbl name="fgAcc1">
+    <dgm:fillClrLst meth="repeat">
+      <a:schemeClr val="lt1">
+        <a:alpha val="90000"/>
+      </a:schemeClr>
+    </dgm:fillClrLst>
+    <dgm:linClrLst meth="repeat">
+      <a:schemeClr val="accent1"/>
+    </dgm:linClrLst>
+    <dgm:effectClrLst/>
+    <dgm:txLinClrLst/>
+    <dgm:txFillClrLst meth="repeat">
+      <a:schemeClr val="dk1"/>
+    </dgm:txFillClrLst>
+    <dgm:txEffectClrLst/>
+  </dgm:styleLbl>
+  <dgm:styleLbl name="conFgAcc1">
+    <dgm:fillClrLst meth="repeat">
+      <a:schemeClr val="lt1">
+        <a:alpha val="90000"/>
+      </a:schemeClr>
+    </dgm:fillClrLst>
+    <dgm:linClrLst meth="repeat">
+      <a:schemeClr val="accent1"/>
+    </dgm:linClrLst>
+    <dgm:effectClrLst/>
+    <dgm:txLinClrLst/>
+    <dgm:txFillClrLst meth="repeat">
+      <a:schemeClr val="dk1"/>
+    </dgm:txFillClrLst>
+    <dgm:txEffectClrLst/>
+  </dgm:styleLbl>
+  <dgm:styleLbl name="alignAcc1">
+    <dgm:fillClrLst meth="repeat">
+      <a:schemeClr val="lt1">
+        <a:alpha val="90000"/>
+      </a:schemeClr>
+    </dgm:fillClrLst>
+    <dgm:linClrLst meth="repeat">
+      <a:schemeClr val="accent1"/>
+    </dgm:linClrLst>
+    <dgm:effectClrLst/>
+    <dgm:txLinClrLst/>
+    <dgm:txFillClrLst meth="repeat">
+      <a:schemeClr val="dk1"/>
+    </dgm:txFillClrLst>
+    <dgm:txEffectClrLst/>
+  </dgm:styleLbl>
+  <dgm:styleLbl name="trAlignAcc1">
+    <dgm:fillClrLst meth="repeat">
+      <a:schemeClr val="lt1">
+        <a:alpha val="40000"/>
+      </a:schemeClr>
+    </dgm:fillClrLst>
+    <dgm:linClrLst meth="repeat">
+      <a:schemeClr val="accent1"/>
+    </dgm:linClrLst>
+    <dgm:effectClrLst/>
+    <dgm:txLinClrLst/>
+    <dgm:txFillClrLst meth="repeat">
+      <a:schemeClr val="dk1"/>
+    </dgm:txFillClrLst>
+    <dgm:txEffectClrLst/>
+  </dgm:styleLbl>
+  <dgm:styleLbl name="bgAcc1">
+    <dgm:fillClrLst meth="repeat">
+      <a:schemeClr val="lt1">
+        <a:alpha val="90000"/>
+      </a:schemeClr>
+    </dgm:fillClrLst>
+    <dgm:linClrLst meth="repeat">
+      <a:schemeClr val="accent1"/>
+    </dgm:linClrLst>
+    <dgm:effectClrLst/>
+    <dgm:txLinClrLst/>
+    <dgm:txFillClrLst meth="repeat">
+      <a:schemeClr val="dk1"/>
+    </dgm:txFillClrLst>
+    <dgm:txEffectClrLst/>
+  </dgm:styleLbl>
+  <dgm:styleLbl name="solidFgAcc1">
+    <dgm:fillClrLst meth="repeat">
+      <a:schemeClr val="lt1"/>
+    </dgm:fillClrLst>
+    <dgm:linClrLst meth="repeat">
+      <a:schemeClr val="accent1"/>
+    </dgm:linClrLst>
+    <dgm:effectClrLst/>
+    <dgm:txLinClrLst/>
+    <dgm:txFillClrLst meth="repeat">
+      <a:schemeClr val="dk1"/>
+    </dgm:txFillClrLst>
+    <dgm:txEffectClrLst/>
+  </dgm:styleLbl>
+  <dgm:styleLbl name="solidAlignAcc1">
+    <dgm:fillClrLst meth="repeat">
+      <a:schemeClr val="lt1"/>
+    </dgm:fillClrLst>
+    <dgm:linClrLst meth="repeat">
+      <a:schemeClr val="accent1"/>
+    </dgm:linClrLst>
+    <dgm:effectClrLst/>
+    <dgm:txLinClrLst/>
+    <dgm:txFillClrLst meth="repeat">
+      <a:schemeClr val="dk1"/>
+    </dgm:txFillClrLst>
+    <dgm:txEffectClrLst/>
+  </dgm:styleLbl>
+  <dgm:styleLbl name="solidBgAcc1">
+    <dgm:fillClrLst meth="repeat">
+      <a:schemeClr val="lt1"/>
+    </dgm:fillClrLst>
+    <dgm:linClrLst meth="repeat">
+      <a:schemeClr val="accent1"/>
+    </dgm:linClrLst>
+    <dgm:effectClrLst/>
+    <dgm:txLinClrLst/>
+    <dgm:txFillClrLst meth="repeat">
+      <a:schemeClr val="dk1"/>
+    </dgm:txFillClrLst>
+    <dgm:txEffectClrLst/>
+  </dgm:styleLbl>
+  <dgm:styleLbl name="fgAccFollowNode1">
+    <dgm:fillClrLst meth="repeat">
+      <a:schemeClr val="accent1">
+        <a:alpha val="90000"/>
+        <a:tint val="40000"/>
+      </a:schemeClr>
+    </dgm:fillClrLst>
+    <dgm:linClrLst meth="repeat">
+      <a:schemeClr val="accent1">
+        <a:alpha val="90000"/>
+        <a:tint val="40000"/>
+      </a:schemeClr>
+    </dgm:linClrLst>
+    <dgm:effectClrLst/>
+    <dgm:txLinClrLst/>
+    <dgm:txFillClrLst meth="repeat">
+      <a:schemeClr val="dk1"/>
+    </dgm:txFillClrLst>
+    <dgm:txEffectClrLst/>
+  </dgm:styleLbl>
+  <dgm:styleLbl name="alignAccFollowNode1">
+    <dgm:fillClrLst meth="repeat">
+      <a:schemeClr val="accent1">
+        <a:alpha val="90000"/>
+        <a:tint val="40000"/>
+      </a:schemeClr>
+    </dgm:fillClrLst>
+    <dgm:linClrLst meth="repeat">
+      <a:schemeClr val="accent1">
+        <a:alpha val="90000"/>
+        <a:tint val="40000"/>
+      </a:schemeClr>
+    </dgm:linClrLst>
+    <dgm:effectClrLst/>
+    <dgm:txLinClrLst/>
+    <dgm:txFillClrLst meth="repeat">
+      <a:schemeClr val="dk1"/>
+    </dgm:txFillClrLst>
+    <dgm:txEffectClrLst/>
+  </dgm:styleLbl>
+  <dgm:styleLbl name="bgAccFollowNode1">
+    <dgm:fillClrLst meth="repeat">
+      <a:schemeClr val="accent1">
+        <a:alpha val="90000"/>
+        <a:tint val="40000"/>
+      </a:schemeClr>
+    </dgm:fillClrLst>
+    <dgm:linClrLst meth="repeat">
+      <a:schemeClr val="accent1">
+        <a:alpha val="90000"/>
+        <a:tint val="40000"/>
+      </a:schemeClr>
+    </dgm:linClrLst>
+    <dgm:effectClrLst/>
+    <dgm:txLinClrLst/>
+    <dgm:txFillClrLst meth="repeat">
+      <a:schemeClr val="dk1"/>
+    </dgm:txFillClrLst>
+    <dgm:txEffectClrLst/>
+  </dgm:styleLbl>
+  <dgm:styleLbl name="fgAcc0">
+    <dgm:fillClrLst meth="repeat">
+      <a:schemeClr val="lt1">
+        <a:alpha val="90000"/>
+      </a:schemeClr>
+    </dgm:fillClrLst>
+    <dgm:linClrLst meth="repeat">
+      <a:schemeClr val="accent1"/>
+    </dgm:linClrLst>
+    <dgm:effectClrLst/>
+    <dgm:txLinClrLst/>
+    <dgm:txFillClrLst meth="repeat">
+      <a:schemeClr val="dk1"/>
+    </dgm:txFillClrLst>
+    <dgm:txEffectClrLst/>
+  </dgm:styleLbl>
+  <dgm:styleLbl name="fgAcc2">
+    <dgm:fillClrLst meth="repeat">
+      <a:schemeClr val="lt1">
+        <a:alpha val="90000"/>
+      </a:schemeClr>
+    </dgm:fillClrLst>
+    <dgm:linClrLst meth="repeat">
+      <a:schemeClr val="accent1"/>
+    </dgm:linClrLst>
+    <dgm:effectClrLst/>
+    <dgm:txLinClrLst/>
+    <dgm:txFillClrLst meth="repeat">
+      <a:schemeClr val="dk1"/>
+    </dgm:txFillClrLst>
+    <dgm:txEffectClrLst/>
+  </dgm:styleLbl>
+  <dgm:styleLbl name="fgAcc3">
+    <dgm:fillClrLst meth="repeat">
+      <a:schemeClr val="lt1">
+        <a:alpha val="90000"/>
+      </a:schemeClr>
+    </dgm:fillClrLst>
+    <dgm:linClrLst meth="repeat">
+      <a:schemeClr val="accent1"/>
+    </dgm:linClrLst>
+    <dgm:effectClrLst/>
+    <dgm:txLinClrLst/>
+    <dgm:txFillClrLst meth="repeat">
+      <a:schemeClr val="dk1"/>
+    </dgm:txFillClrLst>
+    <dgm:txEffectClrLst/>
+  </dgm:styleLbl>
+  <dgm:styleLbl name="fgAcc4">
+    <dgm:fillClrLst meth="repeat">
+      <a:schemeClr val="lt1">
+        <a:alpha val="90000"/>
+      </a:schemeClr>
+    </dgm:fillClrLst>
+    <dgm:linClrLst meth="repeat">
+      <a:schemeClr val="accent1"/>
+    </dgm:linClrLst>
+    <dgm:effectClrLst/>
+    <dgm:txLinClrLst/>
+    <dgm:txFillClrLst meth="repeat">
+      <a:schemeClr val="dk1"/>
+    </dgm:txFillClrLst>
+    <dgm:txEffectClrLst/>
+  </dgm:styleLbl>
+  <dgm:styleLbl name="bgShp">
+    <dgm:fillClrLst meth="repeat">
+      <a:schemeClr val="accent1">
+        <a:tint val="40000"/>
+      </a:schemeClr>
+    </dgm:fillClrLst>
+    <dgm:linClrLst meth="repeat">
+      <a:schemeClr val="accent1"/>
+    </dgm:linClrLst>
+    <dgm:effectClrLst/>
+    <dgm:txLinClrLst/>
+    <dgm:txFillClrLst meth="repeat">
+      <a:schemeClr val="dk1"/>
+    </dgm:txFillClrLst>
+    <dgm:txEffectClrLst/>
+  </dgm:styleLbl>
+  <dgm:styleLbl name="dkBgShp">
+    <dgm:fillClrLst meth="repeat">
+      <a:schemeClr val="accent1">
+        <a:shade val="80000"/>
+      </a:schemeClr>
+    </dgm:fillClrLst>
+    <dgm:linClrLst meth="repeat">
+      <a:schemeClr val="accent1"/>
+    </dgm:linClrLst>
+    <dgm:effectClrLst/>
+    <dgm:txLinClrLst/>
+    <dgm:txFillClrLst meth="repeat">
+      <a:schemeClr val="lt1"/>
+    </dgm:txFillClrLst>
+    <dgm:txEffectClrLst/>
+  </dgm:styleLbl>
+  <dgm:styleLbl name="trBgShp">
+    <dgm:fillClrLst meth="repeat">
+      <a:schemeClr val="accent1">
+        <a:tint val="50000"/>
+        <a:alpha val="40000"/>
+      </a:schemeClr>
+    </dgm:fillClrLst>
+    <dgm:linClrLst meth="repeat">
+      <a:schemeClr val="accent1"/>
+    </dgm:linClrLst>
+    <dgm:effectClrLst/>
+    <dgm:txLinClrLst/>
+    <dgm:txFillClrLst meth="repeat">
+      <a:schemeClr val="lt1"/>
+    </dgm:txFillClrLst>
+    <dgm:txEffectClrLst/>
+  </dgm:styleLbl>
+  <dgm:styleLbl name="fgShp">
+    <dgm:fillClrLst meth="repeat">
+      <a:schemeClr val="accent1">
+        <a:tint val="60000"/>
+      </a:schemeClr>
+    </dgm:fillClrLst>
+    <dgm:linClrLst meth="repeat">
+      <a:schemeClr val="lt1"/>
+    </dgm:linClrLst>
+    <dgm:effectClrLst/>
+    <dgm:txLinClrLst/>
+    <dgm:txFillClrLst meth="repeat">
+      <a:schemeClr val="dk1"/>
+    </dgm:txFillClrLst>
+    <dgm:txEffectClrLst/>
+  </dgm:styleLbl>
+  <dgm:styleLbl name="revTx">
+    <dgm:fillClrLst meth="repeat">
+      <a:schemeClr val="lt1">
+        <a:alpha val="0"/>
+      </a:schemeClr>
+    </dgm:fillClrLst>
+    <dgm:linClrLst meth="repeat">
+      <a:schemeClr val="dk1">
+        <a:alpha val="0"/>
+      </a:schemeClr>
+    </dgm:linClrLst>
+    <dgm:effectClrLst/>
+    <dgm:txLinClrLst/>
+    <dgm:txFillClrLst meth="repeat">
+      <a:schemeClr val="tx1"/>
+    </dgm:txFillClrLst>
+    <dgm:txEffectClrLst/>
+  </dgm:styleLbl>
+</dgm:colorsDef>
+</file>
+
+<file path=ppt/diagrams/data1.xml><?xml version="1.0" encoding="utf-8"?>
+<dgm:dataModel xmlns:dgm="http://schemas.openxmlformats.org/drawingml/2006/diagram" xmlns:a="http://schemas.openxmlformats.org/drawingml/2006/main">
+  <dgm:ptLst>
+    <dgm:pt modelId="{59C21A0C-196A-42D3-BDC5-87B61591EAF9}" type="doc">
+      <dgm:prSet loTypeId="urn:microsoft.com/office/officeart/2018/2/layout/IconVerticalSolidList" loCatId="icon" qsTypeId="urn:microsoft.com/office/officeart/2005/8/quickstyle/simple1" qsCatId="simple" csTypeId="urn:microsoft.com/office/officeart/2005/8/colors/accent1_2" csCatId="accent1" phldr="1"/>
+      <dgm:spPr/>
+      <dgm:t>
+        <a:bodyPr/>
+        <a:lstStyle/>
+        <a:p>
+          <a:endParaRPr lang="en-US"/>
+        </a:p>
+      </dgm:t>
+    </dgm:pt>
+    <dgm:pt modelId="{C1214326-F9E6-4C54-A91F-8B643E58195B}">
+      <dgm:prSet/>
+      <dgm:spPr/>
+      <dgm:t>
+        <a:bodyPr/>
+        <a:lstStyle/>
+        <a:p>
+          <a:pPr>
+            <a:lnSpc>
+              <a:spcPct val="100000"/>
+            </a:lnSpc>
+          </a:pPr>
+          <a:r>
+            <a:rPr lang="en-GB"/>
+            <a:t>I implemented the Random Forrest and Logistic regression algorithm on the first dataset with varying hyperparameters. </a:t>
+          </a:r>
+          <a:endParaRPr lang="en-US"/>
+        </a:p>
+      </dgm:t>
+    </dgm:pt>
+    <dgm:pt modelId="{793CB7EF-CC67-48A0-A290-98F966F00963}" type="parTrans" cxnId="{26F78593-0735-4E8E-B0AB-E840E1F36F60}">
+      <dgm:prSet/>
+      <dgm:spPr/>
+      <dgm:t>
+        <a:bodyPr/>
+        <a:lstStyle/>
+        <a:p>
+          <a:endParaRPr lang="en-US"/>
+        </a:p>
+      </dgm:t>
+    </dgm:pt>
+    <dgm:pt modelId="{38F43F77-75B1-4CF7-ADB8-B9D43A00A302}" type="sibTrans" cxnId="{26F78593-0735-4E8E-B0AB-E840E1F36F60}">
+      <dgm:prSet/>
+      <dgm:spPr/>
+      <dgm:t>
+        <a:bodyPr/>
+        <a:lstStyle/>
+        <a:p>
+          <a:endParaRPr lang="en-US"/>
+        </a:p>
+      </dgm:t>
+    </dgm:pt>
+    <dgm:pt modelId="{1B1382CE-A70B-4B27-AAA7-5B5C7985C2AD}">
+      <dgm:prSet/>
+      <dgm:spPr/>
+      <dgm:t>
+        <a:bodyPr/>
+        <a:lstStyle/>
+        <a:p>
+          <a:pPr>
+            <a:lnSpc>
+              <a:spcPct val="100000"/>
+            </a:lnSpc>
+          </a:pPr>
+          <a:r>
+            <a:rPr lang="en-GB"/>
+            <a:t>The best estimators I got are shown below.</a:t>
+          </a:r>
+          <a:endParaRPr lang="en-US"/>
+        </a:p>
+      </dgm:t>
+    </dgm:pt>
+    <dgm:pt modelId="{F4BFA6A9-FDF5-44DC-A431-14CE3060AF22}" type="parTrans" cxnId="{28BEC688-E559-4091-A0A9-D4067DB72E3B}">
+      <dgm:prSet/>
+      <dgm:spPr/>
+      <dgm:t>
+        <a:bodyPr/>
+        <a:lstStyle/>
+        <a:p>
+          <a:endParaRPr lang="en-US"/>
+        </a:p>
+      </dgm:t>
+    </dgm:pt>
+    <dgm:pt modelId="{6205F2A3-174B-492E-A51D-C2A91E79022A}" type="sibTrans" cxnId="{28BEC688-E559-4091-A0A9-D4067DB72E3B}">
+      <dgm:prSet/>
+      <dgm:spPr/>
+      <dgm:t>
+        <a:bodyPr/>
+        <a:lstStyle/>
+        <a:p>
+          <a:endParaRPr lang="en-US"/>
+        </a:p>
+      </dgm:t>
+    </dgm:pt>
+    <dgm:pt modelId="{A642CB1A-A2DA-4B26-B604-553245454C1F}">
+      <dgm:prSet/>
+      <dgm:spPr/>
+      <dgm:t>
+        <a:bodyPr/>
+        <a:lstStyle/>
+        <a:p>
+          <a:pPr>
+            <a:lnSpc>
+              <a:spcPct val="100000"/>
+            </a:lnSpc>
+          </a:pPr>
+          <a:r>
+            <a:rPr lang="en-GB"/>
+            <a:t>The highest accuracy for the Random Forrest algorithm is 83% while it is 85% for Logistic Regression.</a:t>
+          </a:r>
+          <a:endParaRPr lang="en-US"/>
+        </a:p>
+      </dgm:t>
+    </dgm:pt>
+    <dgm:pt modelId="{A0137055-63F3-4F46-913A-D65ECF50E083}" type="parTrans" cxnId="{788FB629-715C-4E56-80D5-9A802E2694DD}">
+      <dgm:prSet/>
+      <dgm:spPr/>
+      <dgm:t>
+        <a:bodyPr/>
+        <a:lstStyle/>
+        <a:p>
+          <a:endParaRPr lang="en-US"/>
+        </a:p>
+      </dgm:t>
+    </dgm:pt>
+    <dgm:pt modelId="{07EF7B73-32B7-456D-B8EE-15E3AEBAF2DE}" type="sibTrans" cxnId="{788FB629-715C-4E56-80D5-9A802E2694DD}">
+      <dgm:prSet/>
+      <dgm:spPr/>
+      <dgm:t>
+        <a:bodyPr/>
+        <a:lstStyle/>
+        <a:p>
+          <a:endParaRPr lang="en-US"/>
+        </a:p>
+      </dgm:t>
+    </dgm:pt>
+    <dgm:pt modelId="{32731E3C-A46E-4111-9980-E1EC0630D805}" type="pres">
+      <dgm:prSet presAssocID="{59C21A0C-196A-42D3-BDC5-87B61591EAF9}" presName="root" presStyleCnt="0">
+        <dgm:presLayoutVars>
+          <dgm:dir/>
+          <dgm:resizeHandles val="exact"/>
+        </dgm:presLayoutVars>
+      </dgm:prSet>
+      <dgm:spPr/>
+    </dgm:pt>
+    <dgm:pt modelId="{4A062F75-5202-42DE-A99D-5FC63D0A4889}" type="pres">
+      <dgm:prSet presAssocID="{C1214326-F9E6-4C54-A91F-8B643E58195B}" presName="compNode" presStyleCnt="0"/>
+      <dgm:spPr/>
+    </dgm:pt>
+    <dgm:pt modelId="{1FBC358A-EB53-4501-B460-274A20BF489F}" type="pres">
+      <dgm:prSet presAssocID="{C1214326-F9E6-4C54-A91F-8B643E58195B}" presName="bgRect" presStyleLbl="bgShp" presStyleIdx="0" presStyleCnt="3"/>
+      <dgm:spPr/>
+    </dgm:pt>
+    <dgm:pt modelId="{3FC0A0DE-36FE-4F76-A21A-E83F06E33E27}" type="pres">
+      <dgm:prSet presAssocID="{C1214326-F9E6-4C54-A91F-8B643E58195B}" presName="iconRect" presStyleLbl="node1" presStyleIdx="0" presStyleCnt="3"/>
+      <dgm:spPr>
+        <a:blipFill>
+          <a:blip xmlns:r="http://schemas.openxmlformats.org/officeDocument/2006/relationships" r:embed="rId1">
+            <a:extLst>
+              <a:ext uri="{28A0092B-C50C-407E-A947-70E740481C1C}">
+                <a14:useLocalDpi xmlns:a14="http://schemas.microsoft.com/office/drawing/2010/main" val="0"/>
+              </a:ext>
+              <a:ext uri="{96DAC541-7B7A-43D3-8B79-37D633B846F1}">
+                <asvg:svgBlip xmlns:asvg="http://schemas.microsoft.com/office/drawing/2016/SVG/main" r:embed="rId2"/>
+              </a:ext>
+            </a:extLst>
+          </a:blip>
+          <a:stretch>
+            <a:fillRect/>
+          </a:stretch>
+        </a:blipFill>
+      </dgm:spPr>
+      <dgm:extLst>
+        <a:ext uri="{E40237B7-FDA0-4F09-8148-C483321AD2D9}">
+          <dgm14:cNvPr xmlns:dgm14="http://schemas.microsoft.com/office/drawing/2010/diagram" id="0" name="" descr="Statistics"/>
+        </a:ext>
+      </dgm:extLst>
+    </dgm:pt>
+    <dgm:pt modelId="{539C6294-8995-472E-97BD-2F7D227861E6}" type="pres">
+      <dgm:prSet presAssocID="{C1214326-F9E6-4C54-A91F-8B643E58195B}" presName="spaceRect" presStyleCnt="0"/>
+      <dgm:spPr/>
+    </dgm:pt>
+    <dgm:pt modelId="{AD214AC1-D86B-4356-9195-9E93AF091C62}" type="pres">
+      <dgm:prSet presAssocID="{C1214326-F9E6-4C54-A91F-8B643E58195B}" presName="parTx" presStyleLbl="revTx" presStyleIdx="0" presStyleCnt="3">
+        <dgm:presLayoutVars>
+          <dgm:chMax val="0"/>
+          <dgm:chPref val="0"/>
+        </dgm:presLayoutVars>
+      </dgm:prSet>
+      <dgm:spPr/>
+    </dgm:pt>
+    <dgm:pt modelId="{3D7A1ECC-A98F-4703-98D8-DA08D2C85397}" type="pres">
+      <dgm:prSet presAssocID="{38F43F77-75B1-4CF7-ADB8-B9D43A00A302}" presName="sibTrans" presStyleCnt="0"/>
+      <dgm:spPr/>
+    </dgm:pt>
+    <dgm:pt modelId="{7C01A0D7-66DE-424F-A1CE-E75B926D797F}" type="pres">
+      <dgm:prSet presAssocID="{1B1382CE-A70B-4B27-AAA7-5B5C7985C2AD}" presName="compNode" presStyleCnt="0"/>
+      <dgm:spPr/>
+    </dgm:pt>
+    <dgm:pt modelId="{BFFB9B6A-1D1D-4341-8B83-67D258874183}" type="pres">
+      <dgm:prSet presAssocID="{1B1382CE-A70B-4B27-AAA7-5B5C7985C2AD}" presName="bgRect" presStyleLbl="bgShp" presStyleIdx="1" presStyleCnt="3"/>
+      <dgm:spPr/>
+    </dgm:pt>
+    <dgm:pt modelId="{E24E7A4E-6214-43E8-8749-82D2BD1A5256}" type="pres">
+      <dgm:prSet presAssocID="{1B1382CE-A70B-4B27-AAA7-5B5C7985C2AD}" presName="iconRect" presStyleLbl="node1" presStyleIdx="1" presStyleCnt="3"/>
+      <dgm:spPr>
+        <a:blipFill>
+          <a:blip xmlns:r="http://schemas.openxmlformats.org/officeDocument/2006/relationships" r:embed="rId3">
+            <a:extLst>
+              <a:ext uri="{28A0092B-C50C-407E-A947-70E740481C1C}">
+                <a14:useLocalDpi xmlns:a14="http://schemas.microsoft.com/office/drawing/2010/main" val="0"/>
+              </a:ext>
+              <a:ext uri="{96DAC541-7B7A-43D3-8B79-37D633B846F1}">
+                <asvg:svgBlip xmlns:asvg="http://schemas.microsoft.com/office/drawing/2016/SVG/main" r:embed="rId4"/>
+              </a:ext>
+            </a:extLst>
+          </a:blip>
+          <a:stretch>
+            <a:fillRect/>
+          </a:stretch>
+        </a:blipFill>
+      </dgm:spPr>
+      <dgm:extLst>
+        <a:ext uri="{E40237B7-FDA0-4F09-8148-C483321AD2D9}">
+          <dgm14:cNvPr xmlns:dgm14="http://schemas.microsoft.com/office/drawing/2010/diagram" id="0" name="" descr="Ruler"/>
+        </a:ext>
+      </dgm:extLst>
+    </dgm:pt>
+    <dgm:pt modelId="{00469ADE-EE9E-44DC-B4A1-BCE9062FE778}" type="pres">
+      <dgm:prSet presAssocID="{1B1382CE-A70B-4B27-AAA7-5B5C7985C2AD}" presName="spaceRect" presStyleCnt="0"/>
+      <dgm:spPr/>
+    </dgm:pt>
+    <dgm:pt modelId="{55376AEA-573B-4370-B7F0-EA43A5CAB8F4}" type="pres">
+      <dgm:prSet presAssocID="{1B1382CE-A70B-4B27-AAA7-5B5C7985C2AD}" presName="parTx" presStyleLbl="revTx" presStyleIdx="1" presStyleCnt="3">
+        <dgm:presLayoutVars>
+          <dgm:chMax val="0"/>
+          <dgm:chPref val="0"/>
+        </dgm:presLayoutVars>
+      </dgm:prSet>
+      <dgm:spPr/>
+    </dgm:pt>
+    <dgm:pt modelId="{8A01CFEC-430E-49EB-888A-E7F700790B32}" type="pres">
+      <dgm:prSet presAssocID="{6205F2A3-174B-492E-A51D-C2A91E79022A}" presName="sibTrans" presStyleCnt="0"/>
+      <dgm:spPr/>
+    </dgm:pt>
+    <dgm:pt modelId="{502D02E8-E7C1-4925-8809-72A60D7C1D85}" type="pres">
+      <dgm:prSet presAssocID="{A642CB1A-A2DA-4B26-B604-553245454C1F}" presName="compNode" presStyleCnt="0"/>
+      <dgm:spPr/>
+    </dgm:pt>
+    <dgm:pt modelId="{53F73A3F-8C06-4216-81C4-45A79AD25287}" type="pres">
+      <dgm:prSet presAssocID="{A642CB1A-A2DA-4B26-B604-553245454C1F}" presName="bgRect" presStyleLbl="bgShp" presStyleIdx="2" presStyleCnt="3"/>
+      <dgm:spPr/>
+    </dgm:pt>
+    <dgm:pt modelId="{0D6EF58A-F35C-4C7B-A010-4E92A9453135}" type="pres">
+      <dgm:prSet presAssocID="{A642CB1A-A2DA-4B26-B604-553245454C1F}" presName="iconRect" presStyleLbl="node1" presStyleIdx="2" presStyleCnt="3"/>
+      <dgm:spPr>
+        <a:blipFill>
+          <a:blip xmlns:r="http://schemas.openxmlformats.org/officeDocument/2006/relationships" r:embed="rId5">
+            <a:extLst>
+              <a:ext uri="{28A0092B-C50C-407E-A947-70E740481C1C}">
+                <a14:useLocalDpi xmlns:a14="http://schemas.microsoft.com/office/drawing/2010/main" val="0"/>
+              </a:ext>
+              <a:ext uri="{96DAC541-7B7A-43D3-8B79-37D633B846F1}">
+                <asvg:svgBlip xmlns:asvg="http://schemas.microsoft.com/office/drawing/2016/SVG/main" r:embed="rId6"/>
+              </a:ext>
+            </a:extLst>
+          </a:blip>
+          <a:stretch>
+            <a:fillRect/>
+          </a:stretch>
+        </a:blipFill>
+      </dgm:spPr>
+      <dgm:extLst>
+        <a:ext uri="{E40237B7-FDA0-4F09-8148-C483321AD2D9}">
+          <dgm14:cNvPr xmlns:dgm14="http://schemas.microsoft.com/office/drawing/2010/diagram" id="0" name="" descr="Wi-Fi"/>
+        </a:ext>
+      </dgm:extLst>
+    </dgm:pt>
+    <dgm:pt modelId="{045592B9-E753-4BBA-9E41-A2097F88ED71}" type="pres">
+      <dgm:prSet presAssocID="{A642CB1A-A2DA-4B26-B604-553245454C1F}" presName="spaceRect" presStyleCnt="0"/>
+      <dgm:spPr/>
+    </dgm:pt>
+    <dgm:pt modelId="{73D96D52-A683-4191-A539-2CACEF127C5C}" type="pres">
+      <dgm:prSet presAssocID="{A642CB1A-A2DA-4B26-B604-553245454C1F}" presName="parTx" presStyleLbl="revTx" presStyleIdx="2" presStyleCnt="3">
+        <dgm:presLayoutVars>
+          <dgm:chMax val="0"/>
+          <dgm:chPref val="0"/>
+        </dgm:presLayoutVars>
+      </dgm:prSet>
+      <dgm:spPr/>
+    </dgm:pt>
+  </dgm:ptLst>
+  <dgm:cxnLst>
+    <dgm:cxn modelId="{08146C06-F179-461F-BE98-13B44B98B73F}" type="presOf" srcId="{59C21A0C-196A-42D3-BDC5-87B61591EAF9}" destId="{32731E3C-A46E-4111-9980-E1EC0630D805}" srcOrd="0" destOrd="0" presId="urn:microsoft.com/office/officeart/2018/2/layout/IconVerticalSolidList"/>
+    <dgm:cxn modelId="{788FB629-715C-4E56-80D5-9A802E2694DD}" srcId="{59C21A0C-196A-42D3-BDC5-87B61591EAF9}" destId="{A642CB1A-A2DA-4B26-B604-553245454C1F}" srcOrd="2" destOrd="0" parTransId="{A0137055-63F3-4F46-913A-D65ECF50E083}" sibTransId="{07EF7B73-32B7-456D-B8EE-15E3AEBAF2DE}"/>
+    <dgm:cxn modelId="{0D9D2F41-6BC4-4C75-8609-A7773D14DCAB}" type="presOf" srcId="{C1214326-F9E6-4C54-A91F-8B643E58195B}" destId="{AD214AC1-D86B-4356-9195-9E93AF091C62}" srcOrd="0" destOrd="0" presId="urn:microsoft.com/office/officeart/2018/2/layout/IconVerticalSolidList"/>
+    <dgm:cxn modelId="{28BEC688-E559-4091-A0A9-D4067DB72E3B}" srcId="{59C21A0C-196A-42D3-BDC5-87B61591EAF9}" destId="{1B1382CE-A70B-4B27-AAA7-5B5C7985C2AD}" srcOrd="1" destOrd="0" parTransId="{F4BFA6A9-FDF5-44DC-A431-14CE3060AF22}" sibTransId="{6205F2A3-174B-492E-A51D-C2A91E79022A}"/>
+    <dgm:cxn modelId="{AB93A78D-7C24-4457-8F8B-3AD43C7BACD8}" type="presOf" srcId="{1B1382CE-A70B-4B27-AAA7-5B5C7985C2AD}" destId="{55376AEA-573B-4370-B7F0-EA43A5CAB8F4}" srcOrd="0" destOrd="0" presId="urn:microsoft.com/office/officeart/2018/2/layout/IconVerticalSolidList"/>
+    <dgm:cxn modelId="{26F78593-0735-4E8E-B0AB-E840E1F36F60}" srcId="{59C21A0C-196A-42D3-BDC5-87B61591EAF9}" destId="{C1214326-F9E6-4C54-A91F-8B643E58195B}" srcOrd="0" destOrd="0" parTransId="{793CB7EF-CC67-48A0-A290-98F966F00963}" sibTransId="{38F43F77-75B1-4CF7-ADB8-B9D43A00A302}"/>
+    <dgm:cxn modelId="{2339A8B6-5965-4E99-ACC1-71DEDF5EF39C}" type="presOf" srcId="{A642CB1A-A2DA-4B26-B604-553245454C1F}" destId="{73D96D52-A683-4191-A539-2CACEF127C5C}" srcOrd="0" destOrd="0" presId="urn:microsoft.com/office/officeart/2018/2/layout/IconVerticalSolidList"/>
+    <dgm:cxn modelId="{BBDBD032-EA6B-4DF0-AE1B-700B9B6BBBC9}" type="presParOf" srcId="{32731E3C-A46E-4111-9980-E1EC0630D805}" destId="{4A062F75-5202-42DE-A99D-5FC63D0A4889}" srcOrd="0" destOrd="0" presId="urn:microsoft.com/office/officeart/2018/2/layout/IconVerticalSolidList"/>
+    <dgm:cxn modelId="{DE2B8D21-6922-448F-BEE9-EC452C85BDA3}" type="presParOf" srcId="{4A062F75-5202-42DE-A99D-5FC63D0A4889}" destId="{1FBC358A-EB53-4501-B460-274A20BF489F}" srcOrd="0" destOrd="0" presId="urn:microsoft.com/office/officeart/2018/2/layout/IconVerticalSolidList"/>
+    <dgm:cxn modelId="{64C55FAF-A94F-4412-8A10-0D4D20B273B5}" type="presParOf" srcId="{4A062F75-5202-42DE-A99D-5FC63D0A4889}" destId="{3FC0A0DE-36FE-4F76-A21A-E83F06E33E27}" srcOrd="1" destOrd="0" presId="urn:microsoft.com/office/officeart/2018/2/layout/IconVerticalSolidList"/>
+    <dgm:cxn modelId="{083F917B-8EB7-49F9-A6CB-F6330C30783C}" type="presParOf" srcId="{4A062F75-5202-42DE-A99D-5FC63D0A4889}" destId="{539C6294-8995-472E-97BD-2F7D227861E6}" srcOrd="2" destOrd="0" presId="urn:microsoft.com/office/officeart/2018/2/layout/IconVerticalSolidList"/>
+    <dgm:cxn modelId="{505C71BE-CA5E-4000-AA23-7314ED9D09CC}" type="presParOf" srcId="{4A062F75-5202-42DE-A99D-5FC63D0A4889}" destId="{AD214AC1-D86B-4356-9195-9E93AF091C62}" srcOrd="3" destOrd="0" presId="urn:microsoft.com/office/officeart/2018/2/layout/IconVerticalSolidList"/>
+    <dgm:cxn modelId="{1C57771A-5512-4135-A078-2B842F0CAC1C}" type="presParOf" srcId="{32731E3C-A46E-4111-9980-E1EC0630D805}" destId="{3D7A1ECC-A98F-4703-98D8-DA08D2C85397}" srcOrd="1" destOrd="0" presId="urn:microsoft.com/office/officeart/2018/2/layout/IconVerticalSolidList"/>
+    <dgm:cxn modelId="{9AD424B6-C613-4056-9FE4-6A786679D830}" type="presParOf" srcId="{32731E3C-A46E-4111-9980-E1EC0630D805}" destId="{7C01A0D7-66DE-424F-A1CE-E75B926D797F}" srcOrd="2" destOrd="0" presId="urn:microsoft.com/office/officeart/2018/2/layout/IconVerticalSolidList"/>
+    <dgm:cxn modelId="{3BFAC406-2A63-4A9E-97DB-07719D6E0AAA}" type="presParOf" srcId="{7C01A0D7-66DE-424F-A1CE-E75B926D797F}" destId="{BFFB9B6A-1D1D-4341-8B83-67D258874183}" srcOrd="0" destOrd="0" presId="urn:microsoft.com/office/officeart/2018/2/layout/IconVerticalSolidList"/>
+    <dgm:cxn modelId="{2319B612-1AFD-4874-9818-020A73BE1C3F}" type="presParOf" srcId="{7C01A0D7-66DE-424F-A1CE-E75B926D797F}" destId="{E24E7A4E-6214-43E8-8749-82D2BD1A5256}" srcOrd="1" destOrd="0" presId="urn:microsoft.com/office/officeart/2018/2/layout/IconVerticalSolidList"/>
+    <dgm:cxn modelId="{7973FB4B-6201-4AA2-9B71-EE8D4B0DCD27}" type="presParOf" srcId="{7C01A0D7-66DE-424F-A1CE-E75B926D797F}" destId="{00469ADE-EE9E-44DC-B4A1-BCE9062FE778}" srcOrd="2" destOrd="0" presId="urn:microsoft.com/office/officeart/2018/2/layout/IconVerticalSolidList"/>
+    <dgm:cxn modelId="{F0912BA0-63C2-467D-8818-014996C586EC}" type="presParOf" srcId="{7C01A0D7-66DE-424F-A1CE-E75B926D797F}" destId="{55376AEA-573B-4370-B7F0-EA43A5CAB8F4}" srcOrd="3" destOrd="0" presId="urn:microsoft.com/office/officeart/2018/2/layout/IconVerticalSolidList"/>
+    <dgm:cxn modelId="{0A232A57-F293-4933-BE4A-5CBBBA232471}" type="presParOf" srcId="{32731E3C-A46E-4111-9980-E1EC0630D805}" destId="{8A01CFEC-430E-49EB-888A-E7F700790B32}" srcOrd="3" destOrd="0" presId="urn:microsoft.com/office/officeart/2018/2/layout/IconVerticalSolidList"/>
+    <dgm:cxn modelId="{2D7E3D3A-297B-4CE6-8741-F8F8DC3070B2}" type="presParOf" srcId="{32731E3C-A46E-4111-9980-E1EC0630D805}" destId="{502D02E8-E7C1-4925-8809-72A60D7C1D85}" srcOrd="4" destOrd="0" presId="urn:microsoft.com/office/officeart/2018/2/layout/IconVerticalSolidList"/>
+    <dgm:cxn modelId="{FAFFF266-71FF-4A15-B778-5F55406E6C7F}" type="presParOf" srcId="{502D02E8-E7C1-4925-8809-72A60D7C1D85}" destId="{53F73A3F-8C06-4216-81C4-45A79AD25287}" srcOrd="0" destOrd="0" presId="urn:microsoft.com/office/officeart/2018/2/layout/IconVerticalSolidList"/>
+    <dgm:cxn modelId="{9BCE1C40-63D2-4174-A93A-753F88106040}" type="presParOf" srcId="{502D02E8-E7C1-4925-8809-72A60D7C1D85}" destId="{0D6EF58A-F35C-4C7B-A010-4E92A9453135}" srcOrd="1" destOrd="0" presId="urn:microsoft.com/office/officeart/2018/2/layout/IconVerticalSolidList"/>
+    <dgm:cxn modelId="{39C3D6C5-BA53-4CA6-8586-91EC4DAAEA62}" type="presParOf" srcId="{502D02E8-E7C1-4925-8809-72A60D7C1D85}" destId="{045592B9-E753-4BBA-9E41-A2097F88ED71}" srcOrd="2" destOrd="0" presId="urn:microsoft.com/office/officeart/2018/2/layout/IconVerticalSolidList"/>
+    <dgm:cxn modelId="{B7EF65B5-1068-4981-B494-6B81D0B07259}" type="presParOf" srcId="{502D02E8-E7C1-4925-8809-72A60D7C1D85}" destId="{73D96D52-A683-4191-A539-2CACEF127C5C}" srcOrd="3" destOrd="0" presId="urn:microsoft.com/office/officeart/2018/2/layout/IconVerticalSolidList"/>
+  </dgm:cxnLst>
+  <dgm:bg/>
+  <dgm:whole/>
+  <dgm:extLst>
+    <a:ext uri="http://schemas.microsoft.com/office/drawing/2008/diagram">
+      <dsp:dataModelExt xmlns:dsp="http://schemas.microsoft.com/office/drawing/2008/diagram" relId="rId6" minVer="http://schemas.openxmlformats.org/drawingml/2006/diagram"/>
+    </a:ext>
+  </dgm:extLst>
+</dgm:dataModel>
+</file>
+
+<file path=ppt/diagrams/drawing1.xml><?xml version="1.0" encoding="utf-8"?>
+<dsp:drawing xmlns:dgm="http://schemas.openxmlformats.org/drawingml/2006/diagram" xmlns:dsp="http://schemas.microsoft.com/office/drawing/2008/diagram" xmlns:a="http://schemas.openxmlformats.org/drawingml/2006/main">
+  <dsp:spTree>
+    <dsp:nvGrpSpPr>
+      <dsp:cNvPr id="0" name=""/>
+      <dsp:cNvGrpSpPr/>
+    </dsp:nvGrpSpPr>
+    <dsp:grpSpPr/>
+    <dsp:sp modelId="{1FBC358A-EB53-4501-B460-274A20BF489F}">
+      <dsp:nvSpPr>
+        <dsp:cNvPr id="0" name=""/>
+        <dsp:cNvSpPr/>
+      </dsp:nvSpPr>
+      <dsp:spPr>
+        <a:xfrm>
+          <a:off x="0" y="413"/>
+          <a:ext cx="5488399" cy="968684"/>
+        </a:xfrm>
+        <a:prstGeom prst="roundRect">
+          <a:avLst>
+            <a:gd name="adj" fmla="val 10000"/>
+          </a:avLst>
+        </a:prstGeom>
+        <a:solidFill>
+          <a:schemeClr val="accent1">
+            <a:tint val="40000"/>
+            <a:hueOff val="0"/>
+            <a:satOff val="0"/>
+            <a:lumOff val="0"/>
+            <a:alphaOff val="0"/>
+          </a:schemeClr>
+        </a:solidFill>
+        <a:ln>
+          <a:noFill/>
+        </a:ln>
+        <a:effectLst/>
+      </dsp:spPr>
+      <dsp:style>
+        <a:lnRef idx="0">
+          <a:scrgbClr r="0" g="0" b="0"/>
+        </a:lnRef>
+        <a:fillRef idx="1">
+          <a:scrgbClr r="0" g="0" b="0"/>
+        </a:fillRef>
+        <a:effectRef idx="0">
+          <a:scrgbClr r="0" g="0" b="0"/>
+        </a:effectRef>
+        <a:fontRef idx="minor"/>
+      </dsp:style>
+    </dsp:sp>
+    <dsp:sp modelId="{3FC0A0DE-36FE-4F76-A21A-E83F06E33E27}">
+      <dsp:nvSpPr>
+        <dsp:cNvPr id="0" name=""/>
+        <dsp:cNvSpPr/>
+      </dsp:nvSpPr>
+      <dsp:spPr>
+        <a:xfrm>
+          <a:off x="293027" y="218368"/>
+          <a:ext cx="532776" cy="532776"/>
+        </a:xfrm>
+        <a:prstGeom prst="rect">
+          <a:avLst/>
+        </a:prstGeom>
+        <a:blipFill>
+          <a:blip xmlns:r="http://schemas.openxmlformats.org/officeDocument/2006/relationships" r:embed="rId1">
+            <a:extLst>
+              <a:ext uri="{28A0092B-C50C-407E-A947-70E740481C1C}">
+                <a14:useLocalDpi xmlns:a14="http://schemas.microsoft.com/office/drawing/2010/main" val="0"/>
+              </a:ext>
+              <a:ext uri="{96DAC541-7B7A-43D3-8B79-37D633B846F1}">
+                <asvg:svgBlip xmlns:asvg="http://schemas.microsoft.com/office/drawing/2016/SVG/main" r:embed="rId2"/>
+              </a:ext>
+            </a:extLst>
+          </a:blip>
+          <a:stretch>
+            <a:fillRect/>
+          </a:stretch>
+        </a:blipFill>
+        <a:ln w="12700" cap="flat" cmpd="sng" algn="ctr">
+          <a:solidFill>
+            <a:schemeClr val="lt1">
+              <a:hueOff val="0"/>
+              <a:satOff val="0"/>
+              <a:lumOff val="0"/>
+              <a:alphaOff val="0"/>
+            </a:schemeClr>
+          </a:solidFill>
+          <a:prstDash val="solid"/>
+          <a:miter lim="800000"/>
+        </a:ln>
+        <a:effectLst/>
+      </dsp:spPr>
+      <dsp:style>
+        <a:lnRef idx="2">
+          <a:scrgbClr r="0" g="0" b="0"/>
+        </a:lnRef>
+        <a:fillRef idx="1">
+          <a:scrgbClr r="0" g="0" b="0"/>
+        </a:fillRef>
+        <a:effectRef idx="0">
+          <a:scrgbClr r="0" g="0" b="0"/>
+        </a:effectRef>
+        <a:fontRef idx="minor">
+          <a:schemeClr val="lt1"/>
+        </a:fontRef>
+      </dsp:style>
+    </dsp:sp>
+    <dsp:sp modelId="{AD214AC1-D86B-4356-9195-9E93AF091C62}">
+      <dsp:nvSpPr>
+        <dsp:cNvPr id="0" name=""/>
+        <dsp:cNvSpPr/>
+      </dsp:nvSpPr>
+      <dsp:spPr>
+        <a:xfrm>
+          <a:off x="1118830" y="413"/>
+          <a:ext cx="4369568" cy="968684"/>
+        </a:xfrm>
+        <a:prstGeom prst="rect">
+          <a:avLst/>
+        </a:prstGeom>
+        <a:noFill/>
+        <a:ln>
+          <a:noFill/>
+        </a:ln>
+        <a:effectLst/>
+      </dsp:spPr>
+      <dsp:style>
+        <a:lnRef idx="0">
+          <a:scrgbClr r="0" g="0" b="0"/>
+        </a:lnRef>
+        <a:fillRef idx="0">
+          <a:scrgbClr r="0" g="0" b="0"/>
+        </a:fillRef>
+        <a:effectRef idx="0">
+          <a:scrgbClr r="0" g="0" b="0"/>
+        </a:effectRef>
+        <a:fontRef idx="minor"/>
+      </dsp:style>
+      <dsp:txBody>
+        <a:bodyPr spcFirstLastPara="0" vert="horz" wrap="square" lIns="102519" tIns="102519" rIns="102519" bIns="102519" numCol="1" spcCol="1270" anchor="ctr" anchorCtr="0">
+          <a:noAutofit/>
+        </a:bodyPr>
+        <a:lstStyle/>
+        <a:p>
+          <a:pPr marL="0" lvl="0" indent="0" algn="l" defTabSz="711200">
+            <a:lnSpc>
+              <a:spcPct val="100000"/>
+            </a:lnSpc>
+            <a:spcBef>
+              <a:spcPct val="0"/>
+            </a:spcBef>
+            <a:spcAft>
+              <a:spcPct val="35000"/>
+            </a:spcAft>
+            <a:buNone/>
+          </a:pPr>
+          <a:r>
+            <a:rPr lang="en-GB" sz="1600" kern="1200"/>
+            <a:t>I implemented the Random Forrest and Logistic regression algorithm on the first dataset with varying hyperparameters. </a:t>
+          </a:r>
+          <a:endParaRPr lang="en-US" sz="1600" kern="1200"/>
+        </a:p>
+      </dsp:txBody>
+      <dsp:txXfrm>
+        <a:off x="1118830" y="413"/>
+        <a:ext cx="4369568" cy="968684"/>
+      </dsp:txXfrm>
+    </dsp:sp>
+    <dsp:sp modelId="{BFFB9B6A-1D1D-4341-8B83-67D258874183}">
+      <dsp:nvSpPr>
+        <dsp:cNvPr id="0" name=""/>
+        <dsp:cNvSpPr/>
+      </dsp:nvSpPr>
+      <dsp:spPr>
+        <a:xfrm>
+          <a:off x="0" y="1211269"/>
+          <a:ext cx="5488399" cy="968684"/>
+        </a:xfrm>
+        <a:prstGeom prst="roundRect">
+          <a:avLst>
+            <a:gd name="adj" fmla="val 10000"/>
+          </a:avLst>
+        </a:prstGeom>
+        <a:solidFill>
+          <a:schemeClr val="accent1">
+            <a:tint val="40000"/>
+            <a:hueOff val="0"/>
+            <a:satOff val="0"/>
+            <a:lumOff val="0"/>
+            <a:alphaOff val="0"/>
+          </a:schemeClr>
+        </a:solidFill>
+        <a:ln>
+          <a:noFill/>
+        </a:ln>
+        <a:effectLst/>
+      </dsp:spPr>
+      <dsp:style>
+        <a:lnRef idx="0">
+          <a:scrgbClr r="0" g="0" b="0"/>
+        </a:lnRef>
+        <a:fillRef idx="1">
+          <a:scrgbClr r="0" g="0" b="0"/>
+        </a:fillRef>
+        <a:effectRef idx="0">
+          <a:scrgbClr r="0" g="0" b="0"/>
+        </a:effectRef>
+        <a:fontRef idx="minor"/>
+      </dsp:style>
+    </dsp:sp>
+    <dsp:sp modelId="{E24E7A4E-6214-43E8-8749-82D2BD1A5256}">
+      <dsp:nvSpPr>
+        <dsp:cNvPr id="0" name=""/>
+        <dsp:cNvSpPr/>
+      </dsp:nvSpPr>
+      <dsp:spPr>
+        <a:xfrm>
+          <a:off x="293027" y="1429223"/>
+          <a:ext cx="532776" cy="532776"/>
+        </a:xfrm>
+        <a:prstGeom prst="rect">
+          <a:avLst/>
+        </a:prstGeom>
+        <a:blipFill>
+          <a:blip xmlns:r="http://schemas.openxmlformats.org/officeDocument/2006/relationships" r:embed="rId3">
+            <a:extLst>
+              <a:ext uri="{28A0092B-C50C-407E-A947-70E740481C1C}">
+                <a14:useLocalDpi xmlns:a14="http://schemas.microsoft.com/office/drawing/2010/main" val="0"/>
+              </a:ext>
+              <a:ext uri="{96DAC541-7B7A-43D3-8B79-37D633B846F1}">
+                <asvg:svgBlip xmlns:asvg="http://schemas.microsoft.com/office/drawing/2016/SVG/main" r:embed="rId4"/>
+              </a:ext>
+            </a:extLst>
+          </a:blip>
+          <a:stretch>
+            <a:fillRect/>
+          </a:stretch>
+        </a:blipFill>
+        <a:ln w="12700" cap="flat" cmpd="sng" algn="ctr">
+          <a:solidFill>
+            <a:schemeClr val="lt1">
+              <a:hueOff val="0"/>
+              <a:satOff val="0"/>
+              <a:lumOff val="0"/>
+              <a:alphaOff val="0"/>
+            </a:schemeClr>
+          </a:solidFill>
+          <a:prstDash val="solid"/>
+          <a:miter lim="800000"/>
+        </a:ln>
+        <a:effectLst/>
+      </dsp:spPr>
+      <dsp:style>
+        <a:lnRef idx="2">
+          <a:scrgbClr r="0" g="0" b="0"/>
+        </a:lnRef>
+        <a:fillRef idx="1">
+          <a:scrgbClr r="0" g="0" b="0"/>
+        </a:fillRef>
+        <a:effectRef idx="0">
+          <a:scrgbClr r="0" g="0" b="0"/>
+        </a:effectRef>
+        <a:fontRef idx="minor">
+          <a:schemeClr val="lt1"/>
+        </a:fontRef>
+      </dsp:style>
+    </dsp:sp>
+    <dsp:sp modelId="{55376AEA-573B-4370-B7F0-EA43A5CAB8F4}">
+      <dsp:nvSpPr>
+        <dsp:cNvPr id="0" name=""/>
+        <dsp:cNvSpPr/>
+      </dsp:nvSpPr>
+      <dsp:spPr>
+        <a:xfrm>
+          <a:off x="1118830" y="1211269"/>
+          <a:ext cx="4369568" cy="968684"/>
+        </a:xfrm>
+        <a:prstGeom prst="rect">
+          <a:avLst/>
+        </a:prstGeom>
+        <a:noFill/>
+        <a:ln>
+          <a:noFill/>
+        </a:ln>
+        <a:effectLst/>
+      </dsp:spPr>
+      <dsp:style>
+        <a:lnRef idx="0">
+          <a:scrgbClr r="0" g="0" b="0"/>
+        </a:lnRef>
+        <a:fillRef idx="0">
+          <a:scrgbClr r="0" g="0" b="0"/>
+        </a:fillRef>
+        <a:effectRef idx="0">
+          <a:scrgbClr r="0" g="0" b="0"/>
+        </a:effectRef>
+        <a:fontRef idx="minor"/>
+      </dsp:style>
+      <dsp:txBody>
+        <a:bodyPr spcFirstLastPara="0" vert="horz" wrap="square" lIns="102519" tIns="102519" rIns="102519" bIns="102519" numCol="1" spcCol="1270" anchor="ctr" anchorCtr="0">
+          <a:noAutofit/>
+        </a:bodyPr>
+        <a:lstStyle/>
+        <a:p>
+          <a:pPr marL="0" lvl="0" indent="0" algn="l" defTabSz="711200">
+            <a:lnSpc>
+              <a:spcPct val="100000"/>
+            </a:lnSpc>
+            <a:spcBef>
+              <a:spcPct val="0"/>
+            </a:spcBef>
+            <a:spcAft>
+              <a:spcPct val="35000"/>
+            </a:spcAft>
+            <a:buNone/>
+          </a:pPr>
+          <a:r>
+            <a:rPr lang="en-GB" sz="1600" kern="1200"/>
+            <a:t>The best estimators I got are shown below.</a:t>
+          </a:r>
+          <a:endParaRPr lang="en-US" sz="1600" kern="1200"/>
+        </a:p>
+      </dsp:txBody>
+      <dsp:txXfrm>
+        <a:off x="1118830" y="1211269"/>
+        <a:ext cx="4369568" cy="968684"/>
+      </dsp:txXfrm>
+    </dsp:sp>
+    <dsp:sp modelId="{53F73A3F-8C06-4216-81C4-45A79AD25287}">
+      <dsp:nvSpPr>
+        <dsp:cNvPr id="0" name=""/>
+        <dsp:cNvSpPr/>
+      </dsp:nvSpPr>
+      <dsp:spPr>
+        <a:xfrm>
+          <a:off x="0" y="2422125"/>
+          <a:ext cx="5488399" cy="968684"/>
+        </a:xfrm>
+        <a:prstGeom prst="roundRect">
+          <a:avLst>
+            <a:gd name="adj" fmla="val 10000"/>
+          </a:avLst>
+        </a:prstGeom>
+        <a:solidFill>
+          <a:schemeClr val="accent1">
+            <a:tint val="40000"/>
+            <a:hueOff val="0"/>
+            <a:satOff val="0"/>
+            <a:lumOff val="0"/>
+            <a:alphaOff val="0"/>
+          </a:schemeClr>
+        </a:solidFill>
+        <a:ln>
+          <a:noFill/>
+        </a:ln>
+        <a:effectLst/>
+      </dsp:spPr>
+      <dsp:style>
+        <a:lnRef idx="0">
+          <a:scrgbClr r="0" g="0" b="0"/>
+        </a:lnRef>
+        <a:fillRef idx="1">
+          <a:scrgbClr r="0" g="0" b="0"/>
+        </a:fillRef>
+        <a:effectRef idx="0">
+          <a:scrgbClr r="0" g="0" b="0"/>
+        </a:effectRef>
+        <a:fontRef idx="minor"/>
+      </dsp:style>
+    </dsp:sp>
+    <dsp:sp modelId="{0D6EF58A-F35C-4C7B-A010-4E92A9453135}">
+      <dsp:nvSpPr>
+        <dsp:cNvPr id="0" name=""/>
+        <dsp:cNvSpPr/>
+      </dsp:nvSpPr>
+      <dsp:spPr>
+        <a:xfrm>
+          <a:off x="293027" y="2640079"/>
+          <a:ext cx="532776" cy="532776"/>
+        </a:xfrm>
+        <a:prstGeom prst="rect">
+          <a:avLst/>
+        </a:prstGeom>
+        <a:blipFill>
+          <a:blip xmlns:r="http://schemas.openxmlformats.org/officeDocument/2006/relationships" r:embed="rId5">
+            <a:extLst>
+              <a:ext uri="{28A0092B-C50C-407E-A947-70E740481C1C}">
+                <a14:useLocalDpi xmlns:a14="http://schemas.microsoft.com/office/drawing/2010/main" val="0"/>
+              </a:ext>
+              <a:ext uri="{96DAC541-7B7A-43D3-8B79-37D633B846F1}">
+                <asvg:svgBlip xmlns:asvg="http://schemas.microsoft.com/office/drawing/2016/SVG/main" r:embed="rId6"/>
+              </a:ext>
+            </a:extLst>
+          </a:blip>
+          <a:stretch>
+            <a:fillRect/>
+          </a:stretch>
+        </a:blipFill>
+        <a:ln w="12700" cap="flat" cmpd="sng" algn="ctr">
+          <a:solidFill>
+            <a:schemeClr val="lt1">
+              <a:hueOff val="0"/>
+              <a:satOff val="0"/>
+              <a:lumOff val="0"/>
+              <a:alphaOff val="0"/>
+            </a:schemeClr>
+          </a:solidFill>
+          <a:prstDash val="solid"/>
+          <a:miter lim="800000"/>
+        </a:ln>
+        <a:effectLst/>
+      </dsp:spPr>
+      <dsp:style>
+        <a:lnRef idx="2">
+          <a:scrgbClr r="0" g="0" b="0"/>
+        </a:lnRef>
+        <a:fillRef idx="1">
+          <a:scrgbClr r="0" g="0" b="0"/>
+        </a:fillRef>
+        <a:effectRef idx="0">
+          <a:scrgbClr r="0" g="0" b="0"/>
+        </a:effectRef>
+        <a:fontRef idx="minor">
+          <a:schemeClr val="lt1"/>
+        </a:fontRef>
+      </dsp:style>
+    </dsp:sp>
+    <dsp:sp modelId="{73D96D52-A683-4191-A539-2CACEF127C5C}">
+      <dsp:nvSpPr>
+        <dsp:cNvPr id="0" name=""/>
+        <dsp:cNvSpPr/>
+      </dsp:nvSpPr>
+      <dsp:spPr>
+        <a:xfrm>
+          <a:off x="1118830" y="2422125"/>
+          <a:ext cx="4369568" cy="968684"/>
+        </a:xfrm>
+        <a:prstGeom prst="rect">
+          <a:avLst/>
+        </a:prstGeom>
+        <a:noFill/>
+        <a:ln>
+          <a:noFill/>
+        </a:ln>
+        <a:effectLst/>
+      </dsp:spPr>
+      <dsp:style>
+        <a:lnRef idx="0">
+          <a:scrgbClr r="0" g="0" b="0"/>
+        </a:lnRef>
+        <a:fillRef idx="0">
+          <a:scrgbClr r="0" g="0" b="0"/>
+        </a:fillRef>
+        <a:effectRef idx="0">
+          <a:scrgbClr r="0" g="0" b="0"/>
+        </a:effectRef>
+        <a:fontRef idx="minor"/>
+      </dsp:style>
+      <dsp:txBody>
+        <a:bodyPr spcFirstLastPara="0" vert="horz" wrap="square" lIns="102519" tIns="102519" rIns="102519" bIns="102519" numCol="1" spcCol="1270" anchor="ctr" anchorCtr="0">
+          <a:noAutofit/>
+        </a:bodyPr>
+        <a:lstStyle/>
+        <a:p>
+          <a:pPr marL="0" lvl="0" indent="0" algn="l" defTabSz="711200">
+            <a:lnSpc>
+              <a:spcPct val="100000"/>
+            </a:lnSpc>
+            <a:spcBef>
+              <a:spcPct val="0"/>
+            </a:spcBef>
+            <a:spcAft>
+              <a:spcPct val="35000"/>
+            </a:spcAft>
+            <a:buNone/>
+          </a:pPr>
+          <a:r>
+            <a:rPr lang="en-GB" sz="1600" kern="1200"/>
+            <a:t>The highest accuracy for the Random Forrest algorithm is 83% while it is 85% for Logistic Regression.</a:t>
+          </a:r>
+          <a:endParaRPr lang="en-US" sz="1600" kern="1200"/>
+        </a:p>
+      </dsp:txBody>
+      <dsp:txXfrm>
+        <a:off x="1118830" y="2422125"/>
+        <a:ext cx="4369568" cy="968684"/>
+      </dsp:txXfrm>
+    </dsp:sp>
+  </dsp:spTree>
+</dsp:drawing>
+</file>
+
+<file path=ppt/diagrams/layout1.xml><?xml version="1.0" encoding="utf-8"?>
+<dgm:layoutDef xmlns:dgm="http://schemas.openxmlformats.org/drawingml/2006/diagram" xmlns:a="http://schemas.openxmlformats.org/drawingml/2006/main" uniqueId="urn:microsoft.com/office/officeart/2018/2/layout/IconVerticalSolidList">
+  <dgm:title val="Icon Vertical Solid List"/>
+  <dgm:desc val="Use to show a series of visuals from top to bottom with Level 1 or Level 1 and Level 2 text grouped in a shape. Works best with icons or small pictures with lengthier descriptions."/>
+  <dgm:catLst>
+    <dgm:cat type="icon" pri="500"/>
+  </dgm:catLst>
+  <dgm:sampData useDef="1">
+    <dgm:dataModel>
+      <dgm:ptLst/>
+      <dgm:bg/>
+      <dgm:whole/>
+    </dgm:dataModel>
+  </dgm:sampData>
+  <dgm:styleData useDef="1">
+    <dgm:dataModel>
+      <dgm:ptLst/>
+      <dgm:bg/>
+      <dgm:whole/>
+    </dgm:dataModel>
+  </dgm:styleData>
+  <dgm:clrData useDef="1">
+    <dgm:dataModel>
+      <dgm:ptLst/>
+      <dgm:bg/>
+      <dgm:whole/>
+    </dgm:dataModel>
+  </dgm:clrData>
+  <dgm:layoutNode name="root">
+    <dgm:varLst>
+      <dgm:dir/>
+      <dgm:resizeHandles val="exact"/>
+    </dgm:varLst>
+    <dgm:choose name="Name0">
+      <dgm:if name="Name1" axis="self" func="var" arg="dir" op="equ" val="norm">
+        <dgm:alg type="lin">
+          <dgm:param type="linDir" val="fromT"/>
+          <dgm:param type="nodeHorzAlign" val="l"/>
+        </dgm:alg>
+      </dgm:if>
+      <dgm:else name="Name2">
+        <dgm:alg type="lin">
+          <dgm:param type="linDir" val="fromT"/>
+          <dgm:param type="nodeHorzAlign" val="r"/>
+        </dgm:alg>
+      </dgm:else>
+    </dgm:choose>
+    <dgm:shape xmlns:r="http://schemas.openxmlformats.org/officeDocument/2006/relationships" r:blip="">
+      <dgm:adjLst/>
+    </dgm:shape>
+    <dgm:presOf/>
+    <dgm:choose name="Name3">
+      <dgm:if name="Name4" axis="ch" ptType="node" func="cnt" op="lte" val="3">
+        <dgm:constrLst>
+          <dgm:constr type="h" for="ch" forName="compNode" refType="h" fact="0.3"/>
+          <dgm:constr type="w" for="ch" forName="compNode" refType="w"/>
+          <dgm:constr type="h" for="ch" forName="sibTrans" refType="h" refFor="ch" refForName="compNode" fact="0.25"/>
+          <dgm:constr type="primFontSz" for="des" forName="parTx" val="25"/>
+          <dgm:constr type="primFontSz" for="des" forName="desTx" refType="primFontSz" refFor="des" refForName="parTx" op="lte" fact="0.75"/>
+          <dgm:constr type="h" for="des" forName="compNode" op="equ"/>
+          <dgm:constr type="h" for="des" forName="bgRect" op="equ"/>
+          <dgm:constr type="h" for="des" forName="iconRect" op="equ"/>
+          <dgm:constr type="w" for="des" forName="iconRect" op="equ"/>
+          <dgm:constr type="h" for="des" forName="spaceRect" op="equ"/>
+          <dgm:constr type="h" for="des" forName="parTx" op="equ"/>
+          <dgm:constr type="h" for="des" forName="desTx" op="equ"/>
+        </dgm:constrLst>
+      </dgm:if>
+      <dgm:if name="Name5" axis="ch" ptType="node" func="cnt" op="lte" val="4">
+        <dgm:constrLst>
+          <dgm:constr type="h" for="ch" forName="compNode" refType="h" fact="0.3"/>
+          <dgm:constr type="w" for="ch" forName="compNode" refType="w"/>
+          <dgm:constr type="h" for="ch" forName="sibTrans" refType="h" refFor="ch" refForName="compNode" fact="0.25"/>
+          <dgm:constr type="primFontSz" for="des" forName="parTx" val="22"/>
+          <dgm:constr type="primFontSz" for="des" forName="desTx" refType="primFontSz" refFor="des" refForName="parTx" op="lte" fact="0.75"/>
+          <dgm:constr type="h" for="des" forName="compNode" op="equ"/>
+          <dgm:constr type="h" for="des" forName="bgRect" op="equ"/>
+          <dgm:constr type="h" for="des" forName="iconRect" op="equ"/>
+          <dgm:constr type="w" for="des" forName="iconRect" op="equ"/>
+          <dgm:constr type="h" for="des" forName="spaceRect" op="equ"/>
+          <dgm:constr type="h" for="des" forName="parTx" op="equ"/>
+          <dgm:constr type="h" for="des" forName="desTx" op="equ"/>
+        </dgm:constrLst>
+      </dgm:if>
+      <dgm:if name="Name6" axis="ch" ptType="node" func="cnt" op="lte" val="6">
+        <dgm:constrLst>
+          <dgm:constr type="h" for="ch" forName="compNode" refType="h" fact="0.3"/>
+          <dgm:constr type="w" for="ch" forName="compNode" refType="w"/>
+          <dgm:constr type="h" for="ch" forName="sibTrans" refType="h" refFor="ch" refForName="compNode" fact="0.25"/>
+          <dgm:constr type="primFontSz" for="des" forName="parTx" val="19"/>
+          <dgm:constr type="primFontSz" for="des" forName="desTx" refType="primFontSz" refFor="des" refForName="parTx" op="lte" fact="0.75"/>
+          <dgm:constr type="h" for="des" forName="compNode" op="equ"/>
+          <dgm:constr type="h" for="des" forName="bgRect" op="equ"/>
+          <dgm:constr type="h" for="des" forName="iconRect" op="equ"/>
+          <dgm:constr type="w" for="des" forName="iconRect" op="equ"/>
+          <dgm:constr type="h" for="des" forName="spaceRect" op="equ"/>
+          <dgm:constr type="h" for="des" forName="parTx" op="equ"/>
+          <dgm:constr type="h" for="des" forName="desTx" op="equ"/>
+        </dgm:constrLst>
+      </dgm:if>
+      <dgm:else name="Name7">
+        <dgm:constrLst>
+          <dgm:constr type="h" for="ch" forName="compNode" refType="h" fact="0.3"/>
+          <dgm:constr type="w" for="ch" forName="compNode" refType="w"/>
+          <dgm:constr type="h" for="ch" forName="sibTrans" refType="h" refFor="ch" refForName="compNode" fact="0.25"/>
+          <dgm:constr type="primFontSz" for="des" forName="parTx" val="16"/>
+          <dgm:constr type="primFontSz" for="des" forName="desTx" refType="primFontSz" refFor="des" refForName="parTx" op="lte" fact="0.75"/>
+          <dgm:constr type="h" for="des" forName="compNode" op="equ"/>
+          <dgm:constr type="h" for="des" forName="bgRect" op="equ"/>
+          <dgm:constr type="h" for="des" forName="iconRect" op="equ"/>
+          <dgm:constr type="w" for="des" forName="iconRect" op="equ"/>
+          <dgm:constr type="h" for="des" forName="spaceRect" op="equ"/>
+          <dgm:constr type="h" for="des" forName="parTx" op="equ"/>
+          <dgm:constr type="h" for="des" forName="desTx" op="equ"/>
+        </dgm:constrLst>
+      </dgm:else>
+    </dgm:choose>
+    <dgm:ruleLst>
+      <dgm:rule type="h" for="ch" forName="compNode" val="0" fact="NaN" max="NaN"/>
+    </dgm:ruleLst>
+    <dgm:forEach name="Name8" axis="ch" ptType="node">
+      <dgm:layoutNode name="compNode">
+        <dgm:alg type="composite"/>
+        <dgm:shape xmlns:r="http://schemas.openxmlformats.org/officeDocument/2006/relationships" r:blip="">
+          <dgm:adjLst/>
+        </dgm:shape>
+        <dgm:presOf axis="self"/>
+        <dgm:choose name="Name9">
+          <dgm:if name="Name10" axis="ch" ptType="node" func="cnt" op="gte" val="1">
+            <dgm:constrLst>
+              <dgm:constr type="w" for="ch" forName="bgRect" refType="w"/>
+              <dgm:constr type="h" for="ch" forName="bgRect" refType="h"/>
+              <dgm:constr type="l" for="ch" forName="bgRect"/>
+              <dgm:constr type="t" for="ch" forName="bgRect"/>
+              <dgm:constr type="h" for="ch" forName="iconRect" refType="h" fact="0.55"/>
+              <dgm:constr type="w" for="ch" forName="iconRect" refType="h" refFor="ch" refForName="iconRect"/>
+              <dgm:constr type="l" for="ch" forName="iconRect" refType="h" refFor="ch" refForName="iconRect" fact="0.55"/>
+              <dgm:constr type="ctrY" for="ch" forName="iconRect" refType="ctrY" refFor="ch" refForName="bgRect"/>
+              <dgm:constr type="w" for="ch" forName="spaceRect" refType="l" refFor="ch" refForName="iconRect"/>
+              <dgm:constr type="h" for="ch" forName="spaceRect" refType="h"/>
+              <dgm:constr type="l" for="ch" forName="spaceRect" refType="r" refFor="ch" refForName="iconRect"/>
+              <dgm:constr type="t" for="ch" forName="spaceRect"/>
+              <dgm:constr type="w" for="ch" forName="parTx" refType="w" fact="0.45"/>
+              <dgm:constr type="h" for="ch" forName="parTx" refType="h"/>
+              <dgm:constr type="l" for="ch" forName="parTx" refType="r" refFor="ch" refForName="spaceRect"/>
+              <dgm:constr type="t" for="ch" forName="parTx"/>
+              <dgm:constr type="h" for="ch" forName="desTx" refType="h"/>
+              <dgm:constr type="l" for="ch" forName="desTx" refType="r" refFor="ch" refForName="parTx"/>
+              <dgm:constr type="t" for="ch" forName="desTx"/>
+            </dgm:constrLst>
+          </dgm:if>
+          <dgm:else name="Name11">
+            <dgm:constrLst>
+              <dgm:constr type="w" for="ch" forName="bgRect" refType="w"/>
+              <dgm:constr type="h" for="ch" forName="bgRect" refType="h"/>
+              <dgm:constr type="l" for="ch" forName="bgRect"/>
+              <dgm:constr type="t" for="ch" forName="bgRect"/>
+              <dgm:constr type="h" for="ch" forName="iconRect" refType="h" fact="0.55"/>
+              <dgm:constr type="w" for="ch" forName="iconRect" refType="h" refFor="ch" refForName="iconRect"/>
+              <dgm:constr type="l" for="ch" forName="iconRect" refType="h" refFor="ch" refForName="iconRect" fact="0.55"/>
+              <dgm:constr type="ctrY" for="ch" forName="iconRect" refType="ctrY" refFor="ch" refForName="bgRect"/>
+              <dgm:constr type="w" for="ch" forName="spaceRect" refType="l" refFor="ch" refForName="iconRect"/>
+              <dgm:constr type="h" for="ch" forName="spaceRect" refType="h"/>
+              <dgm:constr type="l" for="ch" forName="spaceRect" refType="r" refFor="ch" refForName="iconRect"/>
+              <dgm:constr type="t" for="ch" forName="spaceRect"/>
+              <dgm:constr type="h" for="ch" forName="parTx" refType="h"/>
+              <dgm:constr type="l" for="ch" forName="parTx" refType="r" refFor="ch" refForName="spaceRect"/>
+              <dgm:constr type="t" for="ch" forName="parTx"/>
+            </dgm:constrLst>
+          </dgm:else>
+        </dgm:choose>
+        <dgm:ruleLst>
+          <dgm:rule type="h" val="INF" fact="NaN" max="NaN"/>
+        </dgm:ruleLst>
+        <dgm:layoutNode name="bgRect" styleLbl="bgShp">
+          <dgm:alg type="sp"/>
+          <dgm:shape xmlns:r="http://schemas.openxmlformats.org/officeDocument/2006/relationships" type="roundRect" r:blip="">
+            <dgm:adjLst>
+              <dgm:adj idx="1" val="0.1"/>
+            </dgm:adjLst>
+          </dgm:shape>
+          <dgm:presOf/>
+          <dgm:constrLst/>
+          <dgm:ruleLst/>
+        </dgm:layoutNode>
+        <dgm:layoutNode name="iconRect" styleLbl="node1">
+          <dgm:alg type="sp"/>
+          <dgm:shape xmlns:r="http://schemas.openxmlformats.org/officeDocument/2006/relationships" type="rect" r:blip="" blipPhldr="1">
+            <dgm:adjLst/>
+          </dgm:shape>
+          <dgm:presOf/>
+          <dgm:constrLst/>
+          <dgm:ruleLst/>
+        </dgm:layoutNode>
+        <dgm:layoutNode name="spaceRect">
+          <dgm:alg type="sp"/>
+          <dgm:shape xmlns:r="http://schemas.openxmlformats.org/officeDocument/2006/relationships" r:blip="">
+            <dgm:adjLst/>
+          </dgm:shape>
+          <dgm:presOf/>
+          <dgm:constrLst/>
+          <dgm:ruleLst/>
+        </dgm:layoutNode>
+        <dgm:layoutNode name="parTx" styleLbl="revTx">
+          <dgm:varLst>
+            <dgm:chMax val="0"/>
+            <dgm:chPref val="0"/>
+          </dgm:varLst>
+          <dgm:alg type="tx">
+            <dgm:param type="txAnchorVert" val="mid"/>
+            <dgm:param type="parTxLTRAlign" val="l"/>
+            <dgm:param type="shpTxLTRAlignCh" val="l"/>
+            <dgm:param type="parTxRTLAlign" val="r"/>
+            <dgm:param type="shpTxRTLAlignCh" val="r"/>
+          </dgm:alg>
+          <dgm:shape xmlns:r="http://schemas.openxmlformats.org/officeDocument/2006/relationships" type="rect" r:blip="">
+            <dgm:adjLst/>
+          </dgm:shape>
+          <dgm:presOf axis="self" ptType="node"/>
+          <dgm:constrLst>
+            <dgm:constr type="lMarg" refType="h" fact="0.3"/>
+            <dgm:constr type="rMarg" refType="h" fact="0.3"/>
+            <dgm:constr type="tMarg" refType="h" fact="0.3"/>
+            <dgm:constr type="bMarg" refType="h" fact="0.3"/>
+          </dgm:constrLst>
+          <dgm:ruleLst>
+            <dgm:rule type="primFontSz" val="14" fact="NaN" max="NaN"/>
+            <dgm:rule type="h" val="INF" fact="NaN" max="NaN"/>
+          </dgm:ruleLst>
+        </dgm:layoutNode>
+        <dgm:choose name="Name12">
+          <dgm:if name="Name13" axis="ch" ptType="node" func="cnt" op="gte" val="1">
+            <dgm:layoutNode name="desTx" styleLbl="revTx">
+              <dgm:varLst/>
+              <dgm:alg type="tx">
+                <dgm:param type="txAnchorVertCh" val="mid"/>
+                <dgm:param type="parTxLTRAlign" val="l"/>
+                <dgm:param type="shpTxLTRAlignCh" val="l"/>
+                <dgm:param type="parTxRTLAlign" val="r"/>
+                <dgm:param type="shpTxRTLAlignCh" val="r"/>
+                <dgm:param type="stBulletLvl" val="0"/>
+              </dgm:alg>
+              <dgm:shape xmlns:r="http://schemas.openxmlformats.org/officeDocument/2006/relationships" type="rect" r:blip="">
+                <dgm:adjLst/>
+              </dgm:shape>
+              <dgm:presOf axis="des" ptType="node"/>
+              <dgm:constrLst>
+                <dgm:constr type="primFontSz" val="18"/>
+                <dgm:constr type="secFontSz" refType="primFontSz"/>
+                <dgm:constr type="lMarg" refType="h" fact="0.3"/>
+                <dgm:constr type="rMarg" refType="h" fact="0.3"/>
+                <dgm:constr type="tMarg" refType="h" fact="0.3"/>
+                <dgm:constr type="bMarg" refType="h" fact="0.3"/>
+              </dgm:constrLst>
+              <dgm:ruleLst>
+                <dgm:rule type="primFontSz" val="11" fact="NaN" max="NaN"/>
+              </dgm:ruleLst>
+            </dgm:layoutNode>
+          </dgm:if>
+          <dgm:else name="Name14"/>
+        </dgm:choose>
+      </dgm:layoutNode>
+      <dgm:forEach name="Name15" axis="followSib" ptType="sibTrans" cnt="1">
+        <dgm:layoutNode name="sibTrans">
+          <dgm:alg type="sp"/>
+          <dgm:shape xmlns:r="http://schemas.openxmlformats.org/officeDocument/2006/relationships" r:blip="">
+            <dgm:adjLst/>
+          </dgm:shape>
+          <dgm:presOf axis="self"/>
+          <dgm:constrLst/>
+          <dgm:ruleLst/>
+        </dgm:layoutNode>
+      </dgm:forEach>
+    </dgm:forEach>
+  </dgm:layoutNode>
+  <dgm:extLst>
+    <a:ext uri="{68A01E43-0DF5-4B5B-8FA6-DAF915123BFB}">
+      <dgm1612:lstStyle xmlns:dgm1612="http://schemas.microsoft.com/office/drawing/2016/12/diagram">
+        <a:lvl1pPr>
+          <a:lnSpc>
+            <a:spcPct val="100000"/>
+          </a:lnSpc>
+        </a:lvl1pPr>
+        <a:lvl2pPr>
+          <a:lnSpc>
+            <a:spcPct val="100000"/>
+          </a:lnSpc>
+        </a:lvl2pPr>
+      </dgm1612:lstStyle>
+    </a:ext>
+  </dgm:extLst>
+</dgm:layoutDef>
+</file>
+
+<file path=ppt/diagrams/quickStyle1.xml><?xml version="1.0" encoding="utf-8"?>
+<dgm:styleDef xmlns:dgm="http://schemas.openxmlformats.org/drawingml/2006/diagram" xmlns:a="http://schemas.openxmlformats.org/drawingml/2006/main" uniqueId="urn:microsoft.com/office/officeart/2005/8/quickstyle/simple1">
+  <dgm:title val=""/>
+  <dgm:desc val=""/>
+  <dgm:catLst>
+    <dgm:cat type="simple" pri="10100"/>
+  </dgm:catLst>
+  <dgm:scene3d>
+    <a:camera prst="orthographicFront"/>
+    <a:lightRig rig="threePt" dir="t"/>
+  </dgm:scene3d>
+  <dgm:styleLbl name="node0">
+    <dgm:scene3d>
+      <a:camera prst="orthographicFront"/>
+      <a:lightRig rig="threePt" dir="t"/>
+    </dgm:scene3d>
+    <dgm:sp3d/>
+    <dgm:txPr/>
+    <dgm:style>
+      <a:lnRef idx="2">
+        <a:scrgbClr r="0" g="0" b="0"/>
+      </a:lnRef>
+      <a:fillRef idx="1">
+        <a:scrgbClr r="0" g="0" b="0"/>
+      </a:fillRef>
+      <a:effectRef idx="0">
+        <a:scrgbClr r="0" g="0" b="0"/>
+      </a:effectRef>
+      <a:fontRef idx="minor">
+        <a:schemeClr val="lt1"/>
+      </a:fontRef>
+    </dgm:style>
+  </dgm:styleLbl>
+  <dgm:styleLbl name="lnNode1">
+    <dgm:scene3d>
+      <a:camera prst="orthographicFront"/>
+      <a:lightRig rig="threePt" dir="t"/>
+    </dgm:scene3d>
+    <dgm:sp3d/>
+    <dgm:txPr/>
+    <dgm:style>
+      <a:lnRef idx="2">
+        <a:scrgbClr r="0" g="0" b="0"/>
+      </a:lnRef>
+      <a:fillRef idx="1">
+        <a:scrgbClr r="0" g="0" b="0"/>
+      </a:fillRef>
+      <a:effectRef idx="0">
+        <a:scrgbClr r="0" g="0" b="0"/>
+      </a:effectRef>
+      <a:fontRef idx="minor">
+        <a:schemeClr val="lt1"/>
+      </a:fontRef>
+    </dgm:style>
+  </dgm:styleLbl>
+  <dgm:styleLbl name="vennNode1">
+    <dgm:scene3d>
+      <a:camera prst="orthographicFront"/>
+      <a:lightRig rig="threePt" dir="t"/>
+    </dgm:scene3d>
+    <dgm:sp3d/>
+    <dgm:txPr/>
+    <dgm:style>
+      <a:lnRef idx="2">
+        <a:scrgbClr r="0" g="0" b="0"/>
+      </a:lnRef>
+      <a:fillRef idx="1">
+        <a:scrgbClr r="0" g="0" b="0"/>
+      </a:fillRef>
+      <a:effectRef idx="0">
+        <a:scrgbClr r="0" g="0" b="0"/>
+      </a:effectRef>
+      <a:fontRef idx="minor">
+        <a:schemeClr val="tx1"/>
+      </a:fontRef>
+    </dgm:style>
+  </dgm:styleLbl>
+  <dgm:styleLbl name="alignNode1">
+    <dgm:scene3d>
+      <a:camera prst="orthographicFront"/>
+      <a:lightRig rig="threePt" dir="t"/>
+    </dgm:scene3d>
+    <dgm:sp3d/>
+    <dgm:txPr/>
+    <dgm:style>
+      <a:lnRef idx="2">
+        <a:scrgbClr r="0" g="0" b="0"/>
+      </a:lnRef>
+      <a:fillRef idx="1">
+        <a:scrgbClr r="0" g="0" b="0"/>
+      </a:fillRef>
+      <a:effectRef idx="0">
+        <a:scrgbClr r="0" g="0" b="0"/>
+      </a:effectRef>
+      <a:fontRef idx="minor">
+        <a:schemeClr val="lt1"/>
+      </a:fontRef>
+    </dgm:style>
+  </dgm:styleLbl>
+  <dgm:styleLbl name="node1">
+    <dgm:scene3d>
+      <a:camera prst="orthographicFront"/>
+      <a:lightRig rig="threePt" dir="t"/>
+    </dgm:scene3d>
+    <dgm:sp3d/>
+    <dgm:txPr/>
+    <dgm:style>
+      <a:lnRef idx="2">
+        <a:scrgbClr r="0" g="0" b="0"/>
+      </a:lnRef>
+      <a:fillRef idx="1">
+        <a:scrgbClr r="0" g="0" b="0"/>
+      </a:fillRef>
+      <a:effectRef idx="0">
+        <a:scrgbClr r="0" g="0" b="0"/>
+      </a:effectRef>
+      <a:fontRef idx="minor">
+        <a:schemeClr val="lt1"/>
+      </a:fontRef>
+    </dgm:style>
+  </dgm:styleLbl>
+  <dgm:styleLbl name="node2">
+    <dgm:scene3d>
+      <a:camera prst="orthographicFront"/>
+      <a:lightRig rig="threePt" dir="t"/>
+    </dgm:scene3d>
+    <dgm:sp3d/>
+    <dgm:txPr/>
+    <dgm:style>
+      <a:lnRef idx="2">
+        <a:scrgbClr r="0" g="0" b="0"/>
+      </a:lnRef>
+      <a:fillRef idx="1">
+        <a:scrgbClr r="0" g="0" b="0"/>
+      </a:fillRef>
+      <a:effectRef idx="0">
+        <a:scrgbClr r="0" g="0" b="0"/>
+      </a:effectRef>
+      <a:fontRef idx="minor">
+        <a:schemeClr val="lt1"/>
+      </a:fontRef>
+    </dgm:style>
+  </dgm:styleLbl>
+  <dgm:styleLbl name="node3">
+    <dgm:scene3d>
+      <a:camera prst="orthographicFront"/>
+      <a:lightRig rig="threePt" dir="t"/>
+    </dgm:scene3d>
+    <dgm:sp3d/>
+    <dgm:txPr/>
+    <dgm:style>
+      <a:lnRef idx="2">
+        <a:scrgbClr r="0" g="0" b="0"/>
+      </a:lnRef>
+      <a:fillRef idx="1">
+        <a:scrgbClr r="0" g="0" b="0"/>
+      </a:fillRef>
+      <a:effectRef idx="0">
+        <a:scrgbClr r="0" g="0" b="0"/>
+      </a:effectRef>
+      <a:fontRef idx="minor">
+        <a:schemeClr val="lt1"/>
+      </a:fontRef>
+    </dgm:style>
+  </dgm:styleLbl>
+  <dgm:styleLbl name="node4">
+    <dgm:scene3d>
+      <a:camera prst="orthographicFront"/>
+      <a:lightRig rig="threePt" dir="t"/>
+    </dgm:scene3d>
+    <dgm:sp3d/>
+    <dgm:txPr/>
+    <dgm:style>
+      <a:lnRef idx="2">
+        <a:scrgbClr r="0" g="0" b="0"/>
+      </a:lnRef>
+      <a:fillRef idx="1">
+        <a:scrgbClr r="0" g="0" b="0"/>
+      </a:fillRef>
+      <a:effectRef idx="0">
+        <a:scrgbClr r="0" g="0" b="0"/>
+      </a:effectRef>
+      <a:fontRef idx="minor">
+        <a:schemeClr val="lt1"/>
+      </a:fontRef>
+    </dgm:style>
+  </dgm:styleLbl>
+  <dgm:styleLbl name="fgImgPlace1">
+    <dgm:scene3d>
+      <a:camera prst="orthographicFront"/>
+      <a:lightRig rig="threePt" dir="t"/>
+    </dgm:scene3d>
+    <dgm:sp3d/>
+    <dgm:txPr/>
+    <dgm:style>
+      <a:lnRef idx="2">
+        <a:scrgbClr r="0" g="0" b="0"/>
+      </a:lnRef>
+      <a:fillRef idx="1">
+        <a:scrgbClr r="0" g="0" b="0"/>
+      </a:fillRef>
+      <a:effectRef idx="0">
+        <a:scrgbClr r="0" g="0" b="0"/>
+      </a:effectRef>
+      <a:fontRef idx="minor"/>
+    </dgm:style>
+  </dgm:styleLbl>
+  <dgm:styleLbl name="alignImgPlace1">
+    <dgm:scene3d>
+      <a:camera prst="orthographicFront"/>
+      <a:lightRig rig="threePt" dir="t"/>
+    </dgm:scene3d>
+    <dgm:sp3d/>
+    <dgm:txPr/>
+    <dgm:style>
+      <a:lnRef idx="2">
+        <a:scrgbClr r="0" g="0" b="0"/>
+      </a:lnRef>
+      <a:fillRef idx="1">
+        <a:scrgbClr r="0" g="0" b="0"/>
+      </a:fillRef>
+      <a:effectRef idx="0">
+        <a:scrgbClr r="0" g="0" b="0"/>
+      </a:effectRef>
+      <a:fontRef idx="minor"/>
+    </dgm:style>
+  </dgm:styleLbl>
+  <dgm:styleLbl name="bgImgPlace1">
+    <dgm:scene3d>
+      <a:camera prst="orthographicFront"/>
+      <a:lightRig rig="threePt" dir="t"/>
+    </dgm:scene3d>
+    <dgm:sp3d/>
+    <dgm:txPr/>
+    <dgm:style>
+      <a:lnRef idx="2">
+        <a:scrgbClr r="0" g="0" b="0"/>
+      </a:lnRef>
+      <a:fillRef idx="1">
+        <a:scrgbClr r="0" g="0" b="0"/>
+      </a:fillRef>
+      <a:effectRef idx="0">
+        <a:scrgbClr r="0" g="0" b="0"/>
+      </a:effectRef>
+      <a:fontRef idx="minor"/>
+    </dgm:style>
+  </dgm:styleLbl>
+  <dgm:styleLbl name="sibTrans2D1">
+    <dgm:scene3d>
+      <a:camera prst="orthographicFront"/>
+      <a:lightRig rig="threePt" dir="t"/>
+    </dgm:scene3d>
+    <dgm:sp3d/>
+    <dgm:txPr/>
+    <dgm:style>
+      <a:lnRef idx="0">
+        <a:scrgbClr r="0" g="0" b="0"/>
+      </a:lnRef>
+      <a:fillRef idx="1">
+        <a:scrgbClr r="0" g="0" b="0"/>
+      </a:fillRef>
+      <a:effectRef idx="0">
+        <a:scrgbClr r="0" g="0" b="0"/>
+      </a:effectRef>
+      <a:fontRef idx="minor">
+        <a:schemeClr val="lt1"/>
+      </a:fontRef>
+    </dgm:style>
+  </dgm:styleLbl>
+  <dgm:styleLbl name="fgSibTrans2D1">
+    <dgm:scene3d>
+      <a:camera prst="orthographicFront"/>
+      <a:lightRig rig="threePt" dir="t"/>
+    </dgm:scene3d>
+    <dgm:sp3d/>
+    <dgm:txPr/>
+    <dgm:style>
+      <a:lnRef idx="0">
+        <a:scrgbClr r="0" g="0" b="0"/>
+      </a:lnRef>
+      <a:fillRef idx="1">
+        <a:scrgbClr r="0" g="0" b="0"/>
+      </a:fillRef>
+      <a:effectRef idx="0">
+        <a:scrgbClr r="0" g="0" b="0"/>
+      </a:effectRef>
+      <a:fontRef idx="minor">
+        <a:schemeClr val="lt1"/>
+      </a:fontRef>
+    </dgm:style>
+  </dgm:styleLbl>
+  <dgm:styleLbl name="bgSibTrans2D1">
+    <dgm:scene3d>
+      <a:camera prst="orthographicFront"/>
+      <a:lightRig rig="threePt" dir="t"/>
+    </dgm:scene3d>
+    <dgm:sp3d/>
+    <dgm:txPr/>
+    <dgm:style>
+      <a:lnRef idx="0">
+        <a:scrgbClr r="0" g="0" b="0"/>
+      </a:lnRef>
+      <a:fillRef idx="1">
+        <a:scrgbClr r="0" g="0" b="0"/>
+      </a:fillRef>
+      <a:effectRef idx="0">
+        <a:scrgbClr r="0" g="0" b="0"/>
+      </a:effectRef>
+      <a:fontRef idx="minor">
+        <a:schemeClr val="lt1"/>
+      </a:fontRef>
+    </dgm:style>
+  </dgm:styleLbl>
+  <dgm:styleLbl name="sibTrans1D1">
+    <dgm:scene3d>
+      <a:camera prst="orthographicFront"/>
+      <a:lightRig rig="threePt" dir="t"/>
+    </dgm:scene3d>
+    <dgm:sp3d/>
+    <dgm:txPr/>
+    <dgm:style>
+      <a:lnRef idx="1">
+        <a:scrgbClr r="0" g="0" b="0"/>
+      </a:lnRef>
+      <a:fillRef idx="0">
+        <a:scrgbClr r="0" g="0" b="0"/>
+      </a:fillRef>
+      <a:effectRef idx="0">
+        <a:scrgbClr r="0" g="0" b="0"/>
+      </a:effectRef>
+      <a:fontRef idx="minor"/>
+    </dgm:style>
+  </dgm:styleLbl>
+  <dgm:styleLbl name="callout">
+    <dgm:scene3d>
+      <a:camera prst="orthographicFront"/>
+      <a:lightRig rig="threePt" dir="t"/>
+    </dgm:scene3d>
+    <dgm:sp3d/>
+    <dgm:txPr/>
+    <dgm:style>
+      <a:lnRef idx="2">
+        <a:scrgbClr r="0" g="0" b="0"/>
+      </a:lnRef>
+      <a:fillRef idx="1">
+        <a:scrgbClr r="0" g="0" b="0"/>
+      </a:fillRef>
+      <a:effectRef idx="0">
+        <a:scrgbClr r="0" g="0" b="0"/>
+      </a:effectRef>
+      <a:fontRef idx="minor"/>
+    </dgm:style>
+  </dgm:styleLbl>
+  <dgm:styleLbl name="asst0">
+    <dgm:scene3d>
+      <a:camera prst="orthographicFront"/>
+      <a:lightRig rig="threePt" dir="t"/>
+    </dgm:scene3d>
+    <dgm:sp3d/>
+    <dgm:txPr/>
+    <dgm:style>
+      <a:lnRef idx="2">
+        <a:scrgbClr r="0" g="0" b="0"/>
+      </a:lnRef>
+      <a:fillRef idx="1">
+        <a:scrgbClr r="0" g="0" b="0"/>
+      </a:fillRef>
+      <a:effectRef idx="0">
+        <a:scrgbClr r="0" g="0" b="0"/>
+      </a:effectRef>
+      <a:fontRef idx="minor">
+        <a:schemeClr val="lt1"/>
+      </a:fontRef>
+    </dgm:style>
+  </dgm:styleLbl>
+  <dgm:styleLbl name="asst1">
+    <dgm:scene3d>
+      <a:camera prst="orthographicFront"/>
+      <a:lightRig rig="threePt" dir="t"/>
+    </dgm:scene3d>
+    <dgm:sp3d/>
+    <dgm:txPr/>
+    <dgm:style>
+      <a:lnRef idx="2">
+        <a:scrgbClr r="0" g="0" b="0"/>
+      </a:lnRef>
+      <a:fillRef idx="1">
+        <a:scrgbClr r="0" g="0" b="0"/>
+      </a:fillRef>
+      <a:effectRef idx="0">
+        <a:scrgbClr r="0" g="0" b="0"/>
+      </a:effectRef>
+      <a:fontRef idx="minor">
+        <a:schemeClr val="lt1"/>
+      </a:fontRef>
+    </dgm:style>
+  </dgm:styleLbl>
+  <dgm:styleLbl name="asst2">
+    <dgm:scene3d>
+      <a:camera prst="orthographicFront"/>
+      <a:lightRig rig="threePt" dir="t"/>
+    </dgm:scene3d>
+    <dgm:sp3d/>
+    <dgm:txPr/>
+    <dgm:style>
+      <a:lnRef idx="2">
+        <a:scrgbClr r="0" g="0" b="0"/>
+      </a:lnRef>
+      <a:fillRef idx="1">
+        <a:scrgbClr r="0" g="0" b="0"/>
+      </a:fillRef>
+      <a:effectRef idx="0">
+        <a:scrgbClr r="0" g="0" b="0"/>
+      </a:effectRef>
+      <a:fontRef idx="minor">
+        <a:schemeClr val="lt1"/>
+      </a:fontRef>
+    </dgm:style>
+  </dgm:styleLbl>
+  <dgm:styleLbl name="asst3">
+    <dgm:scene3d>
+      <a:camera prst="orthographicFront"/>
+      <a:lightRig rig="threePt" dir="t"/>
+    </dgm:scene3d>
+    <dgm:sp3d/>
+    <dgm:txPr/>
+    <dgm:style>
+      <a:lnRef idx="2">
+        <a:scrgbClr r="0" g="0" b="0"/>
+      </a:lnRef>
+      <a:fillRef idx="1">
+        <a:scrgbClr r="0" g="0" b="0"/>
+      </a:fillRef>
+      <a:effectRef idx="0">
+        <a:scrgbClr r="0" g="0" b="0"/>
+      </a:effectRef>
+      <a:fontRef idx="minor">
+        <a:schemeClr val="lt1"/>
+      </a:fontRef>
+    </dgm:style>
+  </dgm:styleLbl>
+  <dgm:styleLbl name="asst4">
+    <dgm:scene3d>
+      <a:camera prst="orthographicFront"/>
+      <a:lightRig rig="threePt" dir="t"/>
+    </dgm:scene3d>
+    <dgm:sp3d/>
+    <dgm:txPr/>
+    <dgm:style>
+      <a:lnRef idx="2">
+        <a:scrgbClr r="0" g="0" b="0"/>
+      </a:lnRef>
+      <a:fillRef idx="1">
+        <a:scrgbClr r="0" g="0" b="0"/>
+      </a:fillRef>
+      <a:effectRef idx="0">
+        <a:scrgbClr r="0" g="0" b="0"/>
+      </a:effectRef>
+      <a:fontRef idx="minor">
+        <a:schemeClr val="lt1"/>
+      </a:fontRef>
+    </dgm:style>
+  </dgm:styleLbl>
+  <dgm:styleLbl name="parChTrans2D1">
+    <dgm:scene3d>
+      <a:camera prst="orthographicFront"/>
+      <a:lightRig rig="threePt" dir="t"/>
+    </dgm:scene3d>
+    <dgm:sp3d/>
+    <dgm:txPr/>
+    <dgm:style>
+      <a:lnRef idx="2">
+        <a:scrgbClr r="0" g="0" b="0"/>
+      </a:lnRef>
+      <a:fillRef idx="1">
+        <a:scrgbClr r="0" g="0" b="0"/>
+      </a:fillRef>
+      <a:effectRef idx="0">
+        <a:scrgbClr r="0" g="0" b="0"/>
+      </a:effectRef>
+      <a:fontRef idx="minor">
+        <a:schemeClr val="lt1"/>
+      </a:fontRef>
+    </dgm:style>
+  </dgm:styleLbl>
+  <dgm:styleLbl name="parChTrans2D2">
+    <dgm:scene3d>
+      <a:camera prst="orthographicFront"/>
+      <a:lightRig rig="threePt" dir="t"/>
+    </dgm:scene3d>
+    <dgm:sp3d/>
+    <dgm:txPr/>
+    <dgm:style>
+      <a:lnRef idx="2">
+        <a:scrgbClr r="0" g="0" b="0"/>
+      </a:lnRef>
+      <a:fillRef idx="1">
+        <a:scrgbClr r="0" g="0" b="0"/>
+      </a:fillRef>
+      <a:effectRef idx="0">
+        <a:scrgbClr r="0" g="0" b="0"/>
+      </a:effectRef>
+      <a:fontRef idx="minor">
+        <a:schemeClr val="lt1"/>
+      </a:fontRef>
+    </dgm:style>
+  </dgm:styleLbl>
+  <dgm:styleLbl name="parChTrans2D3">
+    <dgm:scene3d>
+      <a:camera prst="orthographicFront"/>
+      <a:lightRig rig="threePt" dir="t"/>
+    </dgm:scene3d>
+    <dgm:sp3d/>
+    <dgm:txPr/>
+    <dgm:style>
+      <a:lnRef idx="2">
+        <a:scrgbClr r="0" g="0" b="0"/>
+      </a:lnRef>
+      <a:fillRef idx="1">
+        <a:scrgbClr r="0" g="0" b="0"/>
+      </a:fillRef>
+      <a:effectRef idx="0">
+        <a:scrgbClr r="0" g="0" b="0"/>
+      </a:effectRef>
+      <a:fontRef idx="minor">
+        <a:schemeClr val="lt1"/>
+      </a:fontRef>
+    </dgm:style>
+  </dgm:styleLbl>
+  <dgm:styleLbl name="parChTrans2D4">
+    <dgm:scene3d>
+      <a:camera prst="orthographicFront"/>
+      <a:lightRig rig="threePt" dir="t"/>
+    </dgm:scene3d>
+    <dgm:sp3d/>
+    <dgm:txPr/>
+    <dgm:style>
+      <a:lnRef idx="2">
+        <a:scrgbClr r="0" g="0" b="0"/>
+      </a:lnRef>
+      <a:fillRef idx="1">
+        <a:scrgbClr r="0" g="0" b="0"/>
+      </a:fillRef>
+      <a:effectRef idx="0">
+        <a:scrgbClr r="0" g="0" b="0"/>
+      </a:effectRef>
+      <a:fontRef idx="minor">
+        <a:schemeClr val="lt1"/>
+      </a:fontRef>
+    </dgm:style>
+  </dgm:styleLbl>
+  <dgm:styleLbl name="parChTrans1D1">
+    <dgm:scene3d>
+      <a:camera prst="orthographicFront"/>
+      <a:lightRig rig="threePt" dir="t"/>
+    </dgm:scene3d>
+    <dgm:sp3d/>
+    <dgm:txPr/>
+    <dgm:style>
+      <a:lnRef idx="2">
+        <a:scrgbClr r="0" g="0" b="0"/>
+      </a:lnRef>
+      <a:fillRef idx="0">
+        <a:scrgbClr r="0" g="0" b="0"/>
+      </a:fillRef>
+      <a:effectRef idx="0">
+        <a:scrgbClr r="0" g="0" b="0"/>
+      </a:effectRef>
+      <a:fontRef idx="minor"/>
+    </dgm:style>
+  </dgm:styleLbl>
+  <dgm:styleLbl name="parChTrans1D2">
+    <dgm:scene3d>
+      <a:camera prst="orthographicFront"/>
+      <a:lightRig rig="threePt" dir="t"/>
+    </dgm:scene3d>
+    <dgm:sp3d/>
+    <dgm:txPr/>
+    <dgm:style>
+      <a:lnRef idx="2">
+        <a:scrgbClr r="0" g="0" b="0"/>
+      </a:lnRef>
+      <a:fillRef idx="0">
+        <a:scrgbClr r="0" g="0" b="0"/>
+      </a:fillRef>
+      <a:effectRef idx="0">
+        <a:scrgbClr r="0" g="0" b="0"/>
+      </a:effectRef>
+      <a:fontRef idx="minor"/>
+    </dgm:style>
+  </dgm:styleLbl>
+  <dgm:styleLbl name="parChTrans1D3">
+    <dgm:scene3d>
+      <a:camera prst="orthographicFront"/>
+      <a:lightRig rig="threePt" dir="t"/>
+    </dgm:scene3d>
+    <dgm:sp3d/>
+    <dgm:txPr/>
+    <dgm:style>
+      <a:lnRef idx="2">
+        <a:scrgbClr r="0" g="0" b="0"/>
+      </a:lnRef>
+      <a:fillRef idx="0">
+        <a:scrgbClr r="0" g="0" b="0"/>
+      </a:fillRef>
+      <a:effectRef idx="0">
+        <a:scrgbClr r="0" g="0" b="0"/>
+      </a:effectRef>
+      <a:fontRef idx="minor"/>
+    </dgm:style>
+  </dgm:styleLbl>
+  <dgm:styleLbl name="parChTrans1D4">
+    <dgm:scene3d>
+      <a:camera prst="orthographicFront"/>
+      <a:lightRig rig="threePt" dir="t"/>
+    </dgm:scene3d>
+    <dgm:sp3d/>
+    <dgm:txPr/>
+    <dgm:style>
+      <a:lnRef idx="2">
+        <a:scrgbClr r="0" g="0" b="0"/>
+      </a:lnRef>
+      <a:fillRef idx="0">
+        <a:scrgbClr r="0" g="0" b="0"/>
+      </a:fillRef>
+      <a:effectRef idx="0">
+        <a:scrgbClr r="0" g="0" b="0"/>
+      </a:effectRef>
+      <a:fontRef idx="minor"/>
+    </dgm:style>
+  </dgm:styleLbl>
+  <dgm:styleLbl name="fgAcc1">
+    <dgm:scene3d>
+      <a:camera prst="orthographicFront"/>
+      <a:lightRig rig="threePt" dir="t"/>
+    </dgm:scene3d>
+    <dgm:sp3d/>
+    <dgm:txPr/>
+    <dgm:style>
+      <a:lnRef idx="2">
+        <a:scrgbClr r="0" g="0" b="0"/>
+      </a:lnRef>
+      <a:fillRef idx="1">
+        <a:scrgbClr r="0" g="0" b="0"/>
+      </a:fillRef>
+      <a:effectRef idx="0">
+        <a:scrgbClr r="0" g="0" b="0"/>
+      </a:effectRef>
+      <a:fontRef idx="minor"/>
+    </dgm:style>
+  </dgm:styleLbl>
+  <dgm:styleLbl name="conFgAcc1">
+    <dgm:scene3d>
+      <a:camera prst="orthographicFront"/>
+      <a:lightRig rig="threePt" dir="t"/>
+    </dgm:scene3d>
+    <dgm:sp3d/>
+    <dgm:txPr/>
+    <dgm:style>
+      <a:lnRef idx="2">
+        <a:scrgbClr r="0" g="0" b="0"/>
+      </a:lnRef>
+      <a:fillRef idx="1">
+        <a:scrgbClr r="0" g="0" b="0"/>
+      </a:fillRef>
+      <a:effectRef idx="0">
+        <a:scrgbClr r="0" g="0" b="0"/>
+      </a:effectRef>
+      <a:fontRef idx="minor"/>
+    </dgm:style>
+  </dgm:styleLbl>
+  <dgm:styleLbl name="alignAcc1">
+    <dgm:scene3d>
+      <a:camera prst="orthographicFront"/>
+      <a:lightRig rig="threePt" dir="t"/>
+    </dgm:scene3d>
+    <dgm:sp3d/>
+    <dgm:txPr/>
+    <dgm:style>
+      <a:lnRef idx="2">
+        <a:scrgbClr r="0" g="0" b="0"/>
+      </a:lnRef>
+      <a:fillRef idx="1">
+        <a:scrgbClr r="0" g="0" b="0"/>
+      </a:fillRef>
+      <a:effectRef idx="0">
+        <a:scrgbClr r="0" g="0" b="0"/>
+      </a:effectRef>
+      <a:fontRef idx="minor"/>
+    </dgm:style>
+  </dgm:styleLbl>
+  <dgm:styleLbl name="trAlignAcc1">
+    <dgm:scene3d>
+      <a:camera prst="orthographicFront"/>
+      <a:lightRig rig="threePt" dir="t"/>
+    </dgm:scene3d>
+    <dgm:sp3d/>
+    <dgm:txPr/>
+    <dgm:style>
+      <a:lnRef idx="1">
+        <a:scrgbClr r="0" g="0" b="0"/>
+      </a:lnRef>
+      <a:fillRef idx="1">
+        <a:scrgbClr r="0" g="0" b="0"/>
+      </a:fillRef>
+      <a:effectRef idx="0">
+        <a:scrgbClr r="0" g="0" b="0"/>
+      </a:effectRef>
+      <a:fontRef idx="minor"/>
+    </dgm:style>
+  </dgm:styleLbl>
+  <dgm:styleLbl name="bgAcc1">
+    <dgm:scene3d>
+      <a:camera prst="orthographicFront"/>
+      <a:lightRig rig="threePt" dir="t"/>
+    </dgm:scene3d>
+    <dgm:sp3d/>
+    <dgm:txPr/>
+    <dgm:style>
+      <a:lnRef idx="2">
+        <a:scrgbClr r="0" g="0" b="0"/>
+      </a:lnRef>
+      <a:fillRef idx="1">
+        <a:scrgbClr r="0" g="0" b="0"/>
+      </a:fillRef>
+      <a:effectRef idx="0">
+        <a:scrgbClr r="0" g="0" b="0"/>
+      </a:effectRef>
+      <a:fontRef idx="minor"/>
+    </dgm:style>
+  </dgm:styleLbl>
+  <dgm:styleLbl name="solidFgAcc1">
+    <dgm:scene3d>
+      <a:camera prst="orthographicFront"/>
+      <a:lightRig rig="threePt" dir="t"/>
+    </dgm:scene3d>
+    <dgm:sp3d/>
+    <dgm:txPr/>
+    <dgm:style>
+      <a:lnRef idx="2">
+        <a:scrgbClr r="0" g="0" b="0"/>
+      </a:lnRef>
+      <a:fillRef idx="1">
+        <a:scrgbClr r="0" g="0" b="0"/>
+      </a:fillRef>
+      <a:effectRef idx="0">
+        <a:scrgbClr r="0" g="0" b="0"/>
+      </a:effectRef>
+      <a:fontRef idx="minor"/>
+    </dgm:style>
+  </dgm:styleLbl>
+  <dgm:styleLbl name="solidAlignAcc1">
+    <dgm:scene3d>
+      <a:camera prst="orthographicFront"/>
+      <a:lightRig rig="threePt" dir="t"/>
+    </dgm:scene3d>
+    <dgm:sp3d/>
+    <dgm:txPr/>
+    <dgm:style>
+      <a:lnRef idx="2">
+        <a:scrgbClr r="0" g="0" b="0"/>
+      </a:lnRef>
+      <a:fillRef idx="1">
+        <a:scrgbClr r="0" g="0" b="0"/>
+      </a:fillRef>
+      <a:effectRef idx="0">
+        <a:scrgbClr r="0" g="0" b="0"/>
+      </a:effectRef>
+      <a:fontRef idx="minor"/>
+    </dgm:style>
+  </dgm:styleLbl>
+  <dgm:styleLbl name="solidBgAcc1">
+    <dgm:scene3d>
+      <a:camera prst="orthographicFront"/>
+      <a:lightRig rig="threePt" dir="t"/>
+    </dgm:scene3d>
+    <dgm:sp3d/>
+    <dgm:txPr/>
+    <dgm:style>
+      <a:lnRef idx="2">
+        <a:scrgbClr r="0" g="0" b="0"/>
+      </a:lnRef>
+      <a:fillRef idx="1">
+        <a:scrgbClr r="0" g="0" b="0"/>
+      </a:fillRef>
+      <a:effectRef idx="0">
+        <a:scrgbClr r="0" g="0" b="0"/>
+      </a:effectRef>
+      <a:fontRef idx="minor"/>
+    </dgm:style>
+  </dgm:styleLbl>
+  <dgm:styleLbl name="fgAccFollowNode1">
+    <dgm:scene3d>
+      <a:camera prst="orthographicFront"/>
+      <a:lightRig rig="threePt" dir="t"/>
+    </dgm:scene3d>
+    <dgm:sp3d/>
+    <dgm:txPr/>
+    <dgm:style>
+      <a:lnRef idx="2">
+        <a:scrgbClr r="0" g="0" b="0"/>
+      </a:lnRef>
+      <a:fillRef idx="1">
+        <a:scrgbClr r="0" g="0" b="0"/>
+      </a:fillRef>
+      <a:effectRef idx="0">
+        <a:scrgbClr r="0" g="0" b="0"/>
+      </a:effectRef>
+      <a:fontRef idx="minor"/>
+    </dgm:style>
+  </dgm:styleLbl>
+  <dgm:styleLbl name="alignAccFollowNode1">
+    <dgm:scene3d>
+      <a:camera prst="orthographicFront"/>
+      <a:lightRig rig="threePt" dir="t"/>
+    </dgm:scene3d>
+    <dgm:sp3d/>
+    <dgm:txPr/>
+    <dgm:style>
+      <a:lnRef idx="2">
+        <a:scrgbClr r="0" g="0" b="0"/>
+      </a:lnRef>
+      <a:fillRef idx="1">
+        <a:scrgbClr r="0" g="0" b="0"/>
+      </a:fillRef>
+      <a:effectRef idx="0">
+        <a:scrgbClr r="0" g="0" b="0"/>
+      </a:effectRef>
+      <a:fontRef idx="minor"/>
+    </dgm:style>
+  </dgm:styleLbl>
+  <dgm:styleLbl name="bgAccFollowNode1">
+    <dgm:scene3d>
+      <a:camera prst="orthographicFront"/>
+      <a:lightRig rig="threePt" dir="t"/>
+    </dgm:scene3d>
+    <dgm:sp3d/>
+    <dgm:txPr/>
+    <dgm:style>
+      <a:lnRef idx="2">
+        <a:scrgbClr r="0" g="0" b="0"/>
+      </a:lnRef>
+      <a:fillRef idx="1">
+        <a:scrgbClr r="0" g="0" b="0"/>
+      </a:fillRef>
+      <a:effectRef idx="0">
+        <a:scrgbClr r="0" g="0" b="0"/>
+      </a:effectRef>
+      <a:fontRef idx="minor"/>
+    </dgm:style>
+  </dgm:styleLbl>
+  <dgm:styleLbl name="fgAcc0">
+    <dgm:scene3d>
+      <a:camera prst="orthographicFront"/>
+      <a:lightRig rig="threePt" dir="t"/>
+    </dgm:scene3d>
+    <dgm:sp3d/>
+    <dgm:txPr/>
+    <dgm:style>
+      <a:lnRef idx="2">
+        <a:scrgbClr r="0" g="0" b="0"/>
+      </a:lnRef>
+      <a:fillRef idx="1">
+        <a:scrgbClr r="0" g="0" b="0"/>
+      </a:fillRef>
+      <a:effectRef idx="0">
+        <a:scrgbClr r="0" g="0" b="0"/>
+      </a:effectRef>
+      <a:fontRef idx="minor"/>
+    </dgm:style>
+  </dgm:styleLbl>
+  <dgm:styleLbl name="fgAcc2">
+    <dgm:scene3d>
+      <a:camera prst="orthographicFront"/>
+      <a:lightRig rig="threePt" dir="t"/>
+    </dgm:scene3d>
+    <dgm:sp3d/>
+    <dgm:txPr/>
+    <dgm:style>
+      <a:lnRef idx="2">
+        <a:scrgbClr r="0" g="0" b="0"/>
+      </a:lnRef>
+      <a:fillRef idx="1">
+        <a:scrgbClr r="0" g="0" b="0"/>
+      </a:fillRef>
+      <a:effectRef idx="0">
+        <a:scrgbClr r="0" g="0" b="0"/>
+      </a:effectRef>
+      <a:fontRef idx="minor"/>
+    </dgm:style>
+  </dgm:styleLbl>
+  <dgm:styleLbl name="fgAcc3">
+    <dgm:scene3d>
+      <a:camera prst="orthographicFront"/>
+      <a:lightRig rig="threePt" dir="t"/>
+    </dgm:scene3d>
+    <dgm:sp3d/>
+    <dgm:txPr/>
+    <dgm:style>
+      <a:lnRef idx="2">
+        <a:scrgbClr r="0" g="0" b="0"/>
+      </a:lnRef>
+      <a:fillRef idx="1">
+        <a:scrgbClr r="0" g="0" b="0"/>
+      </a:fillRef>
+      <a:effectRef idx="0">
+        <a:scrgbClr r="0" g="0" b="0"/>
+      </a:effectRef>
+      <a:fontRef idx="minor"/>
+    </dgm:style>
+  </dgm:styleLbl>
+  <dgm:styleLbl name="fgAcc4">
+    <dgm:scene3d>
+      <a:camera prst="orthographicFront"/>
+      <a:lightRig rig="threePt" dir="t"/>
+    </dgm:scene3d>
+    <dgm:sp3d/>
+    <dgm:txPr/>
+    <dgm:style>
+      <a:lnRef idx="2">
+        <a:scrgbClr r="0" g="0" b="0"/>
+      </a:lnRef>
+      <a:fillRef idx="1">
+        <a:scrgbClr r="0" g="0" b="0"/>
+      </a:fillRef>
+      <a:effectRef idx="0">
+        <a:scrgbClr r="0" g="0" b="0"/>
+      </a:effectRef>
+      <a:fontRef idx="minor"/>
+    </dgm:style>
+  </dgm:styleLbl>
+  <dgm:styleLbl name="bgShp">
+    <dgm:scene3d>
+      <a:camera prst="orthographicFront"/>
+      <a:lightRig rig="threePt" dir="t"/>
+    </dgm:scene3d>
+    <dgm:sp3d/>
+    <dgm:txPr/>
+    <dgm:style>
+      <a:lnRef idx="0">
+        <a:scrgbClr r="0" g="0" b="0"/>
+      </a:lnRef>
+      <a:fillRef idx="1">
+        <a:scrgbClr r="0" g="0" b="0"/>
+      </a:fillRef>
+      <a:effectRef idx="0">
+        <a:scrgbClr r="0" g="0" b="0"/>
+      </a:effectRef>
+      <a:fontRef idx="minor"/>
+    </dgm:style>
+  </dgm:styleLbl>
+  <dgm:styleLbl name="dkBgShp">
+    <dgm:scene3d>
+      <a:camera prst="orthographicFront"/>
+      <a:lightRig rig="threePt" dir="t"/>
+    </dgm:scene3d>
+    <dgm:sp3d/>
+    <dgm:txPr/>
+    <dgm:style>
+      <a:lnRef idx="0">
+        <a:scrgbClr r="0" g="0" b="0"/>
+      </a:lnRef>
+      <a:fillRef idx="1">
+        <a:scrgbClr r="0" g="0" b="0"/>
+      </a:fillRef>
+      <a:effectRef idx="0">
+        <a:scrgbClr r="0" g="0" b="0"/>
+      </a:effectRef>
+      <a:fontRef idx="minor"/>
+    </dgm:style>
+  </dgm:styleLbl>
+  <dgm:styleLbl name="trBgShp">
+    <dgm:scene3d>
+      <a:camera prst="orthographicFront"/>
+      <a:lightRig rig="threePt" dir="t"/>
+    </dgm:scene3d>
+    <dgm:sp3d/>
+    <dgm:txPr/>
+    <dgm:style>
+      <a:lnRef idx="0">
+        <a:scrgbClr r="0" g="0" b="0"/>
+      </a:lnRef>
+      <a:fillRef idx="1">
+        <a:scrgbClr r="0" g="0" b="0"/>
+      </a:fillRef>
+      <a:effectRef idx="0">
+        <a:scrgbClr r="0" g="0" b="0"/>
+      </a:effectRef>
+      <a:fontRef idx="minor"/>
+    </dgm:style>
+  </dgm:styleLbl>
+  <dgm:styleLbl name="fgShp">
+    <dgm:scene3d>
+      <a:camera prst="orthographicFront"/>
+      <a:lightRig rig="threePt" dir="t"/>
+    </dgm:scene3d>
+    <dgm:sp3d/>
+    <dgm:txPr/>
+    <dgm:style>
+      <a:lnRef idx="2">
+        <a:scrgbClr r="0" g="0" b="0"/>
+      </a:lnRef>
+      <a:fillRef idx="1">
+        <a:scrgbClr r="0" g="0" b="0"/>
+      </a:fillRef>
+      <a:effectRef idx="0">
+        <a:scrgbClr r="0" g="0" b="0"/>
+      </a:effectRef>
+      <a:fontRef idx="minor"/>
+    </dgm:style>
+  </dgm:styleLbl>
+  <dgm:styleLbl name="revTx">
+    <dgm:scene3d>
+      <a:camera prst="orthographicFront"/>
+      <a:lightRig rig="threePt" dir="t"/>
+    </dgm:scene3d>
+    <dgm:sp3d/>
+    <dgm:txPr/>
+    <dgm:style>
+      <a:lnRef idx="0">
+        <a:scrgbClr r="0" g="0" b="0"/>
+      </a:lnRef>
+      <a:fillRef idx="0">
+        <a:scrgbClr r="0" g="0" b="0"/>
+      </a:fillRef>
+      <a:effectRef idx="0">
+        <a:scrgbClr r="0" g="0" b="0"/>
+      </a:effectRef>
+      <a:fontRef idx="minor"/>
+    </dgm:style>
+  </dgm:styleLbl>
+</dgm:styleDef>
 </file>
 
 <file path=ppt/slideLayouts/slideLayout1.xml><?xml version="1.0" encoding="utf-8"?>
@@ -257,7 +3157,7 @@
           <a:p>
             <a:fld id="{C764DE79-268F-4C1A-8933-263129D2AF90}" type="datetimeFigureOut">
               <a:rPr lang="en-US" dirty="0"/>
-              <a:t>11/14/2022</a:t>
+              <a:t>12/11/2022</a:t>
             </a:fld>
             <a:endParaRPr lang="en-US" dirty="0"/>
           </a:p>
@@ -425,7 +3325,7 @@
           <a:p>
             <a:fld id="{C764DE79-268F-4C1A-8933-263129D2AF90}" type="datetimeFigureOut">
               <a:rPr lang="en-US" dirty="0"/>
-              <a:t>11/14/2022</a:t>
+              <a:t>12/11/2022</a:t>
             </a:fld>
             <a:endParaRPr lang="en-US" dirty="0"/>
           </a:p>
@@ -603,7 +3503,7 @@
           <a:p>
             <a:fld id="{C764DE79-268F-4C1A-8933-263129D2AF90}" type="datetimeFigureOut">
               <a:rPr lang="en-US" dirty="0"/>
-              <a:t>11/14/2022</a:t>
+              <a:t>12/11/2022</a:t>
             </a:fld>
             <a:endParaRPr lang="en-US" dirty="0"/>
           </a:p>
@@ -771,7 +3671,7 @@
           <a:p>
             <a:fld id="{C764DE79-268F-4C1A-8933-263129D2AF90}" type="datetimeFigureOut">
               <a:rPr lang="en-US" dirty="0"/>
-              <a:t>11/14/2022</a:t>
+              <a:t>12/11/2022</a:t>
             </a:fld>
             <a:endParaRPr lang="en-US" dirty="0"/>
           </a:p>
@@ -1016,7 +3916,7 @@
           <a:p>
             <a:fld id="{C764DE79-268F-4C1A-8933-263129D2AF90}" type="datetimeFigureOut">
               <a:rPr lang="en-US" dirty="0"/>
-              <a:t>11/14/2022</a:t>
+              <a:t>12/11/2022</a:t>
             </a:fld>
             <a:endParaRPr lang="en-US" dirty="0"/>
           </a:p>
@@ -1245,7 +4145,7 @@
           <a:p>
             <a:fld id="{C764DE79-268F-4C1A-8933-263129D2AF90}" type="datetimeFigureOut">
               <a:rPr lang="en-US" dirty="0"/>
-              <a:t>11/14/2022</a:t>
+              <a:t>12/11/2022</a:t>
             </a:fld>
             <a:endParaRPr lang="en-US" dirty="0"/>
           </a:p>
@@ -1609,7 +4509,7 @@
           <a:p>
             <a:fld id="{C764DE79-268F-4C1A-8933-263129D2AF90}" type="datetimeFigureOut">
               <a:rPr lang="en-US" dirty="0"/>
-              <a:t>11/14/2022</a:t>
+              <a:t>12/11/2022</a:t>
             </a:fld>
             <a:endParaRPr lang="en-US" dirty="0"/>
           </a:p>
@@ -1726,7 +4626,7 @@
           <a:p>
             <a:fld id="{C764DE79-268F-4C1A-8933-263129D2AF90}" type="datetimeFigureOut">
               <a:rPr lang="en-US" dirty="0"/>
-              <a:t>11/14/2022</a:t>
+              <a:t>12/11/2022</a:t>
             </a:fld>
             <a:endParaRPr lang="en-US" dirty="0"/>
           </a:p>
@@ -1821,7 +4721,7 @@
           <a:p>
             <a:fld id="{C764DE79-268F-4C1A-8933-263129D2AF90}" type="datetimeFigureOut">
               <a:rPr lang="en-US" dirty="0"/>
-              <a:t>11/14/2022</a:t>
+              <a:t>12/11/2022</a:t>
             </a:fld>
             <a:endParaRPr lang="en-US" dirty="0"/>
           </a:p>
@@ -2096,7 +4996,7 @@
           <a:p>
             <a:fld id="{C764DE79-268F-4C1A-8933-263129D2AF90}" type="datetimeFigureOut">
               <a:rPr lang="en-US" dirty="0"/>
-              <a:t>11/14/2022</a:t>
+              <a:t>12/11/2022</a:t>
             </a:fld>
             <a:endParaRPr lang="en-US" dirty="0"/>
           </a:p>
@@ -2348,7 +5248,7 @@
           <a:p>
             <a:fld id="{C764DE79-268F-4C1A-8933-263129D2AF90}" type="datetimeFigureOut">
               <a:rPr lang="en-US" dirty="0"/>
-              <a:t>11/14/2022</a:t>
+              <a:t>12/11/2022</a:t>
             </a:fld>
             <a:endParaRPr lang="en-US" dirty="0"/>
           </a:p>
@@ -2559,7 +5459,7 @@
           <a:p>
             <a:fld id="{C764DE79-268F-4C1A-8933-263129D2AF90}" type="datetimeFigureOut">
               <a:rPr lang="en-US" dirty="0"/>
-              <a:t>11/14/2022</a:t>
+              <a:t>12/11/2022</a:t>
             </a:fld>
             <a:endParaRPr lang="en-US" dirty="0"/>
           </a:p>
@@ -6008,7 +8908,7 @@
           <a:lstStyle/>
           <a:p>
             <a:r>
-              <a:rPr lang="en-GB" sz="4000" b="1">
+              <a:rPr lang="en-GB" sz="4000" b="1" dirty="0">
                 <a:solidFill>
                   <a:srgbClr val="FFFFFF"/>
                 </a:solidFill>
@@ -6017,7 +8917,7 @@
               </a:rPr>
               <a:t>WORKING ON THE DATA</a:t>
             </a:r>
-            <a:endParaRPr lang="en-GB" sz="4000">
+            <a:endParaRPr lang="en-GB" sz="4000" dirty="0">
               <a:solidFill>
                 <a:srgbClr val="FFFFFF"/>
               </a:solidFill>
@@ -6090,123 +8990,32 @@
           </a:p>
         </p:txBody>
       </p:sp>
-      <p:sp>
-        <p:nvSpPr>
-          <p:cNvPr id="3" name="Content Placeholder 2">
+      <p:graphicFrame>
+        <p:nvGraphicFramePr>
+          <p:cNvPr id="41" name="Content Placeholder 2">
             <a:extLst>
               <a:ext uri="{FF2B5EF4-FFF2-40B4-BE49-F238E27FC236}">
-                <a16:creationId xmlns:a16="http://schemas.microsoft.com/office/drawing/2014/main" id="{10704C23-3BED-01A9-0CEC-76DE384198F4}"/>
+                <a16:creationId xmlns:a16="http://schemas.microsoft.com/office/drawing/2014/main" id="{0C39969C-4A34-34FA-76A3-E06A200F39CB}"/>
               </a:ext>
             </a:extLst>
           </p:cNvPr>
-          <p:cNvSpPr>
-            <a:spLocks noGrp="1"/>
-          </p:cNvSpPr>
+          <p:cNvGraphicFramePr>
+            <a:graphicFrameLocks noGrp="1"/>
+          </p:cNvGraphicFramePr>
           <p:nvPr>
             <p:ph idx="1"/>
           </p:nvPr>
-        </p:nvSpPr>
-        <p:spPr>
-          <a:xfrm>
-            <a:off x="1078992" y="2408844"/>
-            <a:ext cx="5488399" cy="3391224"/>
-          </a:xfrm>
-        </p:spPr>
-        <p:txBody>
-          <a:bodyPr vert="horz" lIns="91440" tIns="45720" rIns="91440" bIns="45720" rtlCol="0" anchor="t">
-            <a:normAutofit/>
-          </a:bodyPr>
-          <a:lstStyle/>
-          <a:p>
-            <a:pPr algn="just"/>
-            <a:r>
-              <a:rPr lang="en-GB" sz="2000" dirty="0">
-                <a:solidFill>
-                  <a:srgbClr val="FFFFFE"/>
-                </a:solidFill>
-                <a:cs typeface="Calibri"/>
-              </a:rPr>
-              <a:t>I implemented the Random Forrest algorithm on the first dataset with varying hyperparameters. </a:t>
-            </a:r>
-            <a:endParaRPr lang="en-GB" sz="2000" dirty="0">
-              <a:solidFill>
-                <a:srgbClr val="FFFFFE"/>
-              </a:solidFill>
-              <a:ea typeface="+mn-lt"/>
-              <a:cs typeface="+mn-lt"/>
-            </a:endParaRPr>
-          </a:p>
-          <a:p>
-            <a:pPr algn="just"/>
-            <a:r>
-              <a:rPr lang="en-GB" sz="2000" dirty="0">
-                <a:solidFill>
-                  <a:srgbClr val="FFFFFE"/>
-                </a:solidFill>
-                <a:cs typeface="Calibri"/>
-              </a:rPr>
-              <a:t>The best estimator I got is shown below.</a:t>
-            </a:r>
-          </a:p>
-          <a:p>
-            <a:pPr algn="just"/>
-            <a:r>
-              <a:rPr lang="en-GB" sz="2000" dirty="0">
-                <a:solidFill>
-                  <a:srgbClr val="FFFFFE"/>
-                </a:solidFill>
-                <a:cs typeface="Calibri"/>
-              </a:rPr>
-              <a:t>The highest accuracy for the algorithm is 83%.</a:t>
-            </a:r>
-            <a:endParaRPr lang="en-GB" sz="2000" dirty="0">
-              <a:solidFill>
-                <a:srgbClr val="FFFFFE"/>
-              </a:solidFill>
-              <a:ea typeface="+mn-lt"/>
-              <a:cs typeface="+mn-lt"/>
-            </a:endParaRPr>
-          </a:p>
-          <a:p>
-            <a:pPr algn="just"/>
-            <a:endParaRPr lang="en-GB" sz="2000">
-              <a:solidFill>
-                <a:srgbClr val="FFFFFE"/>
-              </a:solidFill>
-              <a:ea typeface="+mn-lt"/>
-              <a:cs typeface="+mn-lt"/>
-            </a:endParaRPr>
-          </a:p>
-          <a:p>
-            <a:pPr algn="just"/>
-            <a:endParaRPr lang="en-GB" sz="2000">
-              <a:solidFill>
-                <a:srgbClr val="FFFFFE"/>
-              </a:solidFill>
-              <a:cs typeface="Calibri"/>
-            </a:endParaRPr>
-          </a:p>
-          <a:p>
-            <a:pPr algn="just"/>
-            <a:endParaRPr lang="en-GB" sz="2000">
-              <a:solidFill>
-                <a:srgbClr val="FFFFFE"/>
-              </a:solidFill>
-              <a:cs typeface="Calibri"/>
-            </a:endParaRPr>
-          </a:p>
-          <a:p>
-            <a:pPr algn="just"/>
-            <a:endParaRPr lang="en-GB" sz="2000">
-              <a:solidFill>
-                <a:srgbClr val="FFFFFE"/>
-              </a:solidFill>
-              <a:ea typeface="+mn-lt"/>
-              <a:cs typeface="+mn-lt"/>
-            </a:endParaRPr>
-          </a:p>
-        </p:txBody>
-      </p:sp>
+        </p:nvGraphicFramePr>
+        <p:xfrm>
+          <a:off x="1078992" y="2408844"/>
+          <a:ext cx="5488399" cy="3391224"/>
+        </p:xfrm>
+        <a:graphic>
+          <a:graphicData uri="http://schemas.openxmlformats.org/drawingml/2006/diagram">
+            <dgm:relIds xmlns:dgm="http://schemas.openxmlformats.org/drawingml/2006/diagram" xmlns:r="http://schemas.openxmlformats.org/officeDocument/2006/relationships" r:dm="rId2" r:lo="rId3" r:qs="rId4" r:cs="rId5"/>
+          </a:graphicData>
+        </a:graphic>
+      </p:graphicFrame>
       <p:pic>
         <p:nvPicPr>
           <p:cNvPr id="6" name="Picture 6" descr="Graphical user interface, text, application, email&#10;&#10;Description automatically generated">
@@ -6222,14 +9031,14 @@
           <p:nvPr/>
         </p:nvPicPr>
         <p:blipFill>
-          <a:blip r:embed="rId2"/>
+          <a:blip r:embed="rId7"/>
           <a:stretch>
             <a:fillRect/>
           </a:stretch>
         </p:blipFill>
         <p:spPr>
           <a:xfrm>
-            <a:off x="7552815" y="4683792"/>
+            <a:off x="7177677" y="1647515"/>
             <a:ext cx="3781652" cy="1021655"/>
           </a:xfrm>
           <a:prstGeom prst="rect">
@@ -6259,14 +9068,14 @@
           <p:nvPr/>
         </p:nvPicPr>
         <p:blipFill>
-          <a:blip r:embed="rId3"/>
+          <a:blip r:embed="rId8"/>
           <a:stretch>
             <a:fillRect/>
           </a:stretch>
         </p:blipFill>
         <p:spPr>
           <a:xfrm>
-            <a:off x="7552675" y="3231316"/>
+            <a:off x="7177536" y="804639"/>
             <a:ext cx="3783128" cy="395368"/>
           </a:xfrm>
           <a:prstGeom prst="rect">
@@ -6279,6 +9088,66 @@
               </a:prstClr>
             </a:outerShdw>
           </a:effectLst>
+        </p:spPr>
+      </p:pic>
+      <p:pic>
+        <p:nvPicPr>
+          <p:cNvPr id="7" name="Picture 7">
+            <a:extLst>
+              <a:ext uri="{FF2B5EF4-FFF2-40B4-BE49-F238E27FC236}">
+                <a16:creationId xmlns:a16="http://schemas.microsoft.com/office/drawing/2014/main" id="{0323C8F1-CF13-FE20-E4F5-1A0E134EF5D6}"/>
+              </a:ext>
+            </a:extLst>
+          </p:cNvPr>
+          <p:cNvPicPr>
+            <a:picLocks noChangeAspect="1"/>
+          </p:cNvPicPr>
+          <p:nvPr/>
+        </p:nvPicPr>
+        <p:blipFill>
+          <a:blip r:embed="rId9"/>
+          <a:stretch>
+            <a:fillRect/>
+          </a:stretch>
+        </p:blipFill>
+        <p:spPr>
+          <a:xfrm>
+            <a:off x="7174523" y="3282318"/>
+            <a:ext cx="4454770" cy="434040"/>
+          </a:xfrm>
+          <a:prstGeom prst="rect">
+            <a:avLst/>
+          </a:prstGeom>
+        </p:spPr>
+      </p:pic>
+      <p:pic>
+        <p:nvPicPr>
+          <p:cNvPr id="8" name="Picture 8" descr="Graphical user interface, text, application&#10;&#10;Description automatically generated">
+            <a:extLst>
+              <a:ext uri="{FF2B5EF4-FFF2-40B4-BE49-F238E27FC236}">
+                <a16:creationId xmlns:a16="http://schemas.microsoft.com/office/drawing/2014/main" id="{606D68AC-BFC9-81BB-8EC3-7B1E1EFBB833}"/>
+              </a:ext>
+            </a:extLst>
+          </p:cNvPr>
+          <p:cNvPicPr>
+            <a:picLocks noChangeAspect="1"/>
+          </p:cNvPicPr>
+          <p:nvPr/>
+        </p:nvPicPr>
+        <p:blipFill>
+          <a:blip r:embed="rId10"/>
+          <a:stretch>
+            <a:fillRect/>
+          </a:stretch>
+        </p:blipFill>
+        <p:spPr>
+          <a:xfrm>
+            <a:off x="7174523" y="4258003"/>
+            <a:ext cx="3950676" cy="1038303"/>
+          </a:xfrm>
+          <a:prstGeom prst="rect">
+            <a:avLst/>
+          </a:prstGeom>
         </p:spPr>
       </p:pic>
     </p:spTree>
@@ -6319,12 +9188,12 @@
           <a:chExt cx="0" cy="0"/>
         </a:xfrm>
       </p:grpSpPr>
-      <p:sp>
+      <p:sp useBgFill="1">
         <p:nvSpPr>
-          <p:cNvPr id="17" name="Rectangle 16">
+          <p:cNvPr id="29" name="Rectangle 28">
             <a:extLst>
               <a:ext uri="{FF2B5EF4-FFF2-40B4-BE49-F238E27FC236}">
-                <a16:creationId xmlns:a16="http://schemas.microsoft.com/office/drawing/2014/main" id="{C7FA33FF-088D-4F16-95A2-2C64D353DEA8}"/>
+                <a16:creationId xmlns:a16="http://schemas.microsoft.com/office/drawing/2014/main" id="{C232B152-3720-4D3B-97ED-45CE5483F16F}"/>
               </a:ext>
               <a:ext uri="{C183D7F6-B498-43B3-948B-1728B52AA6E4}">
                 <adec:decorative xmlns:adec="http://schemas.microsoft.com/office/drawing/2017/decorative" val="1"/>
@@ -6344,18 +9213,18 @@
         </p:nvSpPr>
         <p:spPr>
           <a:xfrm>
-            <a:off x="3048" y="0"/>
-            <a:ext cx="12188952" cy="6858000"/>
+            <a:off x="0" y="0"/>
+            <a:ext cx="12192000" cy="6858000"/>
           </a:xfrm>
           <a:prstGeom prst="rect">
             <a:avLst/>
           </a:prstGeom>
-          <a:solidFill>
-            <a:schemeClr val="tx1"/>
-          </a:solidFill>
-          <a:ln>
+          <a:ln w="12700" cap="flat" cmpd="sng" algn="ctr">
             <a:noFill/>
+            <a:prstDash val="solid"/>
+            <a:miter lim="800000"/>
           </a:ln>
+          <a:effectLst/>
         </p:spPr>
         <p:style>
           <a:lnRef idx="2">
@@ -6384,10 +9253,1233 @@
       </p:sp>
       <p:sp>
         <p:nvSpPr>
-          <p:cNvPr id="19" name="Rectangle 18">
+          <p:cNvPr id="31" name="Freeform: Shape 30">
             <a:extLst>
               <a:ext uri="{FF2B5EF4-FFF2-40B4-BE49-F238E27FC236}">
-                <a16:creationId xmlns:a16="http://schemas.microsoft.com/office/drawing/2014/main" id="{A376EFB1-01CF-419F-ABF1-2AF02BBFCBD1}"/>
+                <a16:creationId xmlns:a16="http://schemas.microsoft.com/office/drawing/2014/main" id="{11BAB570-FF10-4E96-8A3F-FA9804702B89}"/>
+              </a:ext>
+              <a:ext uri="{C183D7F6-B498-43B3-948B-1728B52AA6E4}">
+                <adec:decorative xmlns:adec="http://schemas.microsoft.com/office/drawing/2017/decorative" val="1"/>
+              </a:ext>
+            </a:extLst>
+          </p:cNvPr>
+          <p:cNvSpPr>
+            <a:spLocks noGrp="1" noRot="1" noChangeAspect="1" noMove="1" noResize="1" noEditPoints="1" noAdjustHandles="1" noChangeArrowheads="1" noChangeShapeType="1" noTextEdit="1"/>
+          </p:cNvSpPr>
+          <p:nvPr>
+            <p:extLst>
+              <p:ext uri="{386F3935-93C4-4BCD-93E2-E3B085C9AB24}">
+                <p16:designElem xmlns:p16="http://schemas.microsoft.com/office/powerpoint/2015/main" val="1"/>
+              </p:ext>
+            </p:extLst>
+          </p:nvPr>
+        </p:nvSpPr>
+        <p:spPr bwMode="ltGray">
+          <a:xfrm>
+            <a:off x="0" y="0"/>
+            <a:ext cx="4693698" cy="6858000"/>
+          </a:xfrm>
+          <a:custGeom>
+            <a:avLst/>
+            <a:gdLst>
+              <a:gd name="connsiteX0" fmla="*/ 0 w 4693698"/>
+              <a:gd name="connsiteY0" fmla="*/ 0 h 6858000"/>
+              <a:gd name="connsiteX1" fmla="*/ 420914 w 4693698"/>
+              <a:gd name="connsiteY1" fmla="*/ 0 h 6858000"/>
+              <a:gd name="connsiteX2" fmla="*/ 1582057 w 4693698"/>
+              <a:gd name="connsiteY2" fmla="*/ 0 h 6858000"/>
+              <a:gd name="connsiteX3" fmla="*/ 4503903 w 4693698"/>
+              <a:gd name="connsiteY3" fmla="*/ 0 h 6858000"/>
+              <a:gd name="connsiteX4" fmla="*/ 4508943 w 4693698"/>
+              <a:gd name="connsiteY4" fmla="*/ 66675 h 6858000"/>
+              <a:gd name="connsiteX5" fmla="*/ 4517340 w 4693698"/>
+              <a:gd name="connsiteY5" fmla="*/ 122237 h 6858000"/>
+              <a:gd name="connsiteX6" fmla="*/ 4527418 w 4693698"/>
+              <a:gd name="connsiteY6" fmla="*/ 174625 h 6858000"/>
+              <a:gd name="connsiteX7" fmla="*/ 4544214 w 4693698"/>
+              <a:gd name="connsiteY7" fmla="*/ 217487 h 6858000"/>
+              <a:gd name="connsiteX8" fmla="*/ 4561010 w 4693698"/>
+              <a:gd name="connsiteY8" fmla="*/ 260350 h 6858000"/>
+              <a:gd name="connsiteX9" fmla="*/ 4581165 w 4693698"/>
+              <a:gd name="connsiteY9" fmla="*/ 296862 h 6858000"/>
+              <a:gd name="connsiteX10" fmla="*/ 4601320 w 4693698"/>
+              <a:gd name="connsiteY10" fmla="*/ 334962 h 6858000"/>
+              <a:gd name="connsiteX11" fmla="*/ 4619796 w 4693698"/>
+              <a:gd name="connsiteY11" fmla="*/ 369887 h 6858000"/>
+              <a:gd name="connsiteX12" fmla="*/ 4638271 w 4693698"/>
+              <a:gd name="connsiteY12" fmla="*/ 409575 h 6858000"/>
+              <a:gd name="connsiteX13" fmla="*/ 4655067 w 4693698"/>
+              <a:gd name="connsiteY13" fmla="*/ 450850 h 6858000"/>
+              <a:gd name="connsiteX14" fmla="*/ 4670184 w 4693698"/>
+              <a:gd name="connsiteY14" fmla="*/ 496887 h 6858000"/>
+              <a:gd name="connsiteX15" fmla="*/ 4681941 w 4693698"/>
+              <a:gd name="connsiteY15" fmla="*/ 546100 h 6858000"/>
+              <a:gd name="connsiteX16" fmla="*/ 4690339 w 4693698"/>
+              <a:gd name="connsiteY16" fmla="*/ 606425 h 6858000"/>
+              <a:gd name="connsiteX17" fmla="*/ 4693698 w 4693698"/>
+              <a:gd name="connsiteY17" fmla="*/ 673100 h 6858000"/>
+              <a:gd name="connsiteX18" fmla="*/ 4690339 w 4693698"/>
+              <a:gd name="connsiteY18" fmla="*/ 744537 h 6858000"/>
+              <a:gd name="connsiteX19" fmla="*/ 4681941 w 4693698"/>
+              <a:gd name="connsiteY19" fmla="*/ 801687 h 6858000"/>
+              <a:gd name="connsiteX20" fmla="*/ 4670184 w 4693698"/>
+              <a:gd name="connsiteY20" fmla="*/ 854075 h 6858000"/>
+              <a:gd name="connsiteX21" fmla="*/ 4655067 w 4693698"/>
+              <a:gd name="connsiteY21" fmla="*/ 901700 h 6858000"/>
+              <a:gd name="connsiteX22" fmla="*/ 4638271 w 4693698"/>
+              <a:gd name="connsiteY22" fmla="*/ 942975 h 6858000"/>
+              <a:gd name="connsiteX23" fmla="*/ 4618116 w 4693698"/>
+              <a:gd name="connsiteY23" fmla="*/ 981075 h 6858000"/>
+              <a:gd name="connsiteX24" fmla="*/ 4597961 w 4693698"/>
+              <a:gd name="connsiteY24" fmla="*/ 1017587 h 6858000"/>
+              <a:gd name="connsiteX25" fmla="*/ 4577806 w 4693698"/>
+              <a:gd name="connsiteY25" fmla="*/ 1055687 h 6858000"/>
+              <a:gd name="connsiteX26" fmla="*/ 4559330 w 4693698"/>
+              <a:gd name="connsiteY26" fmla="*/ 1095375 h 6858000"/>
+              <a:gd name="connsiteX27" fmla="*/ 4540854 w 4693698"/>
+              <a:gd name="connsiteY27" fmla="*/ 1136650 h 6858000"/>
+              <a:gd name="connsiteX28" fmla="*/ 4525739 w 4693698"/>
+              <a:gd name="connsiteY28" fmla="*/ 1182687 h 6858000"/>
+              <a:gd name="connsiteX29" fmla="*/ 4515661 w 4693698"/>
+              <a:gd name="connsiteY29" fmla="*/ 1235075 h 6858000"/>
+              <a:gd name="connsiteX30" fmla="*/ 4505583 w 4693698"/>
+              <a:gd name="connsiteY30" fmla="*/ 1295400 h 6858000"/>
+              <a:gd name="connsiteX31" fmla="*/ 4503903 w 4693698"/>
+              <a:gd name="connsiteY31" fmla="*/ 1363662 h 6858000"/>
+              <a:gd name="connsiteX32" fmla="*/ 4505583 w 4693698"/>
+              <a:gd name="connsiteY32" fmla="*/ 1431925 h 6858000"/>
+              <a:gd name="connsiteX33" fmla="*/ 4515661 w 4693698"/>
+              <a:gd name="connsiteY33" fmla="*/ 1492250 h 6858000"/>
+              <a:gd name="connsiteX34" fmla="*/ 4525739 w 4693698"/>
+              <a:gd name="connsiteY34" fmla="*/ 1544637 h 6858000"/>
+              <a:gd name="connsiteX35" fmla="*/ 4540854 w 4693698"/>
+              <a:gd name="connsiteY35" fmla="*/ 1589087 h 6858000"/>
+              <a:gd name="connsiteX36" fmla="*/ 4559330 w 4693698"/>
+              <a:gd name="connsiteY36" fmla="*/ 1631950 h 6858000"/>
+              <a:gd name="connsiteX37" fmla="*/ 4577806 w 4693698"/>
+              <a:gd name="connsiteY37" fmla="*/ 1671637 h 6858000"/>
+              <a:gd name="connsiteX38" fmla="*/ 4597961 w 4693698"/>
+              <a:gd name="connsiteY38" fmla="*/ 1708150 h 6858000"/>
+              <a:gd name="connsiteX39" fmla="*/ 4618116 w 4693698"/>
+              <a:gd name="connsiteY39" fmla="*/ 1743075 h 6858000"/>
+              <a:gd name="connsiteX40" fmla="*/ 4638271 w 4693698"/>
+              <a:gd name="connsiteY40" fmla="*/ 1782762 h 6858000"/>
+              <a:gd name="connsiteX41" fmla="*/ 4655067 w 4693698"/>
+              <a:gd name="connsiteY41" fmla="*/ 1824037 h 6858000"/>
+              <a:gd name="connsiteX42" fmla="*/ 4670184 w 4693698"/>
+              <a:gd name="connsiteY42" fmla="*/ 1870075 h 6858000"/>
+              <a:gd name="connsiteX43" fmla="*/ 4681941 w 4693698"/>
+              <a:gd name="connsiteY43" fmla="*/ 1922462 h 6858000"/>
+              <a:gd name="connsiteX44" fmla="*/ 4690339 w 4693698"/>
+              <a:gd name="connsiteY44" fmla="*/ 1982787 h 6858000"/>
+              <a:gd name="connsiteX45" fmla="*/ 4693698 w 4693698"/>
+              <a:gd name="connsiteY45" fmla="*/ 2051050 h 6858000"/>
+              <a:gd name="connsiteX46" fmla="*/ 4690339 w 4693698"/>
+              <a:gd name="connsiteY46" fmla="*/ 2119312 h 6858000"/>
+              <a:gd name="connsiteX47" fmla="*/ 4681941 w 4693698"/>
+              <a:gd name="connsiteY47" fmla="*/ 2179637 h 6858000"/>
+              <a:gd name="connsiteX48" fmla="*/ 4670184 w 4693698"/>
+              <a:gd name="connsiteY48" fmla="*/ 2232025 h 6858000"/>
+              <a:gd name="connsiteX49" fmla="*/ 4655067 w 4693698"/>
+              <a:gd name="connsiteY49" fmla="*/ 2278062 h 6858000"/>
+              <a:gd name="connsiteX50" fmla="*/ 4638271 w 4693698"/>
+              <a:gd name="connsiteY50" fmla="*/ 2319337 h 6858000"/>
+              <a:gd name="connsiteX51" fmla="*/ 4618116 w 4693698"/>
+              <a:gd name="connsiteY51" fmla="*/ 2359025 h 6858000"/>
+              <a:gd name="connsiteX52" fmla="*/ 4597961 w 4693698"/>
+              <a:gd name="connsiteY52" fmla="*/ 2395537 h 6858000"/>
+              <a:gd name="connsiteX53" fmla="*/ 4577806 w 4693698"/>
+              <a:gd name="connsiteY53" fmla="*/ 2433637 h 6858000"/>
+              <a:gd name="connsiteX54" fmla="*/ 4559330 w 4693698"/>
+              <a:gd name="connsiteY54" fmla="*/ 2471737 h 6858000"/>
+              <a:gd name="connsiteX55" fmla="*/ 4540854 w 4693698"/>
+              <a:gd name="connsiteY55" fmla="*/ 2513012 h 6858000"/>
+              <a:gd name="connsiteX56" fmla="*/ 4525739 w 4693698"/>
+              <a:gd name="connsiteY56" fmla="*/ 2560637 h 6858000"/>
+              <a:gd name="connsiteX57" fmla="*/ 4515661 w 4693698"/>
+              <a:gd name="connsiteY57" fmla="*/ 2613025 h 6858000"/>
+              <a:gd name="connsiteX58" fmla="*/ 4505583 w 4693698"/>
+              <a:gd name="connsiteY58" fmla="*/ 2671762 h 6858000"/>
+              <a:gd name="connsiteX59" fmla="*/ 4503903 w 4693698"/>
+              <a:gd name="connsiteY59" fmla="*/ 2741612 h 6858000"/>
+              <a:gd name="connsiteX60" fmla="*/ 4505583 w 4693698"/>
+              <a:gd name="connsiteY60" fmla="*/ 2809875 h 6858000"/>
+              <a:gd name="connsiteX61" fmla="*/ 4515661 w 4693698"/>
+              <a:gd name="connsiteY61" fmla="*/ 2868612 h 6858000"/>
+              <a:gd name="connsiteX62" fmla="*/ 4525739 w 4693698"/>
+              <a:gd name="connsiteY62" fmla="*/ 2922587 h 6858000"/>
+              <a:gd name="connsiteX63" fmla="*/ 4540854 w 4693698"/>
+              <a:gd name="connsiteY63" fmla="*/ 2967037 h 6858000"/>
+              <a:gd name="connsiteX64" fmla="*/ 4559330 w 4693698"/>
+              <a:gd name="connsiteY64" fmla="*/ 3009900 h 6858000"/>
+              <a:gd name="connsiteX65" fmla="*/ 4577806 w 4693698"/>
+              <a:gd name="connsiteY65" fmla="*/ 3046412 h 6858000"/>
+              <a:gd name="connsiteX66" fmla="*/ 4597961 w 4693698"/>
+              <a:gd name="connsiteY66" fmla="*/ 3084512 h 6858000"/>
+              <a:gd name="connsiteX67" fmla="*/ 4618116 w 4693698"/>
+              <a:gd name="connsiteY67" fmla="*/ 3121025 h 6858000"/>
+              <a:gd name="connsiteX68" fmla="*/ 4638271 w 4693698"/>
+              <a:gd name="connsiteY68" fmla="*/ 3160712 h 6858000"/>
+              <a:gd name="connsiteX69" fmla="*/ 4655067 w 4693698"/>
+              <a:gd name="connsiteY69" fmla="*/ 3201987 h 6858000"/>
+              <a:gd name="connsiteX70" fmla="*/ 4670184 w 4693698"/>
+              <a:gd name="connsiteY70" fmla="*/ 3248025 h 6858000"/>
+              <a:gd name="connsiteX71" fmla="*/ 4681941 w 4693698"/>
+              <a:gd name="connsiteY71" fmla="*/ 3300412 h 6858000"/>
+              <a:gd name="connsiteX72" fmla="*/ 4690339 w 4693698"/>
+              <a:gd name="connsiteY72" fmla="*/ 3360737 h 6858000"/>
+              <a:gd name="connsiteX73" fmla="*/ 4693698 w 4693698"/>
+              <a:gd name="connsiteY73" fmla="*/ 3427412 h 6858000"/>
+              <a:gd name="connsiteX74" fmla="*/ 4690339 w 4693698"/>
+              <a:gd name="connsiteY74" fmla="*/ 3497262 h 6858000"/>
+              <a:gd name="connsiteX75" fmla="*/ 4681941 w 4693698"/>
+              <a:gd name="connsiteY75" fmla="*/ 3557587 h 6858000"/>
+              <a:gd name="connsiteX76" fmla="*/ 4670184 w 4693698"/>
+              <a:gd name="connsiteY76" fmla="*/ 3609975 h 6858000"/>
+              <a:gd name="connsiteX77" fmla="*/ 4655067 w 4693698"/>
+              <a:gd name="connsiteY77" fmla="*/ 3656012 h 6858000"/>
+              <a:gd name="connsiteX78" fmla="*/ 4638271 w 4693698"/>
+              <a:gd name="connsiteY78" fmla="*/ 3697287 h 6858000"/>
+              <a:gd name="connsiteX79" fmla="*/ 4618116 w 4693698"/>
+              <a:gd name="connsiteY79" fmla="*/ 3736975 h 6858000"/>
+              <a:gd name="connsiteX80" fmla="*/ 4577806 w 4693698"/>
+              <a:gd name="connsiteY80" fmla="*/ 3811587 h 6858000"/>
+              <a:gd name="connsiteX81" fmla="*/ 4559330 w 4693698"/>
+              <a:gd name="connsiteY81" fmla="*/ 3848100 h 6858000"/>
+              <a:gd name="connsiteX82" fmla="*/ 4540854 w 4693698"/>
+              <a:gd name="connsiteY82" fmla="*/ 3890962 h 6858000"/>
+              <a:gd name="connsiteX83" fmla="*/ 4525739 w 4693698"/>
+              <a:gd name="connsiteY83" fmla="*/ 3935412 h 6858000"/>
+              <a:gd name="connsiteX84" fmla="*/ 4515661 w 4693698"/>
+              <a:gd name="connsiteY84" fmla="*/ 3987800 h 6858000"/>
+              <a:gd name="connsiteX85" fmla="*/ 4505583 w 4693698"/>
+              <a:gd name="connsiteY85" fmla="*/ 4048125 h 6858000"/>
+              <a:gd name="connsiteX86" fmla="*/ 4503903 w 4693698"/>
+              <a:gd name="connsiteY86" fmla="*/ 4116387 h 6858000"/>
+              <a:gd name="connsiteX87" fmla="*/ 4505583 w 4693698"/>
+              <a:gd name="connsiteY87" fmla="*/ 4186237 h 6858000"/>
+              <a:gd name="connsiteX88" fmla="*/ 4515661 w 4693698"/>
+              <a:gd name="connsiteY88" fmla="*/ 4244975 h 6858000"/>
+              <a:gd name="connsiteX89" fmla="*/ 4525739 w 4693698"/>
+              <a:gd name="connsiteY89" fmla="*/ 4297362 h 6858000"/>
+              <a:gd name="connsiteX90" fmla="*/ 4540854 w 4693698"/>
+              <a:gd name="connsiteY90" fmla="*/ 4343400 h 6858000"/>
+              <a:gd name="connsiteX91" fmla="*/ 4559330 w 4693698"/>
+              <a:gd name="connsiteY91" fmla="*/ 4386262 h 6858000"/>
+              <a:gd name="connsiteX92" fmla="*/ 4577806 w 4693698"/>
+              <a:gd name="connsiteY92" fmla="*/ 4424362 h 6858000"/>
+              <a:gd name="connsiteX93" fmla="*/ 4618116 w 4693698"/>
+              <a:gd name="connsiteY93" fmla="*/ 4498975 h 6858000"/>
+              <a:gd name="connsiteX94" fmla="*/ 4638271 w 4693698"/>
+              <a:gd name="connsiteY94" fmla="*/ 4537075 h 6858000"/>
+              <a:gd name="connsiteX95" fmla="*/ 4655067 w 4693698"/>
+              <a:gd name="connsiteY95" fmla="*/ 4579937 h 6858000"/>
+              <a:gd name="connsiteX96" fmla="*/ 4670184 w 4693698"/>
+              <a:gd name="connsiteY96" fmla="*/ 4625975 h 6858000"/>
+              <a:gd name="connsiteX97" fmla="*/ 4681941 w 4693698"/>
+              <a:gd name="connsiteY97" fmla="*/ 4678362 h 6858000"/>
+              <a:gd name="connsiteX98" fmla="*/ 4690339 w 4693698"/>
+              <a:gd name="connsiteY98" fmla="*/ 4738687 h 6858000"/>
+              <a:gd name="connsiteX99" fmla="*/ 4693698 w 4693698"/>
+              <a:gd name="connsiteY99" fmla="*/ 4806950 h 6858000"/>
+              <a:gd name="connsiteX100" fmla="*/ 4690339 w 4693698"/>
+              <a:gd name="connsiteY100" fmla="*/ 4875212 h 6858000"/>
+              <a:gd name="connsiteX101" fmla="*/ 4681941 w 4693698"/>
+              <a:gd name="connsiteY101" fmla="*/ 4935537 h 6858000"/>
+              <a:gd name="connsiteX102" fmla="*/ 4670184 w 4693698"/>
+              <a:gd name="connsiteY102" fmla="*/ 4987925 h 6858000"/>
+              <a:gd name="connsiteX103" fmla="*/ 4655067 w 4693698"/>
+              <a:gd name="connsiteY103" fmla="*/ 5033962 h 6858000"/>
+              <a:gd name="connsiteX104" fmla="*/ 4638271 w 4693698"/>
+              <a:gd name="connsiteY104" fmla="*/ 5075237 h 6858000"/>
+              <a:gd name="connsiteX105" fmla="*/ 4618116 w 4693698"/>
+              <a:gd name="connsiteY105" fmla="*/ 5114925 h 6858000"/>
+              <a:gd name="connsiteX106" fmla="*/ 4597961 w 4693698"/>
+              <a:gd name="connsiteY106" fmla="*/ 5149850 h 6858000"/>
+              <a:gd name="connsiteX107" fmla="*/ 4577806 w 4693698"/>
+              <a:gd name="connsiteY107" fmla="*/ 5186362 h 6858000"/>
+              <a:gd name="connsiteX108" fmla="*/ 4559330 w 4693698"/>
+              <a:gd name="connsiteY108" fmla="*/ 5226050 h 6858000"/>
+              <a:gd name="connsiteX109" fmla="*/ 4540854 w 4693698"/>
+              <a:gd name="connsiteY109" fmla="*/ 5268912 h 6858000"/>
+              <a:gd name="connsiteX110" fmla="*/ 4525739 w 4693698"/>
+              <a:gd name="connsiteY110" fmla="*/ 5313362 h 6858000"/>
+              <a:gd name="connsiteX111" fmla="*/ 4515661 w 4693698"/>
+              <a:gd name="connsiteY111" fmla="*/ 5365750 h 6858000"/>
+              <a:gd name="connsiteX112" fmla="*/ 4505583 w 4693698"/>
+              <a:gd name="connsiteY112" fmla="*/ 5426075 h 6858000"/>
+              <a:gd name="connsiteX113" fmla="*/ 4503903 w 4693698"/>
+              <a:gd name="connsiteY113" fmla="*/ 5494337 h 6858000"/>
+              <a:gd name="connsiteX114" fmla="*/ 4505583 w 4693698"/>
+              <a:gd name="connsiteY114" fmla="*/ 5562600 h 6858000"/>
+              <a:gd name="connsiteX115" fmla="*/ 4515661 w 4693698"/>
+              <a:gd name="connsiteY115" fmla="*/ 5622925 h 6858000"/>
+              <a:gd name="connsiteX116" fmla="*/ 4525739 w 4693698"/>
+              <a:gd name="connsiteY116" fmla="*/ 5675312 h 6858000"/>
+              <a:gd name="connsiteX117" fmla="*/ 4540854 w 4693698"/>
+              <a:gd name="connsiteY117" fmla="*/ 5721350 h 6858000"/>
+              <a:gd name="connsiteX118" fmla="*/ 4559330 w 4693698"/>
+              <a:gd name="connsiteY118" fmla="*/ 5762625 h 6858000"/>
+              <a:gd name="connsiteX119" fmla="*/ 4577806 w 4693698"/>
+              <a:gd name="connsiteY119" fmla="*/ 5802312 h 6858000"/>
+              <a:gd name="connsiteX120" fmla="*/ 4597961 w 4693698"/>
+              <a:gd name="connsiteY120" fmla="*/ 5840412 h 6858000"/>
+              <a:gd name="connsiteX121" fmla="*/ 4618116 w 4693698"/>
+              <a:gd name="connsiteY121" fmla="*/ 5876925 h 6858000"/>
+              <a:gd name="connsiteX122" fmla="*/ 4638271 w 4693698"/>
+              <a:gd name="connsiteY122" fmla="*/ 5915025 h 6858000"/>
+              <a:gd name="connsiteX123" fmla="*/ 4655067 w 4693698"/>
+              <a:gd name="connsiteY123" fmla="*/ 5956300 h 6858000"/>
+              <a:gd name="connsiteX124" fmla="*/ 4670184 w 4693698"/>
+              <a:gd name="connsiteY124" fmla="*/ 6003925 h 6858000"/>
+              <a:gd name="connsiteX125" fmla="*/ 4681941 w 4693698"/>
+              <a:gd name="connsiteY125" fmla="*/ 6056312 h 6858000"/>
+              <a:gd name="connsiteX126" fmla="*/ 4690339 w 4693698"/>
+              <a:gd name="connsiteY126" fmla="*/ 6113462 h 6858000"/>
+              <a:gd name="connsiteX127" fmla="*/ 4693698 w 4693698"/>
+              <a:gd name="connsiteY127" fmla="*/ 6183312 h 6858000"/>
+              <a:gd name="connsiteX128" fmla="*/ 4690339 w 4693698"/>
+              <a:gd name="connsiteY128" fmla="*/ 6251575 h 6858000"/>
+              <a:gd name="connsiteX129" fmla="*/ 4681941 w 4693698"/>
+              <a:gd name="connsiteY129" fmla="*/ 6311900 h 6858000"/>
+              <a:gd name="connsiteX130" fmla="*/ 4670184 w 4693698"/>
+              <a:gd name="connsiteY130" fmla="*/ 6361112 h 6858000"/>
+              <a:gd name="connsiteX131" fmla="*/ 4655067 w 4693698"/>
+              <a:gd name="connsiteY131" fmla="*/ 6407150 h 6858000"/>
+              <a:gd name="connsiteX132" fmla="*/ 4638271 w 4693698"/>
+              <a:gd name="connsiteY132" fmla="*/ 6448425 h 6858000"/>
+              <a:gd name="connsiteX133" fmla="*/ 4619796 w 4693698"/>
+              <a:gd name="connsiteY133" fmla="*/ 6488112 h 6858000"/>
+              <a:gd name="connsiteX134" fmla="*/ 4601320 w 4693698"/>
+              <a:gd name="connsiteY134" fmla="*/ 6523037 h 6858000"/>
+              <a:gd name="connsiteX135" fmla="*/ 4581165 w 4693698"/>
+              <a:gd name="connsiteY135" fmla="*/ 6561137 h 6858000"/>
+              <a:gd name="connsiteX136" fmla="*/ 4561010 w 4693698"/>
+              <a:gd name="connsiteY136" fmla="*/ 6597650 h 6858000"/>
+              <a:gd name="connsiteX137" fmla="*/ 4544214 w 4693698"/>
+              <a:gd name="connsiteY137" fmla="*/ 6640512 h 6858000"/>
+              <a:gd name="connsiteX138" fmla="*/ 4527418 w 4693698"/>
+              <a:gd name="connsiteY138" fmla="*/ 6683375 h 6858000"/>
+              <a:gd name="connsiteX139" fmla="*/ 4517340 w 4693698"/>
+              <a:gd name="connsiteY139" fmla="*/ 6735762 h 6858000"/>
+              <a:gd name="connsiteX140" fmla="*/ 4508943 w 4693698"/>
+              <a:gd name="connsiteY140" fmla="*/ 6791325 h 6858000"/>
+              <a:gd name="connsiteX141" fmla="*/ 4503903 w 4693698"/>
+              <a:gd name="connsiteY141" fmla="*/ 6858000 h 6858000"/>
+              <a:gd name="connsiteX142" fmla="*/ 1582057 w 4693698"/>
+              <a:gd name="connsiteY142" fmla="*/ 6858000 h 6858000"/>
+              <a:gd name="connsiteX143" fmla="*/ 420914 w 4693698"/>
+              <a:gd name="connsiteY143" fmla="*/ 6858000 h 6858000"/>
+              <a:gd name="connsiteX144" fmla="*/ 0 w 4693698"/>
+              <a:gd name="connsiteY144" fmla="*/ 6858000 h 6858000"/>
+            </a:gdLst>
+            <a:ahLst/>
+            <a:cxnLst>
+              <a:cxn ang="0">
+                <a:pos x="connsiteX0" y="connsiteY0"/>
+              </a:cxn>
+              <a:cxn ang="0">
+                <a:pos x="connsiteX1" y="connsiteY1"/>
+              </a:cxn>
+              <a:cxn ang="0">
+                <a:pos x="connsiteX2" y="connsiteY2"/>
+              </a:cxn>
+              <a:cxn ang="0">
+                <a:pos x="connsiteX3" y="connsiteY3"/>
+              </a:cxn>
+              <a:cxn ang="0">
+                <a:pos x="connsiteX4" y="connsiteY4"/>
+              </a:cxn>
+              <a:cxn ang="0">
+                <a:pos x="connsiteX5" y="connsiteY5"/>
+              </a:cxn>
+              <a:cxn ang="0">
+                <a:pos x="connsiteX6" y="connsiteY6"/>
+              </a:cxn>
+              <a:cxn ang="0">
+                <a:pos x="connsiteX7" y="connsiteY7"/>
+              </a:cxn>
+              <a:cxn ang="0">
+                <a:pos x="connsiteX8" y="connsiteY8"/>
+              </a:cxn>
+              <a:cxn ang="0">
+                <a:pos x="connsiteX9" y="connsiteY9"/>
+              </a:cxn>
+              <a:cxn ang="0">
+                <a:pos x="connsiteX10" y="connsiteY10"/>
+              </a:cxn>
+              <a:cxn ang="0">
+                <a:pos x="connsiteX11" y="connsiteY11"/>
+              </a:cxn>
+              <a:cxn ang="0">
+                <a:pos x="connsiteX12" y="connsiteY12"/>
+              </a:cxn>
+              <a:cxn ang="0">
+                <a:pos x="connsiteX13" y="connsiteY13"/>
+              </a:cxn>
+              <a:cxn ang="0">
+                <a:pos x="connsiteX14" y="connsiteY14"/>
+              </a:cxn>
+              <a:cxn ang="0">
+                <a:pos x="connsiteX15" y="connsiteY15"/>
+              </a:cxn>
+              <a:cxn ang="0">
+                <a:pos x="connsiteX16" y="connsiteY16"/>
+              </a:cxn>
+              <a:cxn ang="0">
+                <a:pos x="connsiteX17" y="connsiteY17"/>
+              </a:cxn>
+              <a:cxn ang="0">
+                <a:pos x="connsiteX18" y="connsiteY18"/>
+              </a:cxn>
+              <a:cxn ang="0">
+                <a:pos x="connsiteX19" y="connsiteY19"/>
+              </a:cxn>
+              <a:cxn ang="0">
+                <a:pos x="connsiteX20" y="connsiteY20"/>
+              </a:cxn>
+              <a:cxn ang="0">
+                <a:pos x="connsiteX21" y="connsiteY21"/>
+              </a:cxn>
+              <a:cxn ang="0">
+                <a:pos x="connsiteX22" y="connsiteY22"/>
+              </a:cxn>
+              <a:cxn ang="0">
+                <a:pos x="connsiteX23" y="connsiteY23"/>
+              </a:cxn>
+              <a:cxn ang="0">
+                <a:pos x="connsiteX24" y="connsiteY24"/>
+              </a:cxn>
+              <a:cxn ang="0">
+                <a:pos x="connsiteX25" y="connsiteY25"/>
+              </a:cxn>
+              <a:cxn ang="0">
+                <a:pos x="connsiteX26" y="connsiteY26"/>
+              </a:cxn>
+              <a:cxn ang="0">
+                <a:pos x="connsiteX27" y="connsiteY27"/>
+              </a:cxn>
+              <a:cxn ang="0">
+                <a:pos x="connsiteX28" y="connsiteY28"/>
+              </a:cxn>
+              <a:cxn ang="0">
+                <a:pos x="connsiteX29" y="connsiteY29"/>
+              </a:cxn>
+              <a:cxn ang="0">
+                <a:pos x="connsiteX30" y="connsiteY30"/>
+              </a:cxn>
+              <a:cxn ang="0">
+                <a:pos x="connsiteX31" y="connsiteY31"/>
+              </a:cxn>
+              <a:cxn ang="0">
+                <a:pos x="connsiteX32" y="connsiteY32"/>
+              </a:cxn>
+              <a:cxn ang="0">
+                <a:pos x="connsiteX33" y="connsiteY33"/>
+              </a:cxn>
+              <a:cxn ang="0">
+                <a:pos x="connsiteX34" y="connsiteY34"/>
+              </a:cxn>
+              <a:cxn ang="0">
+                <a:pos x="connsiteX35" y="connsiteY35"/>
+              </a:cxn>
+              <a:cxn ang="0">
+                <a:pos x="connsiteX36" y="connsiteY36"/>
+              </a:cxn>
+              <a:cxn ang="0">
+                <a:pos x="connsiteX37" y="connsiteY37"/>
+              </a:cxn>
+              <a:cxn ang="0">
+                <a:pos x="connsiteX38" y="connsiteY38"/>
+              </a:cxn>
+              <a:cxn ang="0">
+                <a:pos x="connsiteX39" y="connsiteY39"/>
+              </a:cxn>
+              <a:cxn ang="0">
+                <a:pos x="connsiteX40" y="connsiteY40"/>
+              </a:cxn>
+              <a:cxn ang="0">
+                <a:pos x="connsiteX41" y="connsiteY41"/>
+              </a:cxn>
+              <a:cxn ang="0">
+                <a:pos x="connsiteX42" y="connsiteY42"/>
+              </a:cxn>
+              <a:cxn ang="0">
+                <a:pos x="connsiteX43" y="connsiteY43"/>
+              </a:cxn>
+              <a:cxn ang="0">
+                <a:pos x="connsiteX44" y="connsiteY44"/>
+              </a:cxn>
+              <a:cxn ang="0">
+                <a:pos x="connsiteX45" y="connsiteY45"/>
+              </a:cxn>
+              <a:cxn ang="0">
+                <a:pos x="connsiteX46" y="connsiteY46"/>
+              </a:cxn>
+              <a:cxn ang="0">
+                <a:pos x="connsiteX47" y="connsiteY47"/>
+              </a:cxn>
+              <a:cxn ang="0">
+                <a:pos x="connsiteX48" y="connsiteY48"/>
+              </a:cxn>
+              <a:cxn ang="0">
+                <a:pos x="connsiteX49" y="connsiteY49"/>
+              </a:cxn>
+              <a:cxn ang="0">
+                <a:pos x="connsiteX50" y="connsiteY50"/>
+              </a:cxn>
+              <a:cxn ang="0">
+                <a:pos x="connsiteX51" y="connsiteY51"/>
+              </a:cxn>
+              <a:cxn ang="0">
+                <a:pos x="connsiteX52" y="connsiteY52"/>
+              </a:cxn>
+              <a:cxn ang="0">
+                <a:pos x="connsiteX53" y="connsiteY53"/>
+              </a:cxn>
+              <a:cxn ang="0">
+                <a:pos x="connsiteX54" y="connsiteY54"/>
+              </a:cxn>
+              <a:cxn ang="0">
+                <a:pos x="connsiteX55" y="connsiteY55"/>
+              </a:cxn>
+              <a:cxn ang="0">
+                <a:pos x="connsiteX56" y="connsiteY56"/>
+              </a:cxn>
+              <a:cxn ang="0">
+                <a:pos x="connsiteX57" y="connsiteY57"/>
+              </a:cxn>
+              <a:cxn ang="0">
+                <a:pos x="connsiteX58" y="connsiteY58"/>
+              </a:cxn>
+              <a:cxn ang="0">
+                <a:pos x="connsiteX59" y="connsiteY59"/>
+              </a:cxn>
+              <a:cxn ang="0">
+                <a:pos x="connsiteX60" y="connsiteY60"/>
+              </a:cxn>
+              <a:cxn ang="0">
+                <a:pos x="connsiteX61" y="connsiteY61"/>
+              </a:cxn>
+              <a:cxn ang="0">
+                <a:pos x="connsiteX62" y="connsiteY62"/>
+              </a:cxn>
+              <a:cxn ang="0">
+                <a:pos x="connsiteX63" y="connsiteY63"/>
+              </a:cxn>
+              <a:cxn ang="0">
+                <a:pos x="connsiteX64" y="connsiteY64"/>
+              </a:cxn>
+              <a:cxn ang="0">
+                <a:pos x="connsiteX65" y="connsiteY65"/>
+              </a:cxn>
+              <a:cxn ang="0">
+                <a:pos x="connsiteX66" y="connsiteY66"/>
+              </a:cxn>
+              <a:cxn ang="0">
+                <a:pos x="connsiteX67" y="connsiteY67"/>
+              </a:cxn>
+              <a:cxn ang="0">
+                <a:pos x="connsiteX68" y="connsiteY68"/>
+              </a:cxn>
+              <a:cxn ang="0">
+                <a:pos x="connsiteX69" y="connsiteY69"/>
+              </a:cxn>
+              <a:cxn ang="0">
+                <a:pos x="connsiteX70" y="connsiteY70"/>
+              </a:cxn>
+              <a:cxn ang="0">
+                <a:pos x="connsiteX71" y="connsiteY71"/>
+              </a:cxn>
+              <a:cxn ang="0">
+                <a:pos x="connsiteX72" y="connsiteY72"/>
+              </a:cxn>
+              <a:cxn ang="0">
+                <a:pos x="connsiteX73" y="connsiteY73"/>
+              </a:cxn>
+              <a:cxn ang="0">
+                <a:pos x="connsiteX74" y="connsiteY74"/>
+              </a:cxn>
+              <a:cxn ang="0">
+                <a:pos x="connsiteX75" y="connsiteY75"/>
+              </a:cxn>
+              <a:cxn ang="0">
+                <a:pos x="connsiteX76" y="connsiteY76"/>
+              </a:cxn>
+              <a:cxn ang="0">
+                <a:pos x="connsiteX77" y="connsiteY77"/>
+              </a:cxn>
+              <a:cxn ang="0">
+                <a:pos x="connsiteX78" y="connsiteY78"/>
+              </a:cxn>
+              <a:cxn ang="0">
+                <a:pos x="connsiteX79" y="connsiteY79"/>
+              </a:cxn>
+              <a:cxn ang="0">
+                <a:pos x="connsiteX80" y="connsiteY80"/>
+              </a:cxn>
+              <a:cxn ang="0">
+                <a:pos x="connsiteX81" y="connsiteY81"/>
+              </a:cxn>
+              <a:cxn ang="0">
+                <a:pos x="connsiteX82" y="connsiteY82"/>
+              </a:cxn>
+              <a:cxn ang="0">
+                <a:pos x="connsiteX83" y="connsiteY83"/>
+              </a:cxn>
+              <a:cxn ang="0">
+                <a:pos x="connsiteX84" y="connsiteY84"/>
+              </a:cxn>
+              <a:cxn ang="0">
+                <a:pos x="connsiteX85" y="connsiteY85"/>
+              </a:cxn>
+              <a:cxn ang="0">
+                <a:pos x="connsiteX86" y="connsiteY86"/>
+              </a:cxn>
+              <a:cxn ang="0">
+                <a:pos x="connsiteX87" y="connsiteY87"/>
+              </a:cxn>
+              <a:cxn ang="0">
+                <a:pos x="connsiteX88" y="connsiteY88"/>
+              </a:cxn>
+              <a:cxn ang="0">
+                <a:pos x="connsiteX89" y="connsiteY89"/>
+              </a:cxn>
+              <a:cxn ang="0">
+                <a:pos x="connsiteX90" y="connsiteY90"/>
+              </a:cxn>
+              <a:cxn ang="0">
+                <a:pos x="connsiteX91" y="connsiteY91"/>
+              </a:cxn>
+              <a:cxn ang="0">
+                <a:pos x="connsiteX92" y="connsiteY92"/>
+              </a:cxn>
+              <a:cxn ang="0">
+                <a:pos x="connsiteX93" y="connsiteY93"/>
+              </a:cxn>
+              <a:cxn ang="0">
+                <a:pos x="connsiteX94" y="connsiteY94"/>
+              </a:cxn>
+              <a:cxn ang="0">
+                <a:pos x="connsiteX95" y="connsiteY95"/>
+              </a:cxn>
+              <a:cxn ang="0">
+                <a:pos x="connsiteX96" y="connsiteY96"/>
+              </a:cxn>
+              <a:cxn ang="0">
+                <a:pos x="connsiteX97" y="connsiteY97"/>
+              </a:cxn>
+              <a:cxn ang="0">
+                <a:pos x="connsiteX98" y="connsiteY98"/>
+              </a:cxn>
+              <a:cxn ang="0">
+                <a:pos x="connsiteX99" y="connsiteY99"/>
+              </a:cxn>
+              <a:cxn ang="0">
+                <a:pos x="connsiteX100" y="connsiteY100"/>
+              </a:cxn>
+              <a:cxn ang="0">
+                <a:pos x="connsiteX101" y="connsiteY101"/>
+              </a:cxn>
+              <a:cxn ang="0">
+                <a:pos x="connsiteX102" y="connsiteY102"/>
+              </a:cxn>
+              <a:cxn ang="0">
+                <a:pos x="connsiteX103" y="connsiteY103"/>
+              </a:cxn>
+              <a:cxn ang="0">
+                <a:pos x="connsiteX104" y="connsiteY104"/>
+              </a:cxn>
+              <a:cxn ang="0">
+                <a:pos x="connsiteX105" y="connsiteY105"/>
+              </a:cxn>
+              <a:cxn ang="0">
+                <a:pos x="connsiteX106" y="connsiteY106"/>
+              </a:cxn>
+              <a:cxn ang="0">
+                <a:pos x="connsiteX107" y="connsiteY107"/>
+              </a:cxn>
+              <a:cxn ang="0">
+                <a:pos x="connsiteX108" y="connsiteY108"/>
+              </a:cxn>
+              <a:cxn ang="0">
+                <a:pos x="connsiteX109" y="connsiteY109"/>
+              </a:cxn>
+              <a:cxn ang="0">
+                <a:pos x="connsiteX110" y="connsiteY110"/>
+              </a:cxn>
+              <a:cxn ang="0">
+                <a:pos x="connsiteX111" y="connsiteY111"/>
+              </a:cxn>
+              <a:cxn ang="0">
+                <a:pos x="connsiteX112" y="connsiteY112"/>
+              </a:cxn>
+              <a:cxn ang="0">
+                <a:pos x="connsiteX113" y="connsiteY113"/>
+              </a:cxn>
+              <a:cxn ang="0">
+                <a:pos x="connsiteX114" y="connsiteY114"/>
+              </a:cxn>
+              <a:cxn ang="0">
+                <a:pos x="connsiteX115" y="connsiteY115"/>
+              </a:cxn>
+              <a:cxn ang="0">
+                <a:pos x="connsiteX116" y="connsiteY116"/>
+              </a:cxn>
+              <a:cxn ang="0">
+                <a:pos x="connsiteX117" y="connsiteY117"/>
+              </a:cxn>
+              <a:cxn ang="0">
+                <a:pos x="connsiteX118" y="connsiteY118"/>
+              </a:cxn>
+              <a:cxn ang="0">
+                <a:pos x="connsiteX119" y="connsiteY119"/>
+              </a:cxn>
+              <a:cxn ang="0">
+                <a:pos x="connsiteX120" y="connsiteY120"/>
+              </a:cxn>
+              <a:cxn ang="0">
+                <a:pos x="connsiteX121" y="connsiteY121"/>
+              </a:cxn>
+              <a:cxn ang="0">
+                <a:pos x="connsiteX122" y="connsiteY122"/>
+              </a:cxn>
+              <a:cxn ang="0">
+                <a:pos x="connsiteX123" y="connsiteY123"/>
+              </a:cxn>
+              <a:cxn ang="0">
+                <a:pos x="connsiteX124" y="connsiteY124"/>
+              </a:cxn>
+              <a:cxn ang="0">
+                <a:pos x="connsiteX125" y="connsiteY125"/>
+              </a:cxn>
+              <a:cxn ang="0">
+                <a:pos x="connsiteX126" y="connsiteY126"/>
+              </a:cxn>
+              <a:cxn ang="0">
+                <a:pos x="connsiteX127" y="connsiteY127"/>
+              </a:cxn>
+              <a:cxn ang="0">
+                <a:pos x="connsiteX128" y="connsiteY128"/>
+              </a:cxn>
+              <a:cxn ang="0">
+                <a:pos x="connsiteX129" y="connsiteY129"/>
+              </a:cxn>
+              <a:cxn ang="0">
+                <a:pos x="connsiteX130" y="connsiteY130"/>
+              </a:cxn>
+              <a:cxn ang="0">
+                <a:pos x="connsiteX131" y="connsiteY131"/>
+              </a:cxn>
+              <a:cxn ang="0">
+                <a:pos x="connsiteX132" y="connsiteY132"/>
+              </a:cxn>
+              <a:cxn ang="0">
+                <a:pos x="connsiteX133" y="connsiteY133"/>
+              </a:cxn>
+              <a:cxn ang="0">
+                <a:pos x="connsiteX134" y="connsiteY134"/>
+              </a:cxn>
+              <a:cxn ang="0">
+                <a:pos x="connsiteX135" y="connsiteY135"/>
+              </a:cxn>
+              <a:cxn ang="0">
+                <a:pos x="connsiteX136" y="connsiteY136"/>
+              </a:cxn>
+              <a:cxn ang="0">
+                <a:pos x="connsiteX137" y="connsiteY137"/>
+              </a:cxn>
+              <a:cxn ang="0">
+                <a:pos x="connsiteX138" y="connsiteY138"/>
+              </a:cxn>
+              <a:cxn ang="0">
+                <a:pos x="connsiteX139" y="connsiteY139"/>
+              </a:cxn>
+              <a:cxn ang="0">
+                <a:pos x="connsiteX140" y="connsiteY140"/>
+              </a:cxn>
+              <a:cxn ang="0">
+                <a:pos x="connsiteX141" y="connsiteY141"/>
+              </a:cxn>
+              <a:cxn ang="0">
+                <a:pos x="connsiteX142" y="connsiteY142"/>
+              </a:cxn>
+              <a:cxn ang="0">
+                <a:pos x="connsiteX143" y="connsiteY143"/>
+              </a:cxn>
+              <a:cxn ang="0">
+                <a:pos x="connsiteX144" y="connsiteY144"/>
+              </a:cxn>
+            </a:cxnLst>
+            <a:rect l="l" t="t" r="r" b="b"/>
+            <a:pathLst>
+              <a:path w="4693698" h="6858000">
+                <a:moveTo>
+                  <a:pt x="0" y="0"/>
+                </a:moveTo>
+                <a:lnTo>
+                  <a:pt x="420914" y="0"/>
+                </a:lnTo>
+                <a:lnTo>
+                  <a:pt x="1582057" y="0"/>
+                </a:lnTo>
+                <a:lnTo>
+                  <a:pt x="4503903" y="0"/>
+                </a:lnTo>
+                <a:lnTo>
+                  <a:pt x="4508943" y="66675"/>
+                </a:lnTo>
+                <a:lnTo>
+                  <a:pt x="4517340" y="122237"/>
+                </a:lnTo>
+                <a:lnTo>
+                  <a:pt x="4527418" y="174625"/>
+                </a:lnTo>
+                <a:lnTo>
+                  <a:pt x="4544214" y="217487"/>
+                </a:lnTo>
+                <a:lnTo>
+                  <a:pt x="4561010" y="260350"/>
+                </a:lnTo>
+                <a:lnTo>
+                  <a:pt x="4581165" y="296862"/>
+                </a:lnTo>
+                <a:lnTo>
+                  <a:pt x="4601320" y="334962"/>
+                </a:lnTo>
+                <a:lnTo>
+                  <a:pt x="4619796" y="369887"/>
+                </a:lnTo>
+                <a:lnTo>
+                  <a:pt x="4638271" y="409575"/>
+                </a:lnTo>
+                <a:lnTo>
+                  <a:pt x="4655067" y="450850"/>
+                </a:lnTo>
+                <a:lnTo>
+                  <a:pt x="4670184" y="496887"/>
+                </a:lnTo>
+                <a:lnTo>
+                  <a:pt x="4681941" y="546100"/>
+                </a:lnTo>
+                <a:lnTo>
+                  <a:pt x="4690339" y="606425"/>
+                </a:lnTo>
+                <a:lnTo>
+                  <a:pt x="4693698" y="673100"/>
+                </a:lnTo>
+                <a:lnTo>
+                  <a:pt x="4690339" y="744537"/>
+                </a:lnTo>
+                <a:lnTo>
+                  <a:pt x="4681941" y="801687"/>
+                </a:lnTo>
+                <a:lnTo>
+                  <a:pt x="4670184" y="854075"/>
+                </a:lnTo>
+                <a:lnTo>
+                  <a:pt x="4655067" y="901700"/>
+                </a:lnTo>
+                <a:lnTo>
+                  <a:pt x="4638271" y="942975"/>
+                </a:lnTo>
+                <a:lnTo>
+                  <a:pt x="4618116" y="981075"/>
+                </a:lnTo>
+                <a:lnTo>
+                  <a:pt x="4597961" y="1017587"/>
+                </a:lnTo>
+                <a:lnTo>
+                  <a:pt x="4577806" y="1055687"/>
+                </a:lnTo>
+                <a:lnTo>
+                  <a:pt x="4559330" y="1095375"/>
+                </a:lnTo>
+                <a:lnTo>
+                  <a:pt x="4540854" y="1136650"/>
+                </a:lnTo>
+                <a:lnTo>
+                  <a:pt x="4525739" y="1182687"/>
+                </a:lnTo>
+                <a:lnTo>
+                  <a:pt x="4515661" y="1235075"/>
+                </a:lnTo>
+                <a:lnTo>
+                  <a:pt x="4505583" y="1295400"/>
+                </a:lnTo>
+                <a:lnTo>
+                  <a:pt x="4503903" y="1363662"/>
+                </a:lnTo>
+                <a:lnTo>
+                  <a:pt x="4505583" y="1431925"/>
+                </a:lnTo>
+                <a:lnTo>
+                  <a:pt x="4515661" y="1492250"/>
+                </a:lnTo>
+                <a:lnTo>
+                  <a:pt x="4525739" y="1544637"/>
+                </a:lnTo>
+                <a:lnTo>
+                  <a:pt x="4540854" y="1589087"/>
+                </a:lnTo>
+                <a:lnTo>
+                  <a:pt x="4559330" y="1631950"/>
+                </a:lnTo>
+                <a:lnTo>
+                  <a:pt x="4577806" y="1671637"/>
+                </a:lnTo>
+                <a:lnTo>
+                  <a:pt x="4597961" y="1708150"/>
+                </a:lnTo>
+                <a:lnTo>
+                  <a:pt x="4618116" y="1743075"/>
+                </a:lnTo>
+                <a:lnTo>
+                  <a:pt x="4638271" y="1782762"/>
+                </a:lnTo>
+                <a:lnTo>
+                  <a:pt x="4655067" y="1824037"/>
+                </a:lnTo>
+                <a:lnTo>
+                  <a:pt x="4670184" y="1870075"/>
+                </a:lnTo>
+                <a:lnTo>
+                  <a:pt x="4681941" y="1922462"/>
+                </a:lnTo>
+                <a:lnTo>
+                  <a:pt x="4690339" y="1982787"/>
+                </a:lnTo>
+                <a:lnTo>
+                  <a:pt x="4693698" y="2051050"/>
+                </a:lnTo>
+                <a:lnTo>
+                  <a:pt x="4690339" y="2119312"/>
+                </a:lnTo>
+                <a:lnTo>
+                  <a:pt x="4681941" y="2179637"/>
+                </a:lnTo>
+                <a:lnTo>
+                  <a:pt x="4670184" y="2232025"/>
+                </a:lnTo>
+                <a:lnTo>
+                  <a:pt x="4655067" y="2278062"/>
+                </a:lnTo>
+                <a:lnTo>
+                  <a:pt x="4638271" y="2319337"/>
+                </a:lnTo>
+                <a:lnTo>
+                  <a:pt x="4618116" y="2359025"/>
+                </a:lnTo>
+                <a:lnTo>
+                  <a:pt x="4597961" y="2395537"/>
+                </a:lnTo>
+                <a:lnTo>
+                  <a:pt x="4577806" y="2433637"/>
+                </a:lnTo>
+                <a:lnTo>
+                  <a:pt x="4559330" y="2471737"/>
+                </a:lnTo>
+                <a:lnTo>
+                  <a:pt x="4540854" y="2513012"/>
+                </a:lnTo>
+                <a:lnTo>
+                  <a:pt x="4525739" y="2560637"/>
+                </a:lnTo>
+                <a:lnTo>
+                  <a:pt x="4515661" y="2613025"/>
+                </a:lnTo>
+                <a:lnTo>
+                  <a:pt x="4505583" y="2671762"/>
+                </a:lnTo>
+                <a:lnTo>
+                  <a:pt x="4503903" y="2741612"/>
+                </a:lnTo>
+                <a:lnTo>
+                  <a:pt x="4505583" y="2809875"/>
+                </a:lnTo>
+                <a:lnTo>
+                  <a:pt x="4515661" y="2868612"/>
+                </a:lnTo>
+                <a:lnTo>
+                  <a:pt x="4525739" y="2922587"/>
+                </a:lnTo>
+                <a:lnTo>
+                  <a:pt x="4540854" y="2967037"/>
+                </a:lnTo>
+                <a:lnTo>
+                  <a:pt x="4559330" y="3009900"/>
+                </a:lnTo>
+                <a:lnTo>
+                  <a:pt x="4577806" y="3046412"/>
+                </a:lnTo>
+                <a:lnTo>
+                  <a:pt x="4597961" y="3084512"/>
+                </a:lnTo>
+                <a:lnTo>
+                  <a:pt x="4618116" y="3121025"/>
+                </a:lnTo>
+                <a:lnTo>
+                  <a:pt x="4638271" y="3160712"/>
+                </a:lnTo>
+                <a:lnTo>
+                  <a:pt x="4655067" y="3201987"/>
+                </a:lnTo>
+                <a:lnTo>
+                  <a:pt x="4670184" y="3248025"/>
+                </a:lnTo>
+                <a:lnTo>
+                  <a:pt x="4681941" y="3300412"/>
+                </a:lnTo>
+                <a:lnTo>
+                  <a:pt x="4690339" y="3360737"/>
+                </a:lnTo>
+                <a:lnTo>
+                  <a:pt x="4693698" y="3427412"/>
+                </a:lnTo>
+                <a:lnTo>
+                  <a:pt x="4690339" y="3497262"/>
+                </a:lnTo>
+                <a:lnTo>
+                  <a:pt x="4681941" y="3557587"/>
+                </a:lnTo>
+                <a:lnTo>
+                  <a:pt x="4670184" y="3609975"/>
+                </a:lnTo>
+                <a:lnTo>
+                  <a:pt x="4655067" y="3656012"/>
+                </a:lnTo>
+                <a:lnTo>
+                  <a:pt x="4638271" y="3697287"/>
+                </a:lnTo>
+                <a:lnTo>
+                  <a:pt x="4618116" y="3736975"/>
+                </a:lnTo>
+                <a:lnTo>
+                  <a:pt x="4577806" y="3811587"/>
+                </a:lnTo>
+                <a:lnTo>
+                  <a:pt x="4559330" y="3848100"/>
+                </a:lnTo>
+                <a:lnTo>
+                  <a:pt x="4540854" y="3890962"/>
+                </a:lnTo>
+                <a:lnTo>
+                  <a:pt x="4525739" y="3935412"/>
+                </a:lnTo>
+                <a:lnTo>
+                  <a:pt x="4515661" y="3987800"/>
+                </a:lnTo>
+                <a:lnTo>
+                  <a:pt x="4505583" y="4048125"/>
+                </a:lnTo>
+                <a:lnTo>
+                  <a:pt x="4503903" y="4116387"/>
+                </a:lnTo>
+                <a:lnTo>
+                  <a:pt x="4505583" y="4186237"/>
+                </a:lnTo>
+                <a:lnTo>
+                  <a:pt x="4515661" y="4244975"/>
+                </a:lnTo>
+                <a:lnTo>
+                  <a:pt x="4525739" y="4297362"/>
+                </a:lnTo>
+                <a:lnTo>
+                  <a:pt x="4540854" y="4343400"/>
+                </a:lnTo>
+                <a:lnTo>
+                  <a:pt x="4559330" y="4386262"/>
+                </a:lnTo>
+                <a:lnTo>
+                  <a:pt x="4577806" y="4424362"/>
+                </a:lnTo>
+                <a:lnTo>
+                  <a:pt x="4618116" y="4498975"/>
+                </a:lnTo>
+                <a:lnTo>
+                  <a:pt x="4638271" y="4537075"/>
+                </a:lnTo>
+                <a:lnTo>
+                  <a:pt x="4655067" y="4579937"/>
+                </a:lnTo>
+                <a:lnTo>
+                  <a:pt x="4670184" y="4625975"/>
+                </a:lnTo>
+                <a:lnTo>
+                  <a:pt x="4681941" y="4678362"/>
+                </a:lnTo>
+                <a:lnTo>
+                  <a:pt x="4690339" y="4738687"/>
+                </a:lnTo>
+                <a:lnTo>
+                  <a:pt x="4693698" y="4806950"/>
+                </a:lnTo>
+                <a:lnTo>
+                  <a:pt x="4690339" y="4875212"/>
+                </a:lnTo>
+                <a:lnTo>
+                  <a:pt x="4681941" y="4935537"/>
+                </a:lnTo>
+                <a:lnTo>
+                  <a:pt x="4670184" y="4987925"/>
+                </a:lnTo>
+                <a:lnTo>
+                  <a:pt x="4655067" y="5033962"/>
+                </a:lnTo>
+                <a:lnTo>
+                  <a:pt x="4638271" y="5075237"/>
+                </a:lnTo>
+                <a:lnTo>
+                  <a:pt x="4618116" y="5114925"/>
+                </a:lnTo>
+                <a:lnTo>
+                  <a:pt x="4597961" y="5149850"/>
+                </a:lnTo>
+                <a:lnTo>
+                  <a:pt x="4577806" y="5186362"/>
+                </a:lnTo>
+                <a:lnTo>
+                  <a:pt x="4559330" y="5226050"/>
+                </a:lnTo>
+                <a:lnTo>
+                  <a:pt x="4540854" y="5268912"/>
+                </a:lnTo>
+                <a:lnTo>
+                  <a:pt x="4525739" y="5313362"/>
+                </a:lnTo>
+                <a:lnTo>
+                  <a:pt x="4515661" y="5365750"/>
+                </a:lnTo>
+                <a:lnTo>
+                  <a:pt x="4505583" y="5426075"/>
+                </a:lnTo>
+                <a:lnTo>
+                  <a:pt x="4503903" y="5494337"/>
+                </a:lnTo>
+                <a:lnTo>
+                  <a:pt x="4505583" y="5562600"/>
+                </a:lnTo>
+                <a:lnTo>
+                  <a:pt x="4515661" y="5622925"/>
+                </a:lnTo>
+                <a:lnTo>
+                  <a:pt x="4525739" y="5675312"/>
+                </a:lnTo>
+                <a:lnTo>
+                  <a:pt x="4540854" y="5721350"/>
+                </a:lnTo>
+                <a:lnTo>
+                  <a:pt x="4559330" y="5762625"/>
+                </a:lnTo>
+                <a:lnTo>
+                  <a:pt x="4577806" y="5802312"/>
+                </a:lnTo>
+                <a:lnTo>
+                  <a:pt x="4597961" y="5840412"/>
+                </a:lnTo>
+                <a:lnTo>
+                  <a:pt x="4618116" y="5876925"/>
+                </a:lnTo>
+                <a:lnTo>
+                  <a:pt x="4638271" y="5915025"/>
+                </a:lnTo>
+                <a:lnTo>
+                  <a:pt x="4655067" y="5956300"/>
+                </a:lnTo>
+                <a:lnTo>
+                  <a:pt x="4670184" y="6003925"/>
+                </a:lnTo>
+                <a:lnTo>
+                  <a:pt x="4681941" y="6056312"/>
+                </a:lnTo>
+                <a:lnTo>
+                  <a:pt x="4690339" y="6113462"/>
+                </a:lnTo>
+                <a:lnTo>
+                  <a:pt x="4693698" y="6183312"/>
+                </a:lnTo>
+                <a:lnTo>
+                  <a:pt x="4690339" y="6251575"/>
+                </a:lnTo>
+                <a:lnTo>
+                  <a:pt x="4681941" y="6311900"/>
+                </a:lnTo>
+                <a:lnTo>
+                  <a:pt x="4670184" y="6361112"/>
+                </a:lnTo>
+                <a:lnTo>
+                  <a:pt x="4655067" y="6407150"/>
+                </a:lnTo>
+                <a:lnTo>
+                  <a:pt x="4638271" y="6448425"/>
+                </a:lnTo>
+                <a:lnTo>
+                  <a:pt x="4619796" y="6488112"/>
+                </a:lnTo>
+                <a:lnTo>
+                  <a:pt x="4601320" y="6523037"/>
+                </a:lnTo>
+                <a:lnTo>
+                  <a:pt x="4581165" y="6561137"/>
+                </a:lnTo>
+                <a:lnTo>
+                  <a:pt x="4561010" y="6597650"/>
+                </a:lnTo>
+                <a:lnTo>
+                  <a:pt x="4544214" y="6640512"/>
+                </a:lnTo>
+                <a:lnTo>
+                  <a:pt x="4527418" y="6683375"/>
+                </a:lnTo>
+                <a:lnTo>
+                  <a:pt x="4517340" y="6735762"/>
+                </a:lnTo>
+                <a:lnTo>
+                  <a:pt x="4508943" y="6791325"/>
+                </a:lnTo>
+                <a:lnTo>
+                  <a:pt x="4503903" y="6858000"/>
+                </a:lnTo>
+                <a:lnTo>
+                  <a:pt x="1582057" y="6858000"/>
+                </a:lnTo>
+                <a:lnTo>
+                  <a:pt x="420914" y="6858000"/>
+                </a:lnTo>
+                <a:lnTo>
+                  <a:pt x="0" y="6858000"/>
+                </a:lnTo>
+                <a:close/>
+              </a:path>
+            </a:pathLst>
+          </a:custGeom>
+          <a:solidFill>
+            <a:schemeClr val="tx1"/>
+          </a:solidFill>
+          <a:ln w="0">
+            <a:noFill/>
+            <a:prstDash val="solid"/>
+            <a:round/>
+            <a:headEnd/>
+            <a:tailEnd/>
+          </a:ln>
+        </p:spPr>
+        <p:txBody>
+          <a:bodyPr wrap="square">
+            <a:noAutofit/>
+          </a:bodyPr>
+          <a:lstStyle/>
+          <a:p>
+            <a:endParaRPr lang="en-US" dirty="0"/>
+          </a:p>
+        </p:txBody>
+      </p:sp>
+      <p:sp>
+        <p:nvSpPr>
+          <p:cNvPr id="33" name="Freeform: Shape 32">
+            <a:extLst>
+              <a:ext uri="{FF2B5EF4-FFF2-40B4-BE49-F238E27FC236}">
+                <a16:creationId xmlns:a16="http://schemas.microsoft.com/office/drawing/2014/main" id="{4B9FAFB2-BEB5-4848-8018-BCAD99E2E1AA}"/>
               </a:ext>
               <a:ext uri="{C183D7F6-B498-43B3-948B-1728B52AA6E4}">
                 <adec:decorative xmlns:adec="http://schemas.microsoft.com/office/drawing/2017/decorative" val="1"/>
@@ -6406,86 +10498,311 @@
           </p:nvPr>
         </p:nvSpPr>
         <p:spPr>
-          <a:xfrm>
-            <a:off x="-1" y="0"/>
-            <a:ext cx="6464595" cy="6858000"/>
-          </a:xfrm>
-          <a:prstGeom prst="rect">
-            <a:avLst/>
-          </a:prstGeom>
-          <a:solidFill>
-            <a:schemeClr val="bg1">
-              <a:alpha val="81000"/>
-            </a:schemeClr>
-          </a:solidFill>
-          <a:ln>
-            <a:noFill/>
-          </a:ln>
-        </p:spPr>
-        <p:style>
-          <a:lnRef idx="2">
-            <a:schemeClr val="accent1">
-              <a:shade val="50000"/>
-            </a:schemeClr>
-          </a:lnRef>
-          <a:fillRef idx="1">
-            <a:schemeClr val="accent1"/>
-          </a:fillRef>
-          <a:effectRef idx="0">
-            <a:schemeClr val="accent1"/>
-          </a:effectRef>
-          <a:fontRef idx="minor">
-            <a:schemeClr val="lt1"/>
-          </a:fontRef>
-        </p:style>
-        <p:txBody>
-          <a:bodyPr rtlCol="0" anchor="ctr"/>
-          <a:lstStyle/>
-          <a:p>
-            <a:pPr algn="ctr"/>
-            <a:endParaRPr lang="en-US"/>
-          </a:p>
-        </p:txBody>
-      </p:sp>
-      <p:sp>
-        <p:nvSpPr>
-          <p:cNvPr id="21" name="Freeform: Shape 20">
-            <a:extLst>
-              <a:ext uri="{FF2B5EF4-FFF2-40B4-BE49-F238E27FC236}">
-                <a16:creationId xmlns:a16="http://schemas.microsoft.com/office/drawing/2014/main" id="{FF9DEA15-78BD-4750-AA18-B9F28A6D5AB8}"/>
-              </a:ext>
-              <a:ext uri="{C183D7F6-B498-43B3-948B-1728B52AA6E4}">
-                <adec:decorative xmlns:adec="http://schemas.microsoft.com/office/drawing/2017/decorative" val="1"/>
-              </a:ext>
-            </a:extLst>
-          </p:cNvPr>
-          <p:cNvSpPr>
-            <a:spLocks noGrp="1" noRot="1" noChangeAspect="1" noMove="1" noResize="1" noEditPoints="1" noAdjustHandles="1" noChangeArrowheads="1" noChangeShapeType="1" noTextEdit="1"/>
-          </p:cNvSpPr>
-          <p:nvPr>
-            <p:extLst>
-              <p:ext uri="{386F3935-93C4-4BCD-93E2-E3B085C9AB24}">
-                <p16:designElem xmlns:p16="http://schemas.microsoft.com/office/powerpoint/2015/main" val="1"/>
-              </p:ext>
-            </p:extLst>
-          </p:nvPr>
-        </p:nvSpPr>
-        <p:spPr>
-          <a:xfrm>
-            <a:off x="-1" y="0"/>
-            <a:ext cx="4546337" cy="6858000"/>
+          <a:xfrm flipH="1">
+            <a:off x="0" y="0"/>
+            <a:ext cx="4838076" cy="6858000"/>
           </a:xfrm>
           <a:custGeom>
             <a:avLst/>
             <a:gdLst>
-              <a:gd name="connsiteX0" fmla="*/ 0 w 4319042"/>
+              <a:gd name="connsiteX0" fmla="*/ 4838076 w 4838076"/>
               <a:gd name="connsiteY0" fmla="*/ 0 h 6858000"/>
-              <a:gd name="connsiteX1" fmla="*/ 1142888 w 4319042"/>
+              <a:gd name="connsiteX1" fmla="*/ 4417162 w 4838076"/>
               <a:gd name="connsiteY1" fmla="*/ 0 h 6858000"/>
-              <a:gd name="connsiteX2" fmla="*/ 4319042 w 4319042"/>
-              <a:gd name="connsiteY2" fmla="*/ 6858000 h 6858000"/>
-              <a:gd name="connsiteX3" fmla="*/ 0 w 4319042"/>
-              <a:gd name="connsiteY3" fmla="*/ 6858000 h 6858000"/>
+              <a:gd name="connsiteX2" fmla="*/ 3459219 w 4838076"/>
+              <a:gd name="connsiteY2" fmla="*/ 0 h 6858000"/>
+              <a:gd name="connsiteX3" fmla="*/ 334174 w 4838076"/>
+              <a:gd name="connsiteY3" fmla="*/ 0 h 6858000"/>
+              <a:gd name="connsiteX4" fmla="*/ 334173 w 4838076"/>
+              <a:gd name="connsiteY4" fmla="*/ 0 h 6858000"/>
+              <a:gd name="connsiteX5" fmla="*/ 189795 w 4838076"/>
+              <a:gd name="connsiteY5" fmla="*/ 0 h 6858000"/>
+              <a:gd name="connsiteX6" fmla="*/ 184756 w 4838076"/>
+              <a:gd name="connsiteY6" fmla="*/ 66675 h 6858000"/>
+              <a:gd name="connsiteX7" fmla="*/ 176358 w 4838076"/>
+              <a:gd name="connsiteY7" fmla="*/ 122237 h 6858000"/>
+              <a:gd name="connsiteX8" fmla="*/ 166281 w 4838076"/>
+              <a:gd name="connsiteY8" fmla="*/ 174625 h 6858000"/>
+              <a:gd name="connsiteX9" fmla="*/ 149485 w 4838076"/>
+              <a:gd name="connsiteY9" fmla="*/ 217487 h 6858000"/>
+              <a:gd name="connsiteX10" fmla="*/ 132689 w 4838076"/>
+              <a:gd name="connsiteY10" fmla="*/ 260350 h 6858000"/>
+              <a:gd name="connsiteX11" fmla="*/ 112534 w 4838076"/>
+              <a:gd name="connsiteY11" fmla="*/ 296862 h 6858000"/>
+              <a:gd name="connsiteX12" fmla="*/ 92379 w 4838076"/>
+              <a:gd name="connsiteY12" fmla="*/ 334962 h 6858000"/>
+              <a:gd name="connsiteX13" fmla="*/ 73903 w 4838076"/>
+              <a:gd name="connsiteY13" fmla="*/ 369887 h 6858000"/>
+              <a:gd name="connsiteX14" fmla="*/ 55427 w 4838076"/>
+              <a:gd name="connsiteY14" fmla="*/ 409575 h 6858000"/>
+              <a:gd name="connsiteX15" fmla="*/ 38632 w 4838076"/>
+              <a:gd name="connsiteY15" fmla="*/ 450850 h 6858000"/>
+              <a:gd name="connsiteX16" fmla="*/ 23515 w 4838076"/>
+              <a:gd name="connsiteY16" fmla="*/ 496887 h 6858000"/>
+              <a:gd name="connsiteX17" fmla="*/ 11758 w 4838076"/>
+              <a:gd name="connsiteY17" fmla="*/ 546100 h 6858000"/>
+              <a:gd name="connsiteX18" fmla="*/ 3359 w 4838076"/>
+              <a:gd name="connsiteY18" fmla="*/ 606425 h 6858000"/>
+              <a:gd name="connsiteX19" fmla="*/ 0 w 4838076"/>
+              <a:gd name="connsiteY19" fmla="*/ 673100 h 6858000"/>
+              <a:gd name="connsiteX20" fmla="*/ 3359 w 4838076"/>
+              <a:gd name="connsiteY20" fmla="*/ 744537 h 6858000"/>
+              <a:gd name="connsiteX21" fmla="*/ 11758 w 4838076"/>
+              <a:gd name="connsiteY21" fmla="*/ 801687 h 6858000"/>
+              <a:gd name="connsiteX22" fmla="*/ 23515 w 4838076"/>
+              <a:gd name="connsiteY22" fmla="*/ 854075 h 6858000"/>
+              <a:gd name="connsiteX23" fmla="*/ 38632 w 4838076"/>
+              <a:gd name="connsiteY23" fmla="*/ 901700 h 6858000"/>
+              <a:gd name="connsiteX24" fmla="*/ 55427 w 4838076"/>
+              <a:gd name="connsiteY24" fmla="*/ 942975 h 6858000"/>
+              <a:gd name="connsiteX25" fmla="*/ 75583 w 4838076"/>
+              <a:gd name="connsiteY25" fmla="*/ 981075 h 6858000"/>
+              <a:gd name="connsiteX26" fmla="*/ 95738 w 4838076"/>
+              <a:gd name="connsiteY26" fmla="*/ 1017587 h 6858000"/>
+              <a:gd name="connsiteX27" fmla="*/ 115893 w 4838076"/>
+              <a:gd name="connsiteY27" fmla="*/ 1055687 h 6858000"/>
+              <a:gd name="connsiteX28" fmla="*/ 134368 w 4838076"/>
+              <a:gd name="connsiteY28" fmla="*/ 1095375 h 6858000"/>
+              <a:gd name="connsiteX29" fmla="*/ 152844 w 4838076"/>
+              <a:gd name="connsiteY29" fmla="*/ 1136650 h 6858000"/>
+              <a:gd name="connsiteX30" fmla="*/ 167960 w 4838076"/>
+              <a:gd name="connsiteY30" fmla="*/ 1182687 h 6858000"/>
+              <a:gd name="connsiteX31" fmla="*/ 178038 w 4838076"/>
+              <a:gd name="connsiteY31" fmla="*/ 1235075 h 6858000"/>
+              <a:gd name="connsiteX32" fmla="*/ 188115 w 4838076"/>
+              <a:gd name="connsiteY32" fmla="*/ 1295400 h 6858000"/>
+              <a:gd name="connsiteX33" fmla="*/ 189795 w 4838076"/>
+              <a:gd name="connsiteY33" fmla="*/ 1363662 h 6858000"/>
+              <a:gd name="connsiteX34" fmla="*/ 188115 w 4838076"/>
+              <a:gd name="connsiteY34" fmla="*/ 1431925 h 6858000"/>
+              <a:gd name="connsiteX35" fmla="*/ 178038 w 4838076"/>
+              <a:gd name="connsiteY35" fmla="*/ 1492250 h 6858000"/>
+              <a:gd name="connsiteX36" fmla="*/ 167960 w 4838076"/>
+              <a:gd name="connsiteY36" fmla="*/ 1544637 h 6858000"/>
+              <a:gd name="connsiteX37" fmla="*/ 152844 w 4838076"/>
+              <a:gd name="connsiteY37" fmla="*/ 1589087 h 6858000"/>
+              <a:gd name="connsiteX38" fmla="*/ 134368 w 4838076"/>
+              <a:gd name="connsiteY38" fmla="*/ 1631950 h 6858000"/>
+              <a:gd name="connsiteX39" fmla="*/ 115893 w 4838076"/>
+              <a:gd name="connsiteY39" fmla="*/ 1671637 h 6858000"/>
+              <a:gd name="connsiteX40" fmla="*/ 95738 w 4838076"/>
+              <a:gd name="connsiteY40" fmla="*/ 1708150 h 6858000"/>
+              <a:gd name="connsiteX41" fmla="*/ 75583 w 4838076"/>
+              <a:gd name="connsiteY41" fmla="*/ 1743075 h 6858000"/>
+              <a:gd name="connsiteX42" fmla="*/ 55427 w 4838076"/>
+              <a:gd name="connsiteY42" fmla="*/ 1782762 h 6858000"/>
+              <a:gd name="connsiteX43" fmla="*/ 38632 w 4838076"/>
+              <a:gd name="connsiteY43" fmla="*/ 1824037 h 6858000"/>
+              <a:gd name="connsiteX44" fmla="*/ 23515 w 4838076"/>
+              <a:gd name="connsiteY44" fmla="*/ 1870075 h 6858000"/>
+              <a:gd name="connsiteX45" fmla="*/ 11758 w 4838076"/>
+              <a:gd name="connsiteY45" fmla="*/ 1922462 h 6858000"/>
+              <a:gd name="connsiteX46" fmla="*/ 3359 w 4838076"/>
+              <a:gd name="connsiteY46" fmla="*/ 1982787 h 6858000"/>
+              <a:gd name="connsiteX47" fmla="*/ 0 w 4838076"/>
+              <a:gd name="connsiteY47" fmla="*/ 2051050 h 6858000"/>
+              <a:gd name="connsiteX48" fmla="*/ 3359 w 4838076"/>
+              <a:gd name="connsiteY48" fmla="*/ 2119312 h 6858000"/>
+              <a:gd name="connsiteX49" fmla="*/ 11758 w 4838076"/>
+              <a:gd name="connsiteY49" fmla="*/ 2179637 h 6858000"/>
+              <a:gd name="connsiteX50" fmla="*/ 23515 w 4838076"/>
+              <a:gd name="connsiteY50" fmla="*/ 2232025 h 6858000"/>
+              <a:gd name="connsiteX51" fmla="*/ 38632 w 4838076"/>
+              <a:gd name="connsiteY51" fmla="*/ 2278062 h 6858000"/>
+              <a:gd name="connsiteX52" fmla="*/ 55427 w 4838076"/>
+              <a:gd name="connsiteY52" fmla="*/ 2319337 h 6858000"/>
+              <a:gd name="connsiteX53" fmla="*/ 75583 w 4838076"/>
+              <a:gd name="connsiteY53" fmla="*/ 2359025 h 6858000"/>
+              <a:gd name="connsiteX54" fmla="*/ 95738 w 4838076"/>
+              <a:gd name="connsiteY54" fmla="*/ 2395537 h 6858000"/>
+              <a:gd name="connsiteX55" fmla="*/ 115893 w 4838076"/>
+              <a:gd name="connsiteY55" fmla="*/ 2433637 h 6858000"/>
+              <a:gd name="connsiteX56" fmla="*/ 134368 w 4838076"/>
+              <a:gd name="connsiteY56" fmla="*/ 2471737 h 6858000"/>
+              <a:gd name="connsiteX57" fmla="*/ 152844 w 4838076"/>
+              <a:gd name="connsiteY57" fmla="*/ 2513012 h 6858000"/>
+              <a:gd name="connsiteX58" fmla="*/ 167960 w 4838076"/>
+              <a:gd name="connsiteY58" fmla="*/ 2560637 h 6858000"/>
+              <a:gd name="connsiteX59" fmla="*/ 178038 w 4838076"/>
+              <a:gd name="connsiteY59" fmla="*/ 2613025 h 6858000"/>
+              <a:gd name="connsiteX60" fmla="*/ 188115 w 4838076"/>
+              <a:gd name="connsiteY60" fmla="*/ 2671762 h 6858000"/>
+              <a:gd name="connsiteX61" fmla="*/ 189795 w 4838076"/>
+              <a:gd name="connsiteY61" fmla="*/ 2741612 h 6858000"/>
+              <a:gd name="connsiteX62" fmla="*/ 188115 w 4838076"/>
+              <a:gd name="connsiteY62" fmla="*/ 2809875 h 6858000"/>
+              <a:gd name="connsiteX63" fmla="*/ 178038 w 4838076"/>
+              <a:gd name="connsiteY63" fmla="*/ 2868612 h 6858000"/>
+              <a:gd name="connsiteX64" fmla="*/ 167960 w 4838076"/>
+              <a:gd name="connsiteY64" fmla="*/ 2922587 h 6858000"/>
+              <a:gd name="connsiteX65" fmla="*/ 152844 w 4838076"/>
+              <a:gd name="connsiteY65" fmla="*/ 2967037 h 6858000"/>
+              <a:gd name="connsiteX66" fmla="*/ 134368 w 4838076"/>
+              <a:gd name="connsiteY66" fmla="*/ 3009900 h 6858000"/>
+              <a:gd name="connsiteX67" fmla="*/ 115893 w 4838076"/>
+              <a:gd name="connsiteY67" fmla="*/ 3046412 h 6858000"/>
+              <a:gd name="connsiteX68" fmla="*/ 95738 w 4838076"/>
+              <a:gd name="connsiteY68" fmla="*/ 3084512 h 6858000"/>
+              <a:gd name="connsiteX69" fmla="*/ 75583 w 4838076"/>
+              <a:gd name="connsiteY69" fmla="*/ 3121025 h 6858000"/>
+              <a:gd name="connsiteX70" fmla="*/ 55427 w 4838076"/>
+              <a:gd name="connsiteY70" fmla="*/ 3160712 h 6858000"/>
+              <a:gd name="connsiteX71" fmla="*/ 38632 w 4838076"/>
+              <a:gd name="connsiteY71" fmla="*/ 3201987 h 6858000"/>
+              <a:gd name="connsiteX72" fmla="*/ 23515 w 4838076"/>
+              <a:gd name="connsiteY72" fmla="*/ 3248025 h 6858000"/>
+              <a:gd name="connsiteX73" fmla="*/ 11758 w 4838076"/>
+              <a:gd name="connsiteY73" fmla="*/ 3300412 h 6858000"/>
+              <a:gd name="connsiteX74" fmla="*/ 3359 w 4838076"/>
+              <a:gd name="connsiteY74" fmla="*/ 3360737 h 6858000"/>
+              <a:gd name="connsiteX75" fmla="*/ 0 w 4838076"/>
+              <a:gd name="connsiteY75" fmla="*/ 3427412 h 6858000"/>
+              <a:gd name="connsiteX76" fmla="*/ 3359 w 4838076"/>
+              <a:gd name="connsiteY76" fmla="*/ 3497262 h 6858000"/>
+              <a:gd name="connsiteX77" fmla="*/ 11758 w 4838076"/>
+              <a:gd name="connsiteY77" fmla="*/ 3557587 h 6858000"/>
+              <a:gd name="connsiteX78" fmla="*/ 23515 w 4838076"/>
+              <a:gd name="connsiteY78" fmla="*/ 3609975 h 6858000"/>
+              <a:gd name="connsiteX79" fmla="*/ 38632 w 4838076"/>
+              <a:gd name="connsiteY79" fmla="*/ 3656012 h 6858000"/>
+              <a:gd name="connsiteX80" fmla="*/ 55427 w 4838076"/>
+              <a:gd name="connsiteY80" fmla="*/ 3697287 h 6858000"/>
+              <a:gd name="connsiteX81" fmla="*/ 75583 w 4838076"/>
+              <a:gd name="connsiteY81" fmla="*/ 3736975 h 6858000"/>
+              <a:gd name="connsiteX82" fmla="*/ 115893 w 4838076"/>
+              <a:gd name="connsiteY82" fmla="*/ 3811587 h 6858000"/>
+              <a:gd name="connsiteX83" fmla="*/ 134368 w 4838076"/>
+              <a:gd name="connsiteY83" fmla="*/ 3848100 h 6858000"/>
+              <a:gd name="connsiteX84" fmla="*/ 152844 w 4838076"/>
+              <a:gd name="connsiteY84" fmla="*/ 3890962 h 6858000"/>
+              <a:gd name="connsiteX85" fmla="*/ 167960 w 4838076"/>
+              <a:gd name="connsiteY85" fmla="*/ 3935412 h 6858000"/>
+              <a:gd name="connsiteX86" fmla="*/ 178038 w 4838076"/>
+              <a:gd name="connsiteY86" fmla="*/ 3987800 h 6858000"/>
+              <a:gd name="connsiteX87" fmla="*/ 188115 w 4838076"/>
+              <a:gd name="connsiteY87" fmla="*/ 4048125 h 6858000"/>
+              <a:gd name="connsiteX88" fmla="*/ 189795 w 4838076"/>
+              <a:gd name="connsiteY88" fmla="*/ 4116387 h 6858000"/>
+              <a:gd name="connsiteX89" fmla="*/ 188115 w 4838076"/>
+              <a:gd name="connsiteY89" fmla="*/ 4186237 h 6858000"/>
+              <a:gd name="connsiteX90" fmla="*/ 178038 w 4838076"/>
+              <a:gd name="connsiteY90" fmla="*/ 4244975 h 6858000"/>
+              <a:gd name="connsiteX91" fmla="*/ 167960 w 4838076"/>
+              <a:gd name="connsiteY91" fmla="*/ 4297362 h 6858000"/>
+              <a:gd name="connsiteX92" fmla="*/ 152844 w 4838076"/>
+              <a:gd name="connsiteY92" fmla="*/ 4343400 h 6858000"/>
+              <a:gd name="connsiteX93" fmla="*/ 134368 w 4838076"/>
+              <a:gd name="connsiteY93" fmla="*/ 4386262 h 6858000"/>
+              <a:gd name="connsiteX94" fmla="*/ 115893 w 4838076"/>
+              <a:gd name="connsiteY94" fmla="*/ 4424362 h 6858000"/>
+              <a:gd name="connsiteX95" fmla="*/ 75583 w 4838076"/>
+              <a:gd name="connsiteY95" fmla="*/ 4498975 h 6858000"/>
+              <a:gd name="connsiteX96" fmla="*/ 55427 w 4838076"/>
+              <a:gd name="connsiteY96" fmla="*/ 4537075 h 6858000"/>
+              <a:gd name="connsiteX97" fmla="*/ 38632 w 4838076"/>
+              <a:gd name="connsiteY97" fmla="*/ 4579937 h 6858000"/>
+              <a:gd name="connsiteX98" fmla="*/ 23515 w 4838076"/>
+              <a:gd name="connsiteY98" fmla="*/ 4625975 h 6858000"/>
+              <a:gd name="connsiteX99" fmla="*/ 11758 w 4838076"/>
+              <a:gd name="connsiteY99" fmla="*/ 4678362 h 6858000"/>
+              <a:gd name="connsiteX100" fmla="*/ 3359 w 4838076"/>
+              <a:gd name="connsiteY100" fmla="*/ 4738687 h 6858000"/>
+              <a:gd name="connsiteX101" fmla="*/ 0 w 4838076"/>
+              <a:gd name="connsiteY101" fmla="*/ 4806950 h 6858000"/>
+              <a:gd name="connsiteX102" fmla="*/ 3359 w 4838076"/>
+              <a:gd name="connsiteY102" fmla="*/ 4875212 h 6858000"/>
+              <a:gd name="connsiteX103" fmla="*/ 11758 w 4838076"/>
+              <a:gd name="connsiteY103" fmla="*/ 4935537 h 6858000"/>
+              <a:gd name="connsiteX104" fmla="*/ 23515 w 4838076"/>
+              <a:gd name="connsiteY104" fmla="*/ 4987925 h 6858000"/>
+              <a:gd name="connsiteX105" fmla="*/ 38632 w 4838076"/>
+              <a:gd name="connsiteY105" fmla="*/ 5033962 h 6858000"/>
+              <a:gd name="connsiteX106" fmla="*/ 55427 w 4838076"/>
+              <a:gd name="connsiteY106" fmla="*/ 5075237 h 6858000"/>
+              <a:gd name="connsiteX107" fmla="*/ 75583 w 4838076"/>
+              <a:gd name="connsiteY107" fmla="*/ 5114925 h 6858000"/>
+              <a:gd name="connsiteX108" fmla="*/ 95738 w 4838076"/>
+              <a:gd name="connsiteY108" fmla="*/ 5149850 h 6858000"/>
+              <a:gd name="connsiteX109" fmla="*/ 115893 w 4838076"/>
+              <a:gd name="connsiteY109" fmla="*/ 5186362 h 6858000"/>
+              <a:gd name="connsiteX110" fmla="*/ 134368 w 4838076"/>
+              <a:gd name="connsiteY110" fmla="*/ 5226050 h 6858000"/>
+              <a:gd name="connsiteX111" fmla="*/ 152844 w 4838076"/>
+              <a:gd name="connsiteY111" fmla="*/ 5268912 h 6858000"/>
+              <a:gd name="connsiteX112" fmla="*/ 167960 w 4838076"/>
+              <a:gd name="connsiteY112" fmla="*/ 5313362 h 6858000"/>
+              <a:gd name="connsiteX113" fmla="*/ 178038 w 4838076"/>
+              <a:gd name="connsiteY113" fmla="*/ 5365750 h 6858000"/>
+              <a:gd name="connsiteX114" fmla="*/ 188115 w 4838076"/>
+              <a:gd name="connsiteY114" fmla="*/ 5426075 h 6858000"/>
+              <a:gd name="connsiteX115" fmla="*/ 189795 w 4838076"/>
+              <a:gd name="connsiteY115" fmla="*/ 5494337 h 6858000"/>
+              <a:gd name="connsiteX116" fmla="*/ 188115 w 4838076"/>
+              <a:gd name="connsiteY116" fmla="*/ 5562600 h 6858000"/>
+              <a:gd name="connsiteX117" fmla="*/ 178038 w 4838076"/>
+              <a:gd name="connsiteY117" fmla="*/ 5622925 h 6858000"/>
+              <a:gd name="connsiteX118" fmla="*/ 167960 w 4838076"/>
+              <a:gd name="connsiteY118" fmla="*/ 5675312 h 6858000"/>
+              <a:gd name="connsiteX119" fmla="*/ 152844 w 4838076"/>
+              <a:gd name="connsiteY119" fmla="*/ 5721350 h 6858000"/>
+              <a:gd name="connsiteX120" fmla="*/ 134368 w 4838076"/>
+              <a:gd name="connsiteY120" fmla="*/ 5762625 h 6858000"/>
+              <a:gd name="connsiteX121" fmla="*/ 115893 w 4838076"/>
+              <a:gd name="connsiteY121" fmla="*/ 5802312 h 6858000"/>
+              <a:gd name="connsiteX122" fmla="*/ 95738 w 4838076"/>
+              <a:gd name="connsiteY122" fmla="*/ 5840412 h 6858000"/>
+              <a:gd name="connsiteX123" fmla="*/ 75583 w 4838076"/>
+              <a:gd name="connsiteY123" fmla="*/ 5876925 h 6858000"/>
+              <a:gd name="connsiteX124" fmla="*/ 55427 w 4838076"/>
+              <a:gd name="connsiteY124" fmla="*/ 5915025 h 6858000"/>
+              <a:gd name="connsiteX125" fmla="*/ 38632 w 4838076"/>
+              <a:gd name="connsiteY125" fmla="*/ 5956300 h 6858000"/>
+              <a:gd name="connsiteX126" fmla="*/ 23515 w 4838076"/>
+              <a:gd name="connsiteY126" fmla="*/ 6003925 h 6858000"/>
+              <a:gd name="connsiteX127" fmla="*/ 11758 w 4838076"/>
+              <a:gd name="connsiteY127" fmla="*/ 6056312 h 6858000"/>
+              <a:gd name="connsiteX128" fmla="*/ 3359 w 4838076"/>
+              <a:gd name="connsiteY128" fmla="*/ 6113462 h 6858000"/>
+              <a:gd name="connsiteX129" fmla="*/ 0 w 4838076"/>
+              <a:gd name="connsiteY129" fmla="*/ 6183312 h 6858000"/>
+              <a:gd name="connsiteX130" fmla="*/ 3359 w 4838076"/>
+              <a:gd name="connsiteY130" fmla="*/ 6251575 h 6858000"/>
+              <a:gd name="connsiteX131" fmla="*/ 11758 w 4838076"/>
+              <a:gd name="connsiteY131" fmla="*/ 6311900 h 6858000"/>
+              <a:gd name="connsiteX132" fmla="*/ 23515 w 4838076"/>
+              <a:gd name="connsiteY132" fmla="*/ 6361112 h 6858000"/>
+              <a:gd name="connsiteX133" fmla="*/ 38632 w 4838076"/>
+              <a:gd name="connsiteY133" fmla="*/ 6407150 h 6858000"/>
+              <a:gd name="connsiteX134" fmla="*/ 55427 w 4838076"/>
+              <a:gd name="connsiteY134" fmla="*/ 6448425 h 6858000"/>
+              <a:gd name="connsiteX135" fmla="*/ 73903 w 4838076"/>
+              <a:gd name="connsiteY135" fmla="*/ 6488112 h 6858000"/>
+              <a:gd name="connsiteX136" fmla="*/ 92379 w 4838076"/>
+              <a:gd name="connsiteY136" fmla="*/ 6523037 h 6858000"/>
+              <a:gd name="connsiteX137" fmla="*/ 112534 w 4838076"/>
+              <a:gd name="connsiteY137" fmla="*/ 6561137 h 6858000"/>
+              <a:gd name="connsiteX138" fmla="*/ 132689 w 4838076"/>
+              <a:gd name="connsiteY138" fmla="*/ 6597650 h 6858000"/>
+              <a:gd name="connsiteX139" fmla="*/ 149485 w 4838076"/>
+              <a:gd name="connsiteY139" fmla="*/ 6640512 h 6858000"/>
+              <a:gd name="connsiteX140" fmla="*/ 166281 w 4838076"/>
+              <a:gd name="connsiteY140" fmla="*/ 6683375 h 6858000"/>
+              <a:gd name="connsiteX141" fmla="*/ 176358 w 4838076"/>
+              <a:gd name="connsiteY141" fmla="*/ 6735762 h 6858000"/>
+              <a:gd name="connsiteX142" fmla="*/ 184756 w 4838076"/>
+              <a:gd name="connsiteY142" fmla="*/ 6791325 h 6858000"/>
+              <a:gd name="connsiteX143" fmla="*/ 189795 w 4838076"/>
+              <a:gd name="connsiteY143" fmla="*/ 6858000 h 6858000"/>
+              <a:gd name="connsiteX144" fmla="*/ 334173 w 4838076"/>
+              <a:gd name="connsiteY144" fmla="*/ 6858000 h 6858000"/>
+              <a:gd name="connsiteX145" fmla="*/ 334174 w 4838076"/>
+              <a:gd name="connsiteY145" fmla="*/ 6858000 h 6858000"/>
+              <a:gd name="connsiteX146" fmla="*/ 3459219 w 4838076"/>
+              <a:gd name="connsiteY146" fmla="*/ 6858000 h 6858000"/>
+              <a:gd name="connsiteX147" fmla="*/ 4417162 w 4838076"/>
+              <a:gd name="connsiteY147" fmla="*/ 6858000 h 6858000"/>
+              <a:gd name="connsiteX148" fmla="*/ 4838076 w 4838076"/>
+              <a:gd name="connsiteY148" fmla="*/ 6858000 h 6858000"/>
             </a:gdLst>
             <a:ahLst/>
             <a:cxnLst>
@@ -6501,29 +10818,900 @@
               <a:cxn ang="0">
                 <a:pos x="connsiteX3" y="connsiteY3"/>
               </a:cxn>
+              <a:cxn ang="0">
+                <a:pos x="connsiteX4" y="connsiteY4"/>
+              </a:cxn>
+              <a:cxn ang="0">
+                <a:pos x="connsiteX5" y="connsiteY5"/>
+              </a:cxn>
+              <a:cxn ang="0">
+                <a:pos x="connsiteX6" y="connsiteY6"/>
+              </a:cxn>
+              <a:cxn ang="0">
+                <a:pos x="connsiteX7" y="connsiteY7"/>
+              </a:cxn>
+              <a:cxn ang="0">
+                <a:pos x="connsiteX8" y="connsiteY8"/>
+              </a:cxn>
+              <a:cxn ang="0">
+                <a:pos x="connsiteX9" y="connsiteY9"/>
+              </a:cxn>
+              <a:cxn ang="0">
+                <a:pos x="connsiteX10" y="connsiteY10"/>
+              </a:cxn>
+              <a:cxn ang="0">
+                <a:pos x="connsiteX11" y="connsiteY11"/>
+              </a:cxn>
+              <a:cxn ang="0">
+                <a:pos x="connsiteX12" y="connsiteY12"/>
+              </a:cxn>
+              <a:cxn ang="0">
+                <a:pos x="connsiteX13" y="connsiteY13"/>
+              </a:cxn>
+              <a:cxn ang="0">
+                <a:pos x="connsiteX14" y="connsiteY14"/>
+              </a:cxn>
+              <a:cxn ang="0">
+                <a:pos x="connsiteX15" y="connsiteY15"/>
+              </a:cxn>
+              <a:cxn ang="0">
+                <a:pos x="connsiteX16" y="connsiteY16"/>
+              </a:cxn>
+              <a:cxn ang="0">
+                <a:pos x="connsiteX17" y="connsiteY17"/>
+              </a:cxn>
+              <a:cxn ang="0">
+                <a:pos x="connsiteX18" y="connsiteY18"/>
+              </a:cxn>
+              <a:cxn ang="0">
+                <a:pos x="connsiteX19" y="connsiteY19"/>
+              </a:cxn>
+              <a:cxn ang="0">
+                <a:pos x="connsiteX20" y="connsiteY20"/>
+              </a:cxn>
+              <a:cxn ang="0">
+                <a:pos x="connsiteX21" y="connsiteY21"/>
+              </a:cxn>
+              <a:cxn ang="0">
+                <a:pos x="connsiteX22" y="connsiteY22"/>
+              </a:cxn>
+              <a:cxn ang="0">
+                <a:pos x="connsiteX23" y="connsiteY23"/>
+              </a:cxn>
+              <a:cxn ang="0">
+                <a:pos x="connsiteX24" y="connsiteY24"/>
+              </a:cxn>
+              <a:cxn ang="0">
+                <a:pos x="connsiteX25" y="connsiteY25"/>
+              </a:cxn>
+              <a:cxn ang="0">
+                <a:pos x="connsiteX26" y="connsiteY26"/>
+              </a:cxn>
+              <a:cxn ang="0">
+                <a:pos x="connsiteX27" y="connsiteY27"/>
+              </a:cxn>
+              <a:cxn ang="0">
+                <a:pos x="connsiteX28" y="connsiteY28"/>
+              </a:cxn>
+              <a:cxn ang="0">
+                <a:pos x="connsiteX29" y="connsiteY29"/>
+              </a:cxn>
+              <a:cxn ang="0">
+                <a:pos x="connsiteX30" y="connsiteY30"/>
+              </a:cxn>
+              <a:cxn ang="0">
+                <a:pos x="connsiteX31" y="connsiteY31"/>
+              </a:cxn>
+              <a:cxn ang="0">
+                <a:pos x="connsiteX32" y="connsiteY32"/>
+              </a:cxn>
+              <a:cxn ang="0">
+                <a:pos x="connsiteX33" y="connsiteY33"/>
+              </a:cxn>
+              <a:cxn ang="0">
+                <a:pos x="connsiteX34" y="connsiteY34"/>
+              </a:cxn>
+              <a:cxn ang="0">
+                <a:pos x="connsiteX35" y="connsiteY35"/>
+              </a:cxn>
+              <a:cxn ang="0">
+                <a:pos x="connsiteX36" y="connsiteY36"/>
+              </a:cxn>
+              <a:cxn ang="0">
+                <a:pos x="connsiteX37" y="connsiteY37"/>
+              </a:cxn>
+              <a:cxn ang="0">
+                <a:pos x="connsiteX38" y="connsiteY38"/>
+              </a:cxn>
+              <a:cxn ang="0">
+                <a:pos x="connsiteX39" y="connsiteY39"/>
+              </a:cxn>
+              <a:cxn ang="0">
+                <a:pos x="connsiteX40" y="connsiteY40"/>
+              </a:cxn>
+              <a:cxn ang="0">
+                <a:pos x="connsiteX41" y="connsiteY41"/>
+              </a:cxn>
+              <a:cxn ang="0">
+                <a:pos x="connsiteX42" y="connsiteY42"/>
+              </a:cxn>
+              <a:cxn ang="0">
+                <a:pos x="connsiteX43" y="connsiteY43"/>
+              </a:cxn>
+              <a:cxn ang="0">
+                <a:pos x="connsiteX44" y="connsiteY44"/>
+              </a:cxn>
+              <a:cxn ang="0">
+                <a:pos x="connsiteX45" y="connsiteY45"/>
+              </a:cxn>
+              <a:cxn ang="0">
+                <a:pos x="connsiteX46" y="connsiteY46"/>
+              </a:cxn>
+              <a:cxn ang="0">
+                <a:pos x="connsiteX47" y="connsiteY47"/>
+              </a:cxn>
+              <a:cxn ang="0">
+                <a:pos x="connsiteX48" y="connsiteY48"/>
+              </a:cxn>
+              <a:cxn ang="0">
+                <a:pos x="connsiteX49" y="connsiteY49"/>
+              </a:cxn>
+              <a:cxn ang="0">
+                <a:pos x="connsiteX50" y="connsiteY50"/>
+              </a:cxn>
+              <a:cxn ang="0">
+                <a:pos x="connsiteX51" y="connsiteY51"/>
+              </a:cxn>
+              <a:cxn ang="0">
+                <a:pos x="connsiteX52" y="connsiteY52"/>
+              </a:cxn>
+              <a:cxn ang="0">
+                <a:pos x="connsiteX53" y="connsiteY53"/>
+              </a:cxn>
+              <a:cxn ang="0">
+                <a:pos x="connsiteX54" y="connsiteY54"/>
+              </a:cxn>
+              <a:cxn ang="0">
+                <a:pos x="connsiteX55" y="connsiteY55"/>
+              </a:cxn>
+              <a:cxn ang="0">
+                <a:pos x="connsiteX56" y="connsiteY56"/>
+              </a:cxn>
+              <a:cxn ang="0">
+                <a:pos x="connsiteX57" y="connsiteY57"/>
+              </a:cxn>
+              <a:cxn ang="0">
+                <a:pos x="connsiteX58" y="connsiteY58"/>
+              </a:cxn>
+              <a:cxn ang="0">
+                <a:pos x="connsiteX59" y="connsiteY59"/>
+              </a:cxn>
+              <a:cxn ang="0">
+                <a:pos x="connsiteX60" y="connsiteY60"/>
+              </a:cxn>
+              <a:cxn ang="0">
+                <a:pos x="connsiteX61" y="connsiteY61"/>
+              </a:cxn>
+              <a:cxn ang="0">
+                <a:pos x="connsiteX62" y="connsiteY62"/>
+              </a:cxn>
+              <a:cxn ang="0">
+                <a:pos x="connsiteX63" y="connsiteY63"/>
+              </a:cxn>
+              <a:cxn ang="0">
+                <a:pos x="connsiteX64" y="connsiteY64"/>
+              </a:cxn>
+              <a:cxn ang="0">
+                <a:pos x="connsiteX65" y="connsiteY65"/>
+              </a:cxn>
+              <a:cxn ang="0">
+                <a:pos x="connsiteX66" y="connsiteY66"/>
+              </a:cxn>
+              <a:cxn ang="0">
+                <a:pos x="connsiteX67" y="connsiteY67"/>
+              </a:cxn>
+              <a:cxn ang="0">
+                <a:pos x="connsiteX68" y="connsiteY68"/>
+              </a:cxn>
+              <a:cxn ang="0">
+                <a:pos x="connsiteX69" y="connsiteY69"/>
+              </a:cxn>
+              <a:cxn ang="0">
+                <a:pos x="connsiteX70" y="connsiteY70"/>
+              </a:cxn>
+              <a:cxn ang="0">
+                <a:pos x="connsiteX71" y="connsiteY71"/>
+              </a:cxn>
+              <a:cxn ang="0">
+                <a:pos x="connsiteX72" y="connsiteY72"/>
+              </a:cxn>
+              <a:cxn ang="0">
+                <a:pos x="connsiteX73" y="connsiteY73"/>
+              </a:cxn>
+              <a:cxn ang="0">
+                <a:pos x="connsiteX74" y="connsiteY74"/>
+              </a:cxn>
+              <a:cxn ang="0">
+                <a:pos x="connsiteX75" y="connsiteY75"/>
+              </a:cxn>
+              <a:cxn ang="0">
+                <a:pos x="connsiteX76" y="connsiteY76"/>
+              </a:cxn>
+              <a:cxn ang="0">
+                <a:pos x="connsiteX77" y="connsiteY77"/>
+              </a:cxn>
+              <a:cxn ang="0">
+                <a:pos x="connsiteX78" y="connsiteY78"/>
+              </a:cxn>
+              <a:cxn ang="0">
+                <a:pos x="connsiteX79" y="connsiteY79"/>
+              </a:cxn>
+              <a:cxn ang="0">
+                <a:pos x="connsiteX80" y="connsiteY80"/>
+              </a:cxn>
+              <a:cxn ang="0">
+                <a:pos x="connsiteX81" y="connsiteY81"/>
+              </a:cxn>
+              <a:cxn ang="0">
+                <a:pos x="connsiteX82" y="connsiteY82"/>
+              </a:cxn>
+              <a:cxn ang="0">
+                <a:pos x="connsiteX83" y="connsiteY83"/>
+              </a:cxn>
+              <a:cxn ang="0">
+                <a:pos x="connsiteX84" y="connsiteY84"/>
+              </a:cxn>
+              <a:cxn ang="0">
+                <a:pos x="connsiteX85" y="connsiteY85"/>
+              </a:cxn>
+              <a:cxn ang="0">
+                <a:pos x="connsiteX86" y="connsiteY86"/>
+              </a:cxn>
+              <a:cxn ang="0">
+                <a:pos x="connsiteX87" y="connsiteY87"/>
+              </a:cxn>
+              <a:cxn ang="0">
+                <a:pos x="connsiteX88" y="connsiteY88"/>
+              </a:cxn>
+              <a:cxn ang="0">
+                <a:pos x="connsiteX89" y="connsiteY89"/>
+              </a:cxn>
+              <a:cxn ang="0">
+                <a:pos x="connsiteX90" y="connsiteY90"/>
+              </a:cxn>
+              <a:cxn ang="0">
+                <a:pos x="connsiteX91" y="connsiteY91"/>
+              </a:cxn>
+              <a:cxn ang="0">
+                <a:pos x="connsiteX92" y="connsiteY92"/>
+              </a:cxn>
+              <a:cxn ang="0">
+                <a:pos x="connsiteX93" y="connsiteY93"/>
+              </a:cxn>
+              <a:cxn ang="0">
+                <a:pos x="connsiteX94" y="connsiteY94"/>
+              </a:cxn>
+              <a:cxn ang="0">
+                <a:pos x="connsiteX95" y="connsiteY95"/>
+              </a:cxn>
+              <a:cxn ang="0">
+                <a:pos x="connsiteX96" y="connsiteY96"/>
+              </a:cxn>
+              <a:cxn ang="0">
+                <a:pos x="connsiteX97" y="connsiteY97"/>
+              </a:cxn>
+              <a:cxn ang="0">
+                <a:pos x="connsiteX98" y="connsiteY98"/>
+              </a:cxn>
+              <a:cxn ang="0">
+                <a:pos x="connsiteX99" y="connsiteY99"/>
+              </a:cxn>
+              <a:cxn ang="0">
+                <a:pos x="connsiteX100" y="connsiteY100"/>
+              </a:cxn>
+              <a:cxn ang="0">
+                <a:pos x="connsiteX101" y="connsiteY101"/>
+              </a:cxn>
+              <a:cxn ang="0">
+                <a:pos x="connsiteX102" y="connsiteY102"/>
+              </a:cxn>
+              <a:cxn ang="0">
+                <a:pos x="connsiteX103" y="connsiteY103"/>
+              </a:cxn>
+              <a:cxn ang="0">
+                <a:pos x="connsiteX104" y="connsiteY104"/>
+              </a:cxn>
+              <a:cxn ang="0">
+                <a:pos x="connsiteX105" y="connsiteY105"/>
+              </a:cxn>
+              <a:cxn ang="0">
+                <a:pos x="connsiteX106" y="connsiteY106"/>
+              </a:cxn>
+              <a:cxn ang="0">
+                <a:pos x="connsiteX107" y="connsiteY107"/>
+              </a:cxn>
+              <a:cxn ang="0">
+                <a:pos x="connsiteX108" y="connsiteY108"/>
+              </a:cxn>
+              <a:cxn ang="0">
+                <a:pos x="connsiteX109" y="connsiteY109"/>
+              </a:cxn>
+              <a:cxn ang="0">
+                <a:pos x="connsiteX110" y="connsiteY110"/>
+              </a:cxn>
+              <a:cxn ang="0">
+                <a:pos x="connsiteX111" y="connsiteY111"/>
+              </a:cxn>
+              <a:cxn ang="0">
+                <a:pos x="connsiteX112" y="connsiteY112"/>
+              </a:cxn>
+              <a:cxn ang="0">
+                <a:pos x="connsiteX113" y="connsiteY113"/>
+              </a:cxn>
+              <a:cxn ang="0">
+                <a:pos x="connsiteX114" y="connsiteY114"/>
+              </a:cxn>
+              <a:cxn ang="0">
+                <a:pos x="connsiteX115" y="connsiteY115"/>
+              </a:cxn>
+              <a:cxn ang="0">
+                <a:pos x="connsiteX116" y="connsiteY116"/>
+              </a:cxn>
+              <a:cxn ang="0">
+                <a:pos x="connsiteX117" y="connsiteY117"/>
+              </a:cxn>
+              <a:cxn ang="0">
+                <a:pos x="connsiteX118" y="connsiteY118"/>
+              </a:cxn>
+              <a:cxn ang="0">
+                <a:pos x="connsiteX119" y="connsiteY119"/>
+              </a:cxn>
+              <a:cxn ang="0">
+                <a:pos x="connsiteX120" y="connsiteY120"/>
+              </a:cxn>
+              <a:cxn ang="0">
+                <a:pos x="connsiteX121" y="connsiteY121"/>
+              </a:cxn>
+              <a:cxn ang="0">
+                <a:pos x="connsiteX122" y="connsiteY122"/>
+              </a:cxn>
+              <a:cxn ang="0">
+                <a:pos x="connsiteX123" y="connsiteY123"/>
+              </a:cxn>
+              <a:cxn ang="0">
+                <a:pos x="connsiteX124" y="connsiteY124"/>
+              </a:cxn>
+              <a:cxn ang="0">
+                <a:pos x="connsiteX125" y="connsiteY125"/>
+              </a:cxn>
+              <a:cxn ang="0">
+                <a:pos x="connsiteX126" y="connsiteY126"/>
+              </a:cxn>
+              <a:cxn ang="0">
+                <a:pos x="connsiteX127" y="connsiteY127"/>
+              </a:cxn>
+              <a:cxn ang="0">
+                <a:pos x="connsiteX128" y="connsiteY128"/>
+              </a:cxn>
+              <a:cxn ang="0">
+                <a:pos x="connsiteX129" y="connsiteY129"/>
+              </a:cxn>
+              <a:cxn ang="0">
+                <a:pos x="connsiteX130" y="connsiteY130"/>
+              </a:cxn>
+              <a:cxn ang="0">
+                <a:pos x="connsiteX131" y="connsiteY131"/>
+              </a:cxn>
+              <a:cxn ang="0">
+                <a:pos x="connsiteX132" y="connsiteY132"/>
+              </a:cxn>
+              <a:cxn ang="0">
+                <a:pos x="connsiteX133" y="connsiteY133"/>
+              </a:cxn>
+              <a:cxn ang="0">
+                <a:pos x="connsiteX134" y="connsiteY134"/>
+              </a:cxn>
+              <a:cxn ang="0">
+                <a:pos x="connsiteX135" y="connsiteY135"/>
+              </a:cxn>
+              <a:cxn ang="0">
+                <a:pos x="connsiteX136" y="connsiteY136"/>
+              </a:cxn>
+              <a:cxn ang="0">
+                <a:pos x="connsiteX137" y="connsiteY137"/>
+              </a:cxn>
+              <a:cxn ang="0">
+                <a:pos x="connsiteX138" y="connsiteY138"/>
+              </a:cxn>
+              <a:cxn ang="0">
+                <a:pos x="connsiteX139" y="connsiteY139"/>
+              </a:cxn>
+              <a:cxn ang="0">
+                <a:pos x="connsiteX140" y="connsiteY140"/>
+              </a:cxn>
+              <a:cxn ang="0">
+                <a:pos x="connsiteX141" y="connsiteY141"/>
+              </a:cxn>
+              <a:cxn ang="0">
+                <a:pos x="connsiteX142" y="connsiteY142"/>
+              </a:cxn>
+              <a:cxn ang="0">
+                <a:pos x="connsiteX143" y="connsiteY143"/>
+              </a:cxn>
+              <a:cxn ang="0">
+                <a:pos x="connsiteX144" y="connsiteY144"/>
+              </a:cxn>
+              <a:cxn ang="0">
+                <a:pos x="connsiteX145" y="connsiteY145"/>
+              </a:cxn>
+              <a:cxn ang="0">
+                <a:pos x="connsiteX146" y="connsiteY146"/>
+              </a:cxn>
+              <a:cxn ang="0">
+                <a:pos x="connsiteX147" y="connsiteY147"/>
+              </a:cxn>
+              <a:cxn ang="0">
+                <a:pos x="connsiteX148" y="connsiteY148"/>
+              </a:cxn>
             </a:cxnLst>
             <a:rect l="l" t="t" r="r" b="b"/>
             <a:pathLst>
-              <a:path w="4319042" h="6858000">
+              <a:path w="4838076" h="6858000">
                 <a:moveTo>
-                  <a:pt x="0" y="0"/>
+                  <a:pt x="4838076" y="0"/>
                 </a:moveTo>
                 <a:lnTo>
-                  <a:pt x="1142888" y="0"/>
-                </a:lnTo>
-                <a:lnTo>
-                  <a:pt x="4319042" y="6858000"/>
-                </a:lnTo>
-                <a:lnTo>
-                  <a:pt x="0" y="6858000"/>
+                  <a:pt x="4417162" y="0"/>
+                </a:lnTo>
+                <a:lnTo>
+                  <a:pt x="3459219" y="0"/>
+                </a:lnTo>
+                <a:lnTo>
+                  <a:pt x="334174" y="0"/>
+                </a:lnTo>
+                <a:lnTo>
+                  <a:pt x="334173" y="0"/>
+                </a:lnTo>
+                <a:lnTo>
+                  <a:pt x="189795" y="0"/>
+                </a:lnTo>
+                <a:lnTo>
+                  <a:pt x="184756" y="66675"/>
+                </a:lnTo>
+                <a:lnTo>
+                  <a:pt x="176358" y="122237"/>
+                </a:lnTo>
+                <a:lnTo>
+                  <a:pt x="166281" y="174625"/>
+                </a:lnTo>
+                <a:lnTo>
+                  <a:pt x="149485" y="217487"/>
+                </a:lnTo>
+                <a:lnTo>
+                  <a:pt x="132689" y="260350"/>
+                </a:lnTo>
+                <a:lnTo>
+                  <a:pt x="112534" y="296862"/>
+                </a:lnTo>
+                <a:lnTo>
+                  <a:pt x="92379" y="334962"/>
+                </a:lnTo>
+                <a:lnTo>
+                  <a:pt x="73903" y="369887"/>
+                </a:lnTo>
+                <a:lnTo>
+                  <a:pt x="55427" y="409575"/>
+                </a:lnTo>
+                <a:lnTo>
+                  <a:pt x="38632" y="450850"/>
+                </a:lnTo>
+                <a:lnTo>
+                  <a:pt x="23515" y="496887"/>
+                </a:lnTo>
+                <a:lnTo>
+                  <a:pt x="11758" y="546100"/>
+                </a:lnTo>
+                <a:lnTo>
+                  <a:pt x="3359" y="606425"/>
+                </a:lnTo>
+                <a:lnTo>
+                  <a:pt x="0" y="673100"/>
+                </a:lnTo>
+                <a:lnTo>
+                  <a:pt x="3359" y="744537"/>
+                </a:lnTo>
+                <a:lnTo>
+                  <a:pt x="11758" y="801687"/>
+                </a:lnTo>
+                <a:lnTo>
+                  <a:pt x="23515" y="854075"/>
+                </a:lnTo>
+                <a:lnTo>
+                  <a:pt x="38632" y="901700"/>
+                </a:lnTo>
+                <a:lnTo>
+                  <a:pt x="55427" y="942975"/>
+                </a:lnTo>
+                <a:lnTo>
+                  <a:pt x="75583" y="981075"/>
+                </a:lnTo>
+                <a:lnTo>
+                  <a:pt x="95738" y="1017587"/>
+                </a:lnTo>
+                <a:lnTo>
+                  <a:pt x="115893" y="1055687"/>
+                </a:lnTo>
+                <a:lnTo>
+                  <a:pt x="134368" y="1095375"/>
+                </a:lnTo>
+                <a:lnTo>
+                  <a:pt x="152844" y="1136650"/>
+                </a:lnTo>
+                <a:lnTo>
+                  <a:pt x="167960" y="1182687"/>
+                </a:lnTo>
+                <a:lnTo>
+                  <a:pt x="178038" y="1235075"/>
+                </a:lnTo>
+                <a:lnTo>
+                  <a:pt x="188115" y="1295400"/>
+                </a:lnTo>
+                <a:lnTo>
+                  <a:pt x="189795" y="1363662"/>
+                </a:lnTo>
+                <a:lnTo>
+                  <a:pt x="188115" y="1431925"/>
+                </a:lnTo>
+                <a:lnTo>
+                  <a:pt x="178038" y="1492250"/>
+                </a:lnTo>
+                <a:lnTo>
+                  <a:pt x="167960" y="1544637"/>
+                </a:lnTo>
+                <a:lnTo>
+                  <a:pt x="152844" y="1589087"/>
+                </a:lnTo>
+                <a:lnTo>
+                  <a:pt x="134368" y="1631950"/>
+                </a:lnTo>
+                <a:lnTo>
+                  <a:pt x="115893" y="1671637"/>
+                </a:lnTo>
+                <a:lnTo>
+                  <a:pt x="95738" y="1708150"/>
+                </a:lnTo>
+                <a:lnTo>
+                  <a:pt x="75583" y="1743075"/>
+                </a:lnTo>
+                <a:lnTo>
+                  <a:pt x="55427" y="1782762"/>
+                </a:lnTo>
+                <a:lnTo>
+                  <a:pt x="38632" y="1824037"/>
+                </a:lnTo>
+                <a:lnTo>
+                  <a:pt x="23515" y="1870075"/>
+                </a:lnTo>
+                <a:lnTo>
+                  <a:pt x="11758" y="1922462"/>
+                </a:lnTo>
+                <a:lnTo>
+                  <a:pt x="3359" y="1982787"/>
+                </a:lnTo>
+                <a:lnTo>
+                  <a:pt x="0" y="2051050"/>
+                </a:lnTo>
+                <a:lnTo>
+                  <a:pt x="3359" y="2119312"/>
+                </a:lnTo>
+                <a:lnTo>
+                  <a:pt x="11758" y="2179637"/>
+                </a:lnTo>
+                <a:lnTo>
+                  <a:pt x="23515" y="2232025"/>
+                </a:lnTo>
+                <a:lnTo>
+                  <a:pt x="38632" y="2278062"/>
+                </a:lnTo>
+                <a:lnTo>
+                  <a:pt x="55427" y="2319337"/>
+                </a:lnTo>
+                <a:lnTo>
+                  <a:pt x="75583" y="2359025"/>
+                </a:lnTo>
+                <a:lnTo>
+                  <a:pt x="95738" y="2395537"/>
+                </a:lnTo>
+                <a:lnTo>
+                  <a:pt x="115893" y="2433637"/>
+                </a:lnTo>
+                <a:lnTo>
+                  <a:pt x="134368" y="2471737"/>
+                </a:lnTo>
+                <a:lnTo>
+                  <a:pt x="152844" y="2513012"/>
+                </a:lnTo>
+                <a:lnTo>
+                  <a:pt x="167960" y="2560637"/>
+                </a:lnTo>
+                <a:lnTo>
+                  <a:pt x="178038" y="2613025"/>
+                </a:lnTo>
+                <a:lnTo>
+                  <a:pt x="188115" y="2671762"/>
+                </a:lnTo>
+                <a:lnTo>
+                  <a:pt x="189795" y="2741612"/>
+                </a:lnTo>
+                <a:lnTo>
+                  <a:pt x="188115" y="2809875"/>
+                </a:lnTo>
+                <a:lnTo>
+                  <a:pt x="178038" y="2868612"/>
+                </a:lnTo>
+                <a:lnTo>
+                  <a:pt x="167960" y="2922587"/>
+                </a:lnTo>
+                <a:lnTo>
+                  <a:pt x="152844" y="2967037"/>
+                </a:lnTo>
+                <a:lnTo>
+                  <a:pt x="134368" y="3009900"/>
+                </a:lnTo>
+                <a:lnTo>
+                  <a:pt x="115893" y="3046412"/>
+                </a:lnTo>
+                <a:lnTo>
+                  <a:pt x="95738" y="3084512"/>
+                </a:lnTo>
+                <a:lnTo>
+                  <a:pt x="75583" y="3121025"/>
+                </a:lnTo>
+                <a:lnTo>
+                  <a:pt x="55427" y="3160712"/>
+                </a:lnTo>
+                <a:lnTo>
+                  <a:pt x="38632" y="3201987"/>
+                </a:lnTo>
+                <a:lnTo>
+                  <a:pt x="23515" y="3248025"/>
+                </a:lnTo>
+                <a:lnTo>
+                  <a:pt x="11758" y="3300412"/>
+                </a:lnTo>
+                <a:lnTo>
+                  <a:pt x="3359" y="3360737"/>
+                </a:lnTo>
+                <a:lnTo>
+                  <a:pt x="0" y="3427412"/>
+                </a:lnTo>
+                <a:lnTo>
+                  <a:pt x="3359" y="3497262"/>
+                </a:lnTo>
+                <a:lnTo>
+                  <a:pt x="11758" y="3557587"/>
+                </a:lnTo>
+                <a:lnTo>
+                  <a:pt x="23515" y="3609975"/>
+                </a:lnTo>
+                <a:lnTo>
+                  <a:pt x="38632" y="3656012"/>
+                </a:lnTo>
+                <a:lnTo>
+                  <a:pt x="55427" y="3697287"/>
+                </a:lnTo>
+                <a:lnTo>
+                  <a:pt x="75583" y="3736975"/>
+                </a:lnTo>
+                <a:lnTo>
+                  <a:pt x="115893" y="3811587"/>
+                </a:lnTo>
+                <a:lnTo>
+                  <a:pt x="134368" y="3848100"/>
+                </a:lnTo>
+                <a:lnTo>
+                  <a:pt x="152844" y="3890962"/>
+                </a:lnTo>
+                <a:lnTo>
+                  <a:pt x="167960" y="3935412"/>
+                </a:lnTo>
+                <a:lnTo>
+                  <a:pt x="178038" y="3987800"/>
+                </a:lnTo>
+                <a:lnTo>
+                  <a:pt x="188115" y="4048125"/>
+                </a:lnTo>
+                <a:lnTo>
+                  <a:pt x="189795" y="4116387"/>
+                </a:lnTo>
+                <a:lnTo>
+                  <a:pt x="188115" y="4186237"/>
+                </a:lnTo>
+                <a:lnTo>
+                  <a:pt x="178038" y="4244975"/>
+                </a:lnTo>
+                <a:lnTo>
+                  <a:pt x="167960" y="4297362"/>
+                </a:lnTo>
+                <a:lnTo>
+                  <a:pt x="152844" y="4343400"/>
+                </a:lnTo>
+                <a:lnTo>
+                  <a:pt x="134368" y="4386262"/>
+                </a:lnTo>
+                <a:lnTo>
+                  <a:pt x="115893" y="4424362"/>
+                </a:lnTo>
+                <a:lnTo>
+                  <a:pt x="75583" y="4498975"/>
+                </a:lnTo>
+                <a:lnTo>
+                  <a:pt x="55427" y="4537075"/>
+                </a:lnTo>
+                <a:lnTo>
+                  <a:pt x="38632" y="4579937"/>
+                </a:lnTo>
+                <a:lnTo>
+                  <a:pt x="23515" y="4625975"/>
+                </a:lnTo>
+                <a:lnTo>
+                  <a:pt x="11758" y="4678362"/>
+                </a:lnTo>
+                <a:lnTo>
+                  <a:pt x="3359" y="4738687"/>
+                </a:lnTo>
+                <a:lnTo>
+                  <a:pt x="0" y="4806950"/>
+                </a:lnTo>
+                <a:lnTo>
+                  <a:pt x="3359" y="4875212"/>
+                </a:lnTo>
+                <a:lnTo>
+                  <a:pt x="11758" y="4935537"/>
+                </a:lnTo>
+                <a:lnTo>
+                  <a:pt x="23515" y="4987925"/>
+                </a:lnTo>
+                <a:lnTo>
+                  <a:pt x="38632" y="5033962"/>
+                </a:lnTo>
+                <a:lnTo>
+                  <a:pt x="55427" y="5075237"/>
+                </a:lnTo>
+                <a:lnTo>
+                  <a:pt x="75583" y="5114925"/>
+                </a:lnTo>
+                <a:lnTo>
+                  <a:pt x="95738" y="5149850"/>
+                </a:lnTo>
+                <a:lnTo>
+                  <a:pt x="115893" y="5186362"/>
+                </a:lnTo>
+                <a:lnTo>
+                  <a:pt x="134368" y="5226050"/>
+                </a:lnTo>
+                <a:lnTo>
+                  <a:pt x="152844" y="5268912"/>
+                </a:lnTo>
+                <a:lnTo>
+                  <a:pt x="167960" y="5313362"/>
+                </a:lnTo>
+                <a:lnTo>
+                  <a:pt x="178038" y="5365750"/>
+                </a:lnTo>
+                <a:lnTo>
+                  <a:pt x="188115" y="5426075"/>
+                </a:lnTo>
+                <a:lnTo>
+                  <a:pt x="189795" y="5494337"/>
+                </a:lnTo>
+                <a:lnTo>
+                  <a:pt x="188115" y="5562600"/>
+                </a:lnTo>
+                <a:lnTo>
+                  <a:pt x="178038" y="5622925"/>
+                </a:lnTo>
+                <a:lnTo>
+                  <a:pt x="167960" y="5675312"/>
+                </a:lnTo>
+                <a:lnTo>
+                  <a:pt x="152844" y="5721350"/>
+                </a:lnTo>
+                <a:lnTo>
+                  <a:pt x="134368" y="5762625"/>
+                </a:lnTo>
+                <a:lnTo>
+                  <a:pt x="115893" y="5802312"/>
+                </a:lnTo>
+                <a:lnTo>
+                  <a:pt x="95738" y="5840412"/>
+                </a:lnTo>
+                <a:lnTo>
+                  <a:pt x="75583" y="5876925"/>
+                </a:lnTo>
+                <a:lnTo>
+                  <a:pt x="55427" y="5915025"/>
+                </a:lnTo>
+                <a:lnTo>
+                  <a:pt x="38632" y="5956300"/>
+                </a:lnTo>
+                <a:lnTo>
+                  <a:pt x="23515" y="6003925"/>
+                </a:lnTo>
+                <a:lnTo>
+                  <a:pt x="11758" y="6056312"/>
+                </a:lnTo>
+                <a:lnTo>
+                  <a:pt x="3359" y="6113462"/>
+                </a:lnTo>
+                <a:lnTo>
+                  <a:pt x="0" y="6183312"/>
+                </a:lnTo>
+                <a:lnTo>
+                  <a:pt x="3359" y="6251575"/>
+                </a:lnTo>
+                <a:lnTo>
+                  <a:pt x="11758" y="6311900"/>
+                </a:lnTo>
+                <a:lnTo>
+                  <a:pt x="23515" y="6361112"/>
+                </a:lnTo>
+                <a:lnTo>
+                  <a:pt x="38632" y="6407150"/>
+                </a:lnTo>
+                <a:lnTo>
+                  <a:pt x="55427" y="6448425"/>
+                </a:lnTo>
+                <a:lnTo>
+                  <a:pt x="73903" y="6488112"/>
+                </a:lnTo>
+                <a:lnTo>
+                  <a:pt x="92379" y="6523037"/>
+                </a:lnTo>
+                <a:lnTo>
+                  <a:pt x="112534" y="6561137"/>
+                </a:lnTo>
+                <a:lnTo>
+                  <a:pt x="132689" y="6597650"/>
+                </a:lnTo>
+                <a:lnTo>
+                  <a:pt x="149485" y="6640512"/>
+                </a:lnTo>
+                <a:lnTo>
+                  <a:pt x="166281" y="6683375"/>
+                </a:lnTo>
+                <a:lnTo>
+                  <a:pt x="176358" y="6735762"/>
+                </a:lnTo>
+                <a:lnTo>
+                  <a:pt x="184756" y="6791325"/>
+                </a:lnTo>
+                <a:lnTo>
+                  <a:pt x="189795" y="6858000"/>
+                </a:lnTo>
+                <a:lnTo>
+                  <a:pt x="334173" y="6858000"/>
+                </a:lnTo>
+                <a:lnTo>
+                  <a:pt x="334174" y="6858000"/>
+                </a:lnTo>
+                <a:lnTo>
+                  <a:pt x="3459219" y="6858000"/>
+                </a:lnTo>
+                <a:lnTo>
+                  <a:pt x="4417162" y="6858000"/>
+                </a:lnTo>
+                <a:lnTo>
+                  <a:pt x="4838076" y="6858000"/>
                 </a:lnTo>
                 <a:close/>
               </a:path>
             </a:pathLst>
           </a:custGeom>
           <a:solidFill>
-            <a:schemeClr val="bg1">
-              <a:alpha val="35000"/>
+            <a:schemeClr val="accent1">
+              <a:lumMod val="50000"/>
+              <a:alpha val="25000"/>
             </a:schemeClr>
           </a:solidFill>
           <a:ln>
@@ -6553,7 +11741,7 @@
           <a:lstStyle/>
           <a:p>
             <a:pPr algn="ctr"/>
-            <a:endParaRPr lang="en-US"/>
+            <a:endParaRPr lang="en-US" dirty="0"/>
           </a:p>
         </p:txBody>
       </p:sp>
@@ -6575,24 +11763,30 @@
         </p:nvSpPr>
         <p:spPr>
           <a:xfrm>
-            <a:off x="804672" y="640263"/>
-            <a:ext cx="5221266" cy="1344975"/>
+            <a:off x="765051" y="662400"/>
+            <a:ext cx="3384000" cy="1492132"/>
           </a:xfrm>
         </p:spPr>
         <p:txBody>
-          <a:bodyPr>
+          <a:bodyPr anchor="t">
             <a:normAutofit/>
           </a:bodyPr>
           <a:lstStyle/>
           <a:p>
             <a:r>
-              <a:rPr lang="en-GB" sz="4000" b="1">
+              <a:rPr lang="en-GB" b="1">
+                <a:solidFill>
+                  <a:schemeClr val="bg1"/>
+                </a:solidFill>
                 <a:ea typeface="+mj-lt"/>
                 <a:cs typeface="+mj-lt"/>
               </a:rPr>
               <a:t>WORKING ON THE DATA</a:t>
             </a:r>
-            <a:endParaRPr lang="en-GB" sz="4000">
+            <a:endParaRPr lang="en-GB">
+              <a:solidFill>
+                <a:schemeClr val="bg1"/>
+              </a:solidFill>
               <a:ea typeface="+mj-lt"/>
               <a:cs typeface="+mj-lt"/>
             </a:endParaRPr>
@@ -6617,8 +11811,8 @@
         </p:nvSpPr>
         <p:spPr>
           <a:xfrm>
-            <a:off x="804672" y="2121763"/>
-            <a:ext cx="5235490" cy="3773010"/>
+            <a:off x="765051" y="2286000"/>
+            <a:ext cx="3384000" cy="3844800"/>
           </a:xfrm>
         </p:spPr>
         <p:txBody>
@@ -6630,17 +11824,34 @@
             <a:pPr algn="just"/>
             <a:r>
               <a:rPr lang="en-GB" sz="2000" dirty="0">
+                <a:solidFill>
+                  <a:schemeClr val="bg1">
+                    <a:alpha val="60000"/>
+                  </a:schemeClr>
+                </a:solidFill>
                 <a:ea typeface="+mn-lt"/>
                 <a:cs typeface="+mn-lt"/>
               </a:rPr>
               <a:t>For the second dataset, I created a neural network to take in the MRI images and predict the disease.</a:t>
             </a:r>
-            <a:endParaRPr lang="en-US" dirty="0"/>
+            <a:endParaRPr lang="en-US" sz="2000" dirty="0">
+              <a:solidFill>
+                <a:schemeClr val="bg1">
+                  <a:alpha val="60000"/>
+                </a:schemeClr>
+              </a:solidFill>
+              <a:cs typeface="Calibri" panose="020F0502020204030204"/>
+            </a:endParaRPr>
           </a:p>
           <a:p>
             <a:pPr algn="just"/>
             <a:r>
               <a:rPr lang="en-GB" sz="2000" dirty="0">
+                <a:solidFill>
+                  <a:schemeClr val="bg1">
+                    <a:alpha val="60000"/>
+                  </a:schemeClr>
+                </a:solidFill>
                 <a:ea typeface="+mn-lt"/>
                 <a:cs typeface="+mn-lt"/>
               </a:rPr>
@@ -6652,6 +11863,11 @@
               <a:buNone/>
             </a:pPr>
             <a:endParaRPr lang="en-GB" sz="2000">
+              <a:solidFill>
+                <a:srgbClr val="FFFFFF">
+                  <a:alpha val="60000"/>
+                </a:srgbClr>
+              </a:solidFill>
               <a:ea typeface="+mn-lt"/>
               <a:cs typeface="+mn-lt"/>
             </a:endParaRPr>
@@ -6661,6 +11877,11 @@
               <a:buNone/>
             </a:pPr>
             <a:endParaRPr lang="en-GB" sz="2000">
+              <a:solidFill>
+                <a:srgbClr val="FFFFFF">
+                  <a:alpha val="60000"/>
+                </a:srgbClr>
+              </a:solidFill>
               <a:ea typeface="+mn-lt"/>
               <a:cs typeface="+mn-lt"/>
             </a:endParaRPr>
@@ -6668,6 +11889,11 @@
           <a:p>
             <a:pPr algn="just"/>
             <a:endParaRPr lang="en-GB" sz="2000">
+              <a:solidFill>
+                <a:srgbClr val="FFFFFF">
+                  <a:alpha val="60000"/>
+                </a:srgbClr>
+              </a:solidFill>
               <a:cs typeface="Calibri" panose="020F0502020204030204"/>
             </a:endParaRPr>
           </a:p>
@@ -6675,10 +11901,10 @@
       </p:sp>
       <p:pic>
         <p:nvPicPr>
-          <p:cNvPr id="4" name="Picture 4" descr="Text&#10;&#10;Description automatically generated">
+          <p:cNvPr id="8" name="Picture 8" descr="Table&#10;&#10;Description automatically generated">
             <a:extLst>
               <a:ext uri="{FF2B5EF4-FFF2-40B4-BE49-F238E27FC236}">
-                <a16:creationId xmlns:a16="http://schemas.microsoft.com/office/drawing/2014/main" id="{3EC1AE90-F300-C7DD-95F8-3D5C293B9916}"/>
+                <a16:creationId xmlns:a16="http://schemas.microsoft.com/office/drawing/2014/main" id="{3C7C809D-DA20-0C57-2F25-EA4874A49884}"/>
               </a:ext>
             </a:extLst>
           </p:cNvPr>
@@ -6695,38 +11921,8 @@
         </p:blipFill>
         <p:spPr>
           <a:xfrm>
-            <a:off x="6470293" y="292723"/>
-            <a:ext cx="5717575" cy="878235"/>
-          </a:xfrm>
-          <a:prstGeom prst="rect">
-            <a:avLst/>
-          </a:prstGeom>
-        </p:spPr>
-      </p:pic>
-      <p:pic>
-        <p:nvPicPr>
-          <p:cNvPr id="6" name="Picture 6" descr="Table&#10;&#10;Description automatically generated">
-            <a:extLst>
-              <a:ext uri="{FF2B5EF4-FFF2-40B4-BE49-F238E27FC236}">
-                <a16:creationId xmlns:a16="http://schemas.microsoft.com/office/drawing/2014/main" id="{36AA8868-7272-7335-BFAD-5FB8D047666D}"/>
-              </a:ext>
-            </a:extLst>
-          </p:cNvPr>
-          <p:cNvPicPr>
-            <a:picLocks noChangeAspect="1"/>
-          </p:cNvPicPr>
-          <p:nvPr/>
-        </p:nvPicPr>
-        <p:blipFill>
-          <a:blip r:embed="rId3"/>
-          <a:stretch>
-            <a:fillRect/>
-          </a:stretch>
-        </p:blipFill>
-        <p:spPr>
-          <a:xfrm>
-            <a:off x="7120690" y="1558932"/>
-            <a:ext cx="4537910" cy="4963347"/>
+            <a:off x="5411053" y="1632262"/>
+            <a:ext cx="6014185" cy="3593476"/>
           </a:xfrm>
           <a:prstGeom prst="rect">
             <a:avLst/>
@@ -6741,7 +11937,7 @@
     </p:extLst>
   </p:cSld>
   <p:clrMapOvr>
-    <a:overrideClrMapping bg1="dk1" tx1="lt1" bg2="dk2" tx2="lt2" accent1="accent1" accent2="accent2" accent3="accent3" accent4="accent4" accent5="accent5" accent6="accent6" hlink="hlink" folHlink="folHlink"/>
+    <a:masterClrMapping/>
   </p:clrMapOvr>
 </p:sld>
 </file>
@@ -7028,7 +12224,25 @@
                 </a:solidFill>
                 <a:cs typeface="Calibri"/>
               </a:rPr>
-              <a:t>Although the accuracy of the algorithm is around 76%, it can definitely be improved by testing a bit more on the dataset.</a:t>
+              <a:t>Although the accuracy of the algorithm is </a:t>
+            </a:r>
+            <a:r>
+              <a:rPr lang="en-GB" sz="2000">
+                <a:solidFill>
+                  <a:schemeClr val="bg1"/>
+                </a:solidFill>
+                <a:cs typeface="Calibri"/>
+              </a:rPr>
+              <a:t>around 79%, it can definitely be improved </a:t>
+            </a:r>
+            <a:r>
+              <a:rPr lang="en-GB" sz="2000" dirty="0">
+                <a:solidFill>
+                  <a:schemeClr val="bg1"/>
+                </a:solidFill>
+                <a:cs typeface="Calibri"/>
+              </a:rPr>
+              <a:t>by testing a bit more on the dataset.</a:t>
             </a:r>
             <a:endParaRPr lang="en-US" dirty="0">
               <a:solidFill>

--- a/Class presentation.pptx
+++ b/Class presentation.pptx
@@ -13,7 +13,8 @@
     <p:sldId id="260" r:id="rId7"/>
     <p:sldId id="265" r:id="rId8"/>
     <p:sldId id="266" r:id="rId9"/>
-    <p:sldId id="259" r:id="rId10"/>
+    <p:sldId id="268" r:id="rId10"/>
+    <p:sldId id="259" r:id="rId11"/>
   </p:sldIdLst>
   <p:sldSz cx="12192000" cy="6858000"/>
   <p:notesSz cx="6858000" cy="9144000"/>
@@ -124,7 +125,7 @@
 <p1510:revInfo xmlns:a="http://schemas.openxmlformats.org/drawingml/2006/main" xmlns:r="http://schemas.openxmlformats.org/officeDocument/2006/relationships" xmlns:p1510="http://schemas.microsoft.com/office/powerpoint/2015/10/main">
   <p1510:revLst>
     <p1510:client id="{33488A58-36A7-419D-A329-9EB37F06D14A}" v="1294" dt="2022-11-14T04:24:45.628"/>
-    <p1510:client id="{DB25EFA3-1E0B-4840-8804-42792B90A879}" v="113" dt="2022-12-11T19:53:19.282"/>
+    <p1510:client id="{DB25EFA3-1E0B-4840-8804-42792B90A879}" v="123" dt="2022-12-12T01:01:22.279"/>
   </p1510:revLst>
 </p1510:revInfo>
 </file>
@@ -6135,6 +6136,380 @@
 </p:sld>
 </file>
 
+<file path=ppt/slides/slide10.xml><?xml version="1.0" encoding="utf-8"?>
+<p:sld xmlns:a="http://schemas.openxmlformats.org/drawingml/2006/main" xmlns:r="http://schemas.openxmlformats.org/officeDocument/2006/relationships" xmlns:p="http://schemas.openxmlformats.org/presentationml/2006/main">
+  <p:cSld>
+    <p:bg>
+      <p:bgPr>
+        <a:solidFill>
+          <a:schemeClr val="bg1"/>
+        </a:solidFill>
+        <a:effectLst/>
+      </p:bgPr>
+    </p:bg>
+    <p:spTree>
+      <p:nvGrpSpPr>
+        <p:cNvPr id="1" name=""/>
+        <p:cNvGrpSpPr/>
+        <p:nvPr/>
+      </p:nvGrpSpPr>
+      <p:grpSpPr>
+        <a:xfrm>
+          <a:off x="0" y="0"/>
+          <a:ext cx="0" cy="0"/>
+          <a:chOff x="0" y="0"/>
+          <a:chExt cx="0" cy="0"/>
+        </a:xfrm>
+      </p:grpSpPr>
+      <p:sp>
+        <p:nvSpPr>
+          <p:cNvPr id="15" name="Rectangle 7">
+            <a:extLst>
+              <a:ext uri="{FF2B5EF4-FFF2-40B4-BE49-F238E27FC236}">
+                <a16:creationId xmlns:a16="http://schemas.microsoft.com/office/drawing/2014/main" id="{E8A8EAB8-D2FF-444D-B34B-7D32F106AD0E}"/>
+              </a:ext>
+              <a:ext uri="{C183D7F6-B498-43B3-948B-1728B52AA6E4}">
+                <adec:decorative xmlns:adec="http://schemas.microsoft.com/office/drawing/2017/decorative" val="1"/>
+              </a:ext>
+            </a:extLst>
+          </p:cNvPr>
+          <p:cNvSpPr>
+            <a:spLocks noGrp="1" noRot="1" noChangeAspect="1" noMove="1" noResize="1" noEditPoints="1" noAdjustHandles="1" noChangeArrowheads="1" noChangeShapeType="1" noTextEdit="1"/>
+          </p:cNvSpPr>
+          <p:nvPr>
+            <p:extLst>
+              <p:ext uri="{386F3935-93C4-4BCD-93E2-E3B085C9AB24}">
+                <p16:designElem xmlns:p16="http://schemas.microsoft.com/office/powerpoint/2015/main" val="1"/>
+              </p:ext>
+            </p:extLst>
+          </p:nvPr>
+        </p:nvSpPr>
+        <p:spPr>
+          <a:xfrm>
+            <a:off x="0" y="0"/>
+            <a:ext cx="12192000" cy="6858000"/>
+          </a:xfrm>
+          <a:prstGeom prst="rect">
+            <a:avLst/>
+          </a:prstGeom>
+          <a:solidFill>
+            <a:schemeClr val="tx1">
+              <a:lumMod val="95000"/>
+              <a:lumOff val="5000"/>
+            </a:schemeClr>
+          </a:solidFill>
+          <a:ln>
+            <a:noFill/>
+          </a:ln>
+        </p:spPr>
+        <p:style>
+          <a:lnRef idx="2">
+            <a:schemeClr val="accent1">
+              <a:shade val="50000"/>
+            </a:schemeClr>
+          </a:lnRef>
+          <a:fillRef idx="1">
+            <a:schemeClr val="accent1"/>
+          </a:fillRef>
+          <a:effectRef idx="0">
+            <a:schemeClr val="accent1"/>
+          </a:effectRef>
+          <a:fontRef idx="minor">
+            <a:schemeClr val="lt1"/>
+          </a:fontRef>
+        </p:style>
+        <p:txBody>
+          <a:bodyPr rtlCol="0" anchor="ctr"/>
+          <a:lstStyle/>
+          <a:p>
+            <a:pPr algn="ctr"/>
+            <a:endParaRPr lang="en-US" dirty="0">
+              <a:solidFill>
+                <a:schemeClr val="bg1"/>
+              </a:solidFill>
+            </a:endParaRPr>
+          </a:p>
+        </p:txBody>
+      </p:sp>
+      <p:sp>
+        <p:nvSpPr>
+          <p:cNvPr id="2" name="Title 1">
+            <a:extLst>
+              <a:ext uri="{FF2B5EF4-FFF2-40B4-BE49-F238E27FC236}">
+                <a16:creationId xmlns:a16="http://schemas.microsoft.com/office/drawing/2014/main" id="{082EFC5E-15E1-B10C-8F1F-792C47E2DABB}"/>
+              </a:ext>
+            </a:extLst>
+          </p:cNvPr>
+          <p:cNvSpPr>
+            <a:spLocks noGrp="1"/>
+          </p:cNvSpPr>
+          <p:nvPr>
+            <p:ph type="title"/>
+          </p:nvPr>
+        </p:nvSpPr>
+        <p:spPr>
+          <a:xfrm>
+            <a:off x="1014141" y="1450655"/>
+            <a:ext cx="3932030" cy="3956690"/>
+          </a:xfrm>
+        </p:spPr>
+        <p:txBody>
+          <a:bodyPr anchor="ctr">
+            <a:normAutofit/>
+          </a:bodyPr>
+          <a:lstStyle/>
+          <a:p>
+            <a:r>
+              <a:rPr lang="en-GB" sz="5000" b="1">
+                <a:solidFill>
+                  <a:schemeClr val="bg1"/>
+                </a:solidFill>
+                <a:ea typeface="+mj-lt"/>
+                <a:cs typeface="+mj-lt"/>
+              </a:rPr>
+              <a:t>CONCLUSION</a:t>
+            </a:r>
+            <a:endParaRPr lang="en-US" sz="5000" b="1">
+              <a:solidFill>
+                <a:schemeClr val="bg1"/>
+              </a:solidFill>
+              <a:cs typeface="Calibri Light"/>
+            </a:endParaRPr>
+          </a:p>
+        </p:txBody>
+      </p:sp>
+      <p:cxnSp>
+        <p:nvCxnSpPr>
+          <p:cNvPr id="19" name="Straight Connector 9">
+            <a:extLst>
+              <a:ext uri="{FF2B5EF4-FFF2-40B4-BE49-F238E27FC236}">
+                <a16:creationId xmlns:a16="http://schemas.microsoft.com/office/drawing/2014/main" id="{067633D1-6EE6-4118-B9F0-B363477BEE7A}"/>
+              </a:ext>
+              <a:ext uri="{C183D7F6-B498-43B3-948B-1728B52AA6E4}">
+                <adec:decorative xmlns:adec="http://schemas.microsoft.com/office/drawing/2017/decorative" val="1"/>
+              </a:ext>
+            </a:extLst>
+          </p:cNvPr>
+          <p:cNvCxnSpPr>
+            <a:cxnSpLocks noGrp="1" noRot="1" noChangeAspect="1" noMove="1" noResize="1" noEditPoints="1" noAdjustHandles="1" noChangeArrowheads="1" noChangeShapeType="1"/>
+          </p:cNvCxnSpPr>
+          <p:nvPr>
+            <p:extLst>
+              <p:ext uri="{386F3935-93C4-4BCD-93E2-E3B085C9AB24}">
+                <p16:designElem xmlns:p16="http://schemas.microsoft.com/office/powerpoint/2015/main" val="1"/>
+              </p:ext>
+            </p:extLst>
+          </p:nvPr>
+        </p:nvCxnSpPr>
+        <p:spPr>
+          <a:xfrm flipH="1">
+            <a:off x="1014141" y="1450655"/>
+            <a:ext cx="3932030" cy="0"/>
+          </a:xfrm>
+          <a:prstGeom prst="line">
+            <a:avLst/>
+          </a:prstGeom>
+          <a:ln w="12700">
+            <a:solidFill>
+              <a:schemeClr val="accent2"/>
+            </a:solidFill>
+          </a:ln>
+        </p:spPr>
+        <p:style>
+          <a:lnRef idx="1">
+            <a:schemeClr val="accent1"/>
+          </a:lnRef>
+          <a:fillRef idx="0">
+            <a:schemeClr val="accent1"/>
+          </a:fillRef>
+          <a:effectRef idx="0">
+            <a:schemeClr val="accent1"/>
+          </a:effectRef>
+          <a:fontRef idx="minor">
+            <a:schemeClr val="tx1"/>
+          </a:fontRef>
+        </p:style>
+      </p:cxnSp>
+      <p:cxnSp>
+        <p:nvCxnSpPr>
+          <p:cNvPr id="21" name="Straight Connector 11">
+            <a:extLst>
+              <a:ext uri="{FF2B5EF4-FFF2-40B4-BE49-F238E27FC236}">
+                <a16:creationId xmlns:a16="http://schemas.microsoft.com/office/drawing/2014/main" id="{4AD7FFC6-42A9-49CB-B5E9-B3F6B038331B}"/>
+              </a:ext>
+              <a:ext uri="{C183D7F6-B498-43B3-948B-1728B52AA6E4}">
+                <adec:decorative xmlns:adec="http://schemas.microsoft.com/office/drawing/2017/decorative" val="1"/>
+              </a:ext>
+            </a:extLst>
+          </p:cNvPr>
+          <p:cNvCxnSpPr>
+            <a:cxnSpLocks noGrp="1" noRot="1" noChangeAspect="1" noMove="1" noResize="1" noEditPoints="1" noAdjustHandles="1" noChangeArrowheads="1" noChangeShapeType="1"/>
+          </p:cNvCxnSpPr>
+          <p:nvPr>
+            <p:extLst>
+              <p:ext uri="{386F3935-93C4-4BCD-93E2-E3B085C9AB24}">
+                <p16:designElem xmlns:p16="http://schemas.microsoft.com/office/powerpoint/2015/main" val="1"/>
+              </p:ext>
+            </p:extLst>
+          </p:nvPr>
+        </p:nvCxnSpPr>
+        <p:spPr>
+          <a:xfrm flipH="1">
+            <a:off x="1014141" y="5408571"/>
+            <a:ext cx="3932030" cy="0"/>
+          </a:xfrm>
+          <a:prstGeom prst="line">
+            <a:avLst/>
+          </a:prstGeom>
+          <a:ln w="12700">
+            <a:solidFill>
+              <a:schemeClr val="accent2"/>
+            </a:solidFill>
+          </a:ln>
+        </p:spPr>
+        <p:style>
+          <a:lnRef idx="1">
+            <a:schemeClr val="accent1"/>
+          </a:lnRef>
+          <a:fillRef idx="0">
+            <a:schemeClr val="accent1"/>
+          </a:fillRef>
+          <a:effectRef idx="0">
+            <a:schemeClr val="accent1"/>
+          </a:effectRef>
+          <a:fontRef idx="minor">
+            <a:schemeClr val="tx1"/>
+          </a:fontRef>
+        </p:style>
+      </p:cxnSp>
+      <p:sp>
+        <p:nvSpPr>
+          <p:cNvPr id="3" name="Content Placeholder 2">
+            <a:extLst>
+              <a:ext uri="{FF2B5EF4-FFF2-40B4-BE49-F238E27FC236}">
+                <a16:creationId xmlns:a16="http://schemas.microsoft.com/office/drawing/2014/main" id="{0BE7DF99-53AF-5C42-9200-6D6D416117BB}"/>
+              </a:ext>
+            </a:extLst>
+          </p:cNvPr>
+          <p:cNvSpPr>
+            <a:spLocks noGrp="1"/>
+          </p:cNvSpPr>
+          <p:nvPr>
+            <p:ph idx="1"/>
+          </p:nvPr>
+        </p:nvSpPr>
+        <p:spPr>
+          <a:xfrm>
+            <a:off x="6096000" y="1108061"/>
+            <a:ext cx="5008901" cy="4571972"/>
+          </a:xfrm>
+        </p:spPr>
+        <p:txBody>
+          <a:bodyPr vert="horz" lIns="91440" tIns="45720" rIns="91440" bIns="45720" rtlCol="0" anchor="ctr">
+            <a:normAutofit/>
+          </a:bodyPr>
+          <a:lstStyle/>
+          <a:p>
+            <a:pPr algn="just"/>
+            <a:r>
+              <a:rPr lang="en-GB" sz="2000" dirty="0">
+                <a:solidFill>
+                  <a:schemeClr val="bg1"/>
+                </a:solidFill>
+                <a:cs typeface="Calibri"/>
+              </a:rPr>
+              <a:t>Although the accuracy of the algorithm is </a:t>
+            </a:r>
+            <a:r>
+              <a:rPr lang="en-GB" sz="2000">
+                <a:solidFill>
+                  <a:schemeClr val="bg1"/>
+                </a:solidFill>
+                <a:cs typeface="Calibri"/>
+              </a:rPr>
+              <a:t>around 79%, it can definitely be improved </a:t>
+            </a:r>
+            <a:r>
+              <a:rPr lang="en-GB" sz="2000" dirty="0">
+                <a:solidFill>
+                  <a:schemeClr val="bg1"/>
+                </a:solidFill>
+                <a:cs typeface="Calibri"/>
+              </a:rPr>
+              <a:t>by testing a bit more on the dataset.</a:t>
+            </a:r>
+            <a:endParaRPr lang="en-US" dirty="0">
+              <a:solidFill>
+                <a:schemeClr val="bg1"/>
+              </a:solidFill>
+            </a:endParaRPr>
+          </a:p>
+          <a:p>
+            <a:pPr algn="just"/>
+            <a:r>
+              <a:rPr lang="en-GB" sz="2000" dirty="0">
+                <a:solidFill>
+                  <a:schemeClr val="bg1"/>
+                </a:solidFill>
+                <a:cs typeface="Calibri"/>
+              </a:rPr>
+              <a:t>According to my calculations we can improve the accuracy to around 80%.</a:t>
+            </a:r>
+          </a:p>
+          <a:p>
+            <a:pPr algn="just"/>
+            <a:r>
+              <a:rPr lang="en-GB" sz="2000" dirty="0">
+                <a:solidFill>
+                  <a:schemeClr val="bg1"/>
+                </a:solidFill>
+                <a:cs typeface="Calibri"/>
+              </a:rPr>
+              <a:t>This makes is closer to the accuracy of the first dataset.</a:t>
+            </a:r>
+          </a:p>
+          <a:p>
+            <a:pPr algn="just"/>
+            <a:endParaRPr lang="en-GB" sz="2000">
+              <a:solidFill>
+                <a:schemeClr val="bg1"/>
+              </a:solidFill>
+              <a:cs typeface="Calibri"/>
+            </a:endParaRPr>
+          </a:p>
+          <a:p>
+            <a:pPr algn="just"/>
+            <a:endParaRPr lang="en-GB" sz="2000">
+              <a:solidFill>
+                <a:schemeClr val="bg1"/>
+              </a:solidFill>
+              <a:cs typeface="Calibri"/>
+            </a:endParaRPr>
+          </a:p>
+          <a:p>
+            <a:pPr algn="just"/>
+            <a:endParaRPr lang="en-GB" sz="2000">
+              <a:solidFill>
+                <a:schemeClr val="bg1"/>
+              </a:solidFill>
+              <a:cs typeface="Calibri"/>
+            </a:endParaRPr>
+          </a:p>
+        </p:txBody>
+      </p:sp>
+    </p:spTree>
+    <p:extLst>
+      <p:ext uri="{BB962C8B-B14F-4D97-AF65-F5344CB8AC3E}">
+        <p14:creationId xmlns:p14="http://schemas.microsoft.com/office/powerpoint/2010/main" val="187359538"/>
+      </p:ext>
+    </p:extLst>
+  </p:cSld>
+  <p:clrMapOvr>
+    <a:masterClrMapping/>
+  </p:clrMapOvr>
+</p:sld>
+</file>
+
 <file path=ppt/slides/slide2.xml><?xml version="1.0" encoding="utf-8"?>
 <p:sld xmlns:a="http://schemas.openxmlformats.org/drawingml/2006/main" xmlns:r="http://schemas.openxmlformats.org/officeDocument/2006/relationships" xmlns:p="http://schemas.openxmlformats.org/presentationml/2006/main">
   <p:cSld>
@@ -11825,20 +12200,16 @@
             <a:r>
               <a:rPr lang="en-GB" sz="2000" dirty="0">
                 <a:solidFill>
-                  <a:schemeClr val="bg1">
-                    <a:alpha val="60000"/>
-                  </a:schemeClr>
+                  <a:schemeClr val="bg1"/>
                 </a:solidFill>
                 <a:ea typeface="+mn-lt"/>
                 <a:cs typeface="+mn-lt"/>
               </a:rPr>
               <a:t>For the second dataset, I created a neural network to take in the MRI images and predict the disease.</a:t>
             </a:r>
-            <a:endParaRPr lang="en-US" sz="2000" dirty="0">
+            <a:endParaRPr lang="en-US" sz="2000">
               <a:solidFill>
-                <a:schemeClr val="bg1">
-                  <a:alpha val="60000"/>
-                </a:schemeClr>
+                <a:schemeClr val="bg1"/>
               </a:solidFill>
               <a:cs typeface="Calibri" panose="020F0502020204030204"/>
             </a:endParaRPr>
@@ -11848,9 +12219,7 @@
             <a:r>
               <a:rPr lang="en-GB" sz="2000" dirty="0">
                 <a:solidFill>
-                  <a:schemeClr val="bg1">
-                    <a:alpha val="60000"/>
-                  </a:schemeClr>
+                  <a:schemeClr val="bg1"/>
                 </a:solidFill>
                 <a:ea typeface="+mn-lt"/>
                 <a:cs typeface="+mn-lt"/>
@@ -11969,10 +12338,10 @@
       </p:grpSpPr>
       <p:sp>
         <p:nvSpPr>
-          <p:cNvPr id="15" name="Rectangle 7">
+          <p:cNvPr id="9" name="Down Arrow 7">
             <a:extLst>
               <a:ext uri="{FF2B5EF4-FFF2-40B4-BE49-F238E27FC236}">
-                <a16:creationId xmlns:a16="http://schemas.microsoft.com/office/drawing/2014/main" id="{E8A8EAB8-D2FF-444D-B34B-7D32F106AD0E}"/>
+                <a16:creationId xmlns:a16="http://schemas.microsoft.com/office/drawing/2014/main" id="{D4771268-CB57-404A-9271-370EB28F6090}"/>
               </a:ext>
               <a:ext uri="{C183D7F6-B498-43B3-948B-1728B52AA6E4}">
                 <adec:decorative xmlns:adec="http://schemas.microsoft.com/office/drawing/2017/decorative" val="1"/>
@@ -11991,20 +12360,20 @@
           </p:nvPr>
         </p:nvSpPr>
         <p:spPr>
-          <a:xfrm>
-            <a:off x="0" y="0"/>
-            <a:ext cx="12192000" cy="6858000"/>
+          <a:xfrm rot="16200000">
+            <a:off x="800100" y="1491343"/>
+            <a:ext cx="3333749" cy="3499103"/>
           </a:xfrm>
-          <a:prstGeom prst="rect">
-            <a:avLst/>
+          <a:prstGeom prst="downArrow">
+            <a:avLst>
+              <a:gd name="adj1" fmla="val 100000"/>
+              <a:gd name="adj2" fmla="val 15788"/>
+            </a:avLst>
           </a:prstGeom>
           <a:solidFill>
-            <a:schemeClr val="tx1">
-              <a:lumMod val="95000"/>
-              <a:lumOff val="5000"/>
-            </a:schemeClr>
+            <a:srgbClr val="404040"/>
           </a:solidFill>
-          <a:ln>
+          <a:ln w="53975">
             <a:noFill/>
           </a:ln>
         </p:spPr>
@@ -12029,11 +12398,7 @@
           <a:lstStyle/>
           <a:p>
             <a:pPr algn="ctr"/>
-            <a:endParaRPr lang="en-US" dirty="0">
-              <a:solidFill>
-                <a:schemeClr val="bg1"/>
-              </a:solidFill>
-            </a:endParaRPr>
+            <a:endParaRPr lang="en-US"/>
           </a:p>
         </p:txBody>
       </p:sp>
@@ -12042,7 +12407,7 @@
           <p:cNvPr id="2" name="Title 1">
             <a:extLst>
               <a:ext uri="{FF2B5EF4-FFF2-40B4-BE49-F238E27FC236}">
-                <a16:creationId xmlns:a16="http://schemas.microsoft.com/office/drawing/2014/main" id="{082EFC5E-15E1-B10C-8F1F-792C47E2DABB}"/>
+                <a16:creationId xmlns:a16="http://schemas.microsoft.com/office/drawing/2014/main" id="{FDC75208-0229-B5F5-B916-960F48BF117D}"/>
               </a:ext>
             </a:extLst>
           </p:cNvPr>
@@ -12055,160 +12420,10 @@
         </p:nvSpPr>
         <p:spPr>
           <a:xfrm>
-            <a:off x="1014141" y="1450655"/>
-            <a:ext cx="3932030" cy="3956690"/>
+            <a:off x="1028700" y="1967266"/>
+            <a:ext cx="2628900" cy="2547257"/>
           </a:xfrm>
-        </p:spPr>
-        <p:txBody>
-          <a:bodyPr anchor="ctr">
-            <a:normAutofit/>
-          </a:bodyPr>
-          <a:lstStyle/>
-          <a:p>
-            <a:r>
-              <a:rPr lang="en-GB" sz="5000" b="1">
-                <a:solidFill>
-                  <a:schemeClr val="bg1"/>
-                </a:solidFill>
-                <a:ea typeface="+mj-lt"/>
-                <a:cs typeface="+mj-lt"/>
-              </a:rPr>
-              <a:t>CONCLUSION</a:t>
-            </a:r>
-            <a:endParaRPr lang="en-US" sz="5000" b="1">
-              <a:solidFill>
-                <a:schemeClr val="bg1"/>
-              </a:solidFill>
-              <a:cs typeface="Calibri Light"/>
-            </a:endParaRPr>
-          </a:p>
-        </p:txBody>
-      </p:sp>
-      <p:cxnSp>
-        <p:nvCxnSpPr>
-          <p:cNvPr id="19" name="Straight Connector 9">
-            <a:extLst>
-              <a:ext uri="{FF2B5EF4-FFF2-40B4-BE49-F238E27FC236}">
-                <a16:creationId xmlns:a16="http://schemas.microsoft.com/office/drawing/2014/main" id="{067633D1-6EE6-4118-B9F0-B363477BEE7A}"/>
-              </a:ext>
-              <a:ext uri="{C183D7F6-B498-43B3-948B-1728B52AA6E4}">
-                <adec:decorative xmlns:adec="http://schemas.microsoft.com/office/drawing/2017/decorative" val="1"/>
-              </a:ext>
-            </a:extLst>
-          </p:cNvPr>
-          <p:cNvCxnSpPr>
-            <a:cxnSpLocks noGrp="1" noRot="1" noChangeAspect="1" noMove="1" noResize="1" noEditPoints="1" noAdjustHandles="1" noChangeArrowheads="1" noChangeShapeType="1"/>
-          </p:cNvCxnSpPr>
-          <p:nvPr>
-            <p:extLst>
-              <p:ext uri="{386F3935-93C4-4BCD-93E2-E3B085C9AB24}">
-                <p16:designElem xmlns:p16="http://schemas.microsoft.com/office/powerpoint/2015/main" val="1"/>
-              </p:ext>
-            </p:extLst>
-          </p:nvPr>
-        </p:nvCxnSpPr>
-        <p:spPr>
-          <a:xfrm flipH="1">
-            <a:off x="1014141" y="1450655"/>
-            <a:ext cx="3932030" cy="0"/>
-          </a:xfrm>
-          <a:prstGeom prst="line">
-            <a:avLst/>
-          </a:prstGeom>
-          <a:ln w="12700">
-            <a:solidFill>
-              <a:schemeClr val="accent2"/>
-            </a:solidFill>
-          </a:ln>
-        </p:spPr>
-        <p:style>
-          <a:lnRef idx="1">
-            <a:schemeClr val="accent1"/>
-          </a:lnRef>
-          <a:fillRef idx="0">
-            <a:schemeClr val="accent1"/>
-          </a:fillRef>
-          <a:effectRef idx="0">
-            <a:schemeClr val="accent1"/>
-          </a:effectRef>
-          <a:fontRef idx="minor">
-            <a:schemeClr val="tx1"/>
-          </a:fontRef>
-        </p:style>
-      </p:cxnSp>
-      <p:cxnSp>
-        <p:nvCxnSpPr>
-          <p:cNvPr id="21" name="Straight Connector 11">
-            <a:extLst>
-              <a:ext uri="{FF2B5EF4-FFF2-40B4-BE49-F238E27FC236}">
-                <a16:creationId xmlns:a16="http://schemas.microsoft.com/office/drawing/2014/main" id="{4AD7FFC6-42A9-49CB-B5E9-B3F6B038331B}"/>
-              </a:ext>
-              <a:ext uri="{C183D7F6-B498-43B3-948B-1728B52AA6E4}">
-                <adec:decorative xmlns:adec="http://schemas.microsoft.com/office/drawing/2017/decorative" val="1"/>
-              </a:ext>
-            </a:extLst>
-          </p:cNvPr>
-          <p:cNvCxnSpPr>
-            <a:cxnSpLocks noGrp="1" noRot="1" noChangeAspect="1" noMove="1" noResize="1" noEditPoints="1" noAdjustHandles="1" noChangeArrowheads="1" noChangeShapeType="1"/>
-          </p:cNvCxnSpPr>
-          <p:nvPr>
-            <p:extLst>
-              <p:ext uri="{386F3935-93C4-4BCD-93E2-E3B085C9AB24}">
-                <p16:designElem xmlns:p16="http://schemas.microsoft.com/office/powerpoint/2015/main" val="1"/>
-              </p:ext>
-            </p:extLst>
-          </p:nvPr>
-        </p:nvCxnSpPr>
-        <p:spPr>
-          <a:xfrm flipH="1">
-            <a:off x="1014141" y="5408571"/>
-            <a:ext cx="3932030" cy="0"/>
-          </a:xfrm>
-          <a:prstGeom prst="line">
-            <a:avLst/>
-          </a:prstGeom>
-          <a:ln w="12700">
-            <a:solidFill>
-              <a:schemeClr val="accent2"/>
-            </a:solidFill>
-          </a:ln>
-        </p:spPr>
-        <p:style>
-          <a:lnRef idx="1">
-            <a:schemeClr val="accent1"/>
-          </a:lnRef>
-          <a:fillRef idx="0">
-            <a:schemeClr val="accent1"/>
-          </a:fillRef>
-          <a:effectRef idx="0">
-            <a:schemeClr val="accent1"/>
-          </a:effectRef>
-          <a:fontRef idx="minor">
-            <a:schemeClr val="tx1"/>
-          </a:fontRef>
-        </p:style>
-      </p:cxnSp>
-      <p:sp>
-        <p:nvSpPr>
-          <p:cNvPr id="3" name="Content Placeholder 2">
-            <a:extLst>
-              <a:ext uri="{FF2B5EF4-FFF2-40B4-BE49-F238E27FC236}">
-                <a16:creationId xmlns:a16="http://schemas.microsoft.com/office/drawing/2014/main" id="{0BE7DF99-53AF-5C42-9200-6D6D416117BB}"/>
-              </a:ext>
-            </a:extLst>
-          </p:cNvPr>
-          <p:cNvSpPr>
-            <a:spLocks noGrp="1"/>
-          </p:cNvSpPr>
-          <p:nvPr>
-            <p:ph idx="1"/>
-          </p:nvPr>
-        </p:nvSpPr>
-        <p:spPr>
-          <a:xfrm>
-            <a:off x="6096000" y="1108061"/>
-            <a:ext cx="5008901" cy="4571972"/>
-          </a:xfrm>
+          <a:noFill/>
         </p:spPr>
         <p:txBody>
           <a:bodyPr vert="horz" lIns="91440" tIns="45720" rIns="91440" bIns="45720" rtlCol="0" anchor="ctr">
@@ -12216,97 +12431,57 @@
           </a:bodyPr>
           <a:lstStyle/>
           <a:p>
-            <a:pPr algn="just"/>
+            <a:pPr algn="ctr"/>
             <a:r>
-              <a:rPr lang="en-GB" sz="2000" dirty="0">
+              <a:rPr lang="en-US" sz="3600" kern="1200">
                 <a:solidFill>
-                  <a:schemeClr val="bg1"/>
+                  <a:srgbClr val="FFFFFF"/>
                 </a:solidFill>
-                <a:cs typeface="Calibri"/>
+                <a:latin typeface="+mj-lt"/>
+                <a:ea typeface="+mj-ea"/>
+                <a:cs typeface="+mj-cs"/>
               </a:rPr>
-              <a:t>Although the accuracy of the algorithm is </a:t>
+              <a:t>MODEL LOSS</a:t>
             </a:r>
-            <a:r>
-              <a:rPr lang="en-GB" sz="2000">
-                <a:solidFill>
-                  <a:schemeClr val="bg1"/>
-                </a:solidFill>
-                <a:cs typeface="Calibri"/>
-              </a:rPr>
-              <a:t>around 79%, it can definitely be improved </a:t>
-            </a:r>
-            <a:r>
-              <a:rPr lang="en-GB" sz="2000" dirty="0">
-                <a:solidFill>
-                  <a:schemeClr val="bg1"/>
-                </a:solidFill>
-                <a:cs typeface="Calibri"/>
-              </a:rPr>
-              <a:t>by testing a bit more on the dataset.</a:t>
-            </a:r>
-            <a:endParaRPr lang="en-US" dirty="0">
-              <a:solidFill>
-                <a:schemeClr val="bg1"/>
-              </a:solidFill>
-            </a:endParaRPr>
-          </a:p>
-          <a:p>
-            <a:pPr algn="just"/>
-            <a:r>
-              <a:rPr lang="en-GB" sz="2000" dirty="0">
-                <a:solidFill>
-                  <a:schemeClr val="bg1"/>
-                </a:solidFill>
-                <a:cs typeface="Calibri"/>
-              </a:rPr>
-              <a:t>According to my calculations we can improve the accuracy to around 80%.</a:t>
-            </a:r>
-          </a:p>
-          <a:p>
-            <a:pPr algn="just"/>
-            <a:r>
-              <a:rPr lang="en-GB" sz="2000" dirty="0">
-                <a:solidFill>
-                  <a:schemeClr val="bg1"/>
-                </a:solidFill>
-                <a:cs typeface="Calibri"/>
-              </a:rPr>
-              <a:t>This makes is closer to the accuracy of the first dataset.</a:t>
-            </a:r>
-          </a:p>
-          <a:p>
-            <a:pPr algn="just"/>
-            <a:endParaRPr lang="en-GB" sz="2000">
-              <a:solidFill>
-                <a:schemeClr val="bg1"/>
-              </a:solidFill>
-              <a:cs typeface="Calibri"/>
-            </a:endParaRPr>
-          </a:p>
-          <a:p>
-            <a:pPr algn="just"/>
-            <a:endParaRPr lang="en-GB" sz="2000">
-              <a:solidFill>
-                <a:schemeClr val="bg1"/>
-              </a:solidFill>
-              <a:cs typeface="Calibri"/>
-            </a:endParaRPr>
-          </a:p>
-          <a:p>
-            <a:pPr algn="just"/>
-            <a:endParaRPr lang="en-GB" sz="2000">
-              <a:solidFill>
-                <a:schemeClr val="bg1"/>
-              </a:solidFill>
-              <a:cs typeface="Calibri"/>
-            </a:endParaRPr>
           </a:p>
         </p:txBody>
       </p:sp>
+      <p:pic>
+        <p:nvPicPr>
+          <p:cNvPr id="4" name="Picture 4" descr="Chart, histogram&#10;&#10;Description automatically generated">
+            <a:extLst>
+              <a:ext uri="{FF2B5EF4-FFF2-40B4-BE49-F238E27FC236}">
+                <a16:creationId xmlns:a16="http://schemas.microsoft.com/office/drawing/2014/main" id="{D6E5386E-8A7E-E71A-30CB-60F293613542}"/>
+              </a:ext>
+            </a:extLst>
+          </p:cNvPr>
+          <p:cNvPicPr>
+            <a:picLocks noGrp="1" noChangeAspect="1"/>
+          </p:cNvPicPr>
+          <p:nvPr>
+            <p:ph idx="1"/>
+          </p:nvPr>
+        </p:nvPicPr>
+        <p:blipFill>
+          <a:blip r:embed="rId2"/>
+          <a:stretch>
+            <a:fillRect/>
+          </a:stretch>
+        </p:blipFill>
+        <p:spPr>
+          <a:xfrm>
+            <a:off x="4777316" y="978307"/>
+            <a:ext cx="6780700" cy="4899056"/>
+          </a:xfrm>
+          <a:prstGeom prst="rect">
+            <a:avLst/>
+          </a:prstGeom>
+        </p:spPr>
+      </p:pic>
     </p:spTree>
     <p:extLst>
       <p:ext uri="{BB962C8B-B14F-4D97-AF65-F5344CB8AC3E}">
-        <p14:creationId xmlns:p14="http://schemas.microsoft.com/office/powerpoint/2010/main" val="187359538"/>
+        <p14:creationId xmlns:p14="http://schemas.microsoft.com/office/powerpoint/2010/main" val="1646892401"/>
       </p:ext>
     </p:extLst>
   </p:cSld>
